--- a/Energy Consumption.ppt.pptx
+++ b/Energy Consumption.ppt.pptx
@@ -5,38 +5,39 @@
     <p:sldMasterId id="2147483648" r:id="rId4"/>
   </p:sldMasterIdLst>
   <p:notesMasterIdLst>
-    <p:notesMasterId r:id="rId31"/>
+    <p:notesMasterId r:id="rId32"/>
   </p:notesMasterIdLst>
   <p:handoutMasterIdLst>
-    <p:handoutMasterId r:id="rId32"/>
+    <p:handoutMasterId r:id="rId33"/>
   </p:handoutMasterIdLst>
   <p:sldIdLst>
     <p:sldId id="256" r:id="rId5"/>
     <p:sldId id="257" r:id="rId6"/>
-    <p:sldId id="278" r:id="rId7"/>
-    <p:sldId id="258" r:id="rId8"/>
-    <p:sldId id="290" r:id="rId9"/>
-    <p:sldId id="279" r:id="rId10"/>
-    <p:sldId id="286" r:id="rId11"/>
-    <p:sldId id="287" r:id="rId12"/>
-    <p:sldId id="288" r:id="rId13"/>
-    <p:sldId id="289" r:id="rId14"/>
-    <p:sldId id="280" r:id="rId15"/>
-    <p:sldId id="281" r:id="rId16"/>
-    <p:sldId id="282" r:id="rId17"/>
-    <p:sldId id="283" r:id="rId18"/>
-    <p:sldId id="291" r:id="rId19"/>
-    <p:sldId id="284" r:id="rId20"/>
-    <p:sldId id="292" r:id="rId21"/>
-    <p:sldId id="293" r:id="rId22"/>
-    <p:sldId id="294" r:id="rId23"/>
-    <p:sldId id="295" r:id="rId24"/>
-    <p:sldId id="296" r:id="rId25"/>
-    <p:sldId id="297" r:id="rId26"/>
-    <p:sldId id="298" r:id="rId27"/>
-    <p:sldId id="299" r:id="rId28"/>
-    <p:sldId id="300" r:id="rId29"/>
-    <p:sldId id="271" r:id="rId30"/>
+    <p:sldId id="301" r:id="rId7"/>
+    <p:sldId id="278" r:id="rId8"/>
+    <p:sldId id="302" r:id="rId9"/>
+    <p:sldId id="258" r:id="rId10"/>
+    <p:sldId id="290" r:id="rId11"/>
+    <p:sldId id="279" r:id="rId12"/>
+    <p:sldId id="286" r:id="rId13"/>
+    <p:sldId id="287" r:id="rId14"/>
+    <p:sldId id="288" r:id="rId15"/>
+    <p:sldId id="289" r:id="rId16"/>
+    <p:sldId id="280" r:id="rId17"/>
+    <p:sldId id="281" r:id="rId18"/>
+    <p:sldId id="282" r:id="rId19"/>
+    <p:sldId id="283" r:id="rId20"/>
+    <p:sldId id="284" r:id="rId21"/>
+    <p:sldId id="292" r:id="rId22"/>
+    <p:sldId id="293" r:id="rId23"/>
+    <p:sldId id="294" r:id="rId24"/>
+    <p:sldId id="295" r:id="rId25"/>
+    <p:sldId id="296" r:id="rId26"/>
+    <p:sldId id="297" r:id="rId27"/>
+    <p:sldId id="298" r:id="rId28"/>
+    <p:sldId id="299" r:id="rId29"/>
+    <p:sldId id="300" r:id="rId30"/>
+    <p:sldId id="271" r:id="rId31"/>
   </p:sldIdLst>
   <p:sldSz cx="12192000" cy="6858000"/>
   <p:notesSz cx="6858000" cy="9144000"/>
@@ -842,7 +843,7 @@
     </p:spTree>
     <p:extLst>
       <p:ext uri="{BB962C8B-B14F-4D97-AF65-F5344CB8AC3E}">
-        <p14:creationId xmlns:p14="http://schemas.microsoft.com/office/powerpoint/2010/main" val="840986708"/>
+        <p14:creationId xmlns:p14="http://schemas.microsoft.com/office/powerpoint/2010/main" val="1025326889"/>
       </p:ext>
     </p:extLst>
   </p:cSld>
@@ -857,13 +858,7 @@
   <p:cSld>
     <p:spTree>
       <p:nvGrpSpPr>
-        <p:cNvPr id="1" name="">
-          <a:extLst>
-            <a:ext uri="{FF2B5EF4-FFF2-40B4-BE49-F238E27FC236}">
-              <a16:creationId xmlns:a16="http://schemas.microsoft.com/office/drawing/2014/main" id="{E57C6F84-CEBA-0553-A7DD-4C910D373C1D}"/>
-            </a:ext>
-          </a:extLst>
-        </p:cNvPr>
+        <p:cNvPr id="1" name=""/>
         <p:cNvGrpSpPr/>
         <p:nvPr/>
       </p:nvGrpSpPr>
@@ -877,13 +872,7 @@
       </p:grpSpPr>
       <p:sp>
         <p:nvSpPr>
-          <p:cNvPr id="2" name="Slide Image Placeholder 1">
-            <a:extLst>
-              <a:ext uri="{FF2B5EF4-FFF2-40B4-BE49-F238E27FC236}">
-                <a16:creationId xmlns:a16="http://schemas.microsoft.com/office/drawing/2014/main" id="{FE2D062C-3282-F864-9AAB-0BDB3047628E}"/>
-              </a:ext>
-            </a:extLst>
-          </p:cNvPr>
+          <p:cNvPr id="2" name="Slide Image Placeholder 1"/>
           <p:cNvSpPr>
             <a:spLocks noGrp="1" noRot="1" noChangeAspect="1"/>
           </p:cNvSpPr>
@@ -895,13 +884,7 @@
       </p:sp>
       <p:sp>
         <p:nvSpPr>
-          <p:cNvPr id="3" name="Notes Placeholder 2">
-            <a:extLst>
-              <a:ext uri="{FF2B5EF4-FFF2-40B4-BE49-F238E27FC236}">
-                <a16:creationId xmlns:a16="http://schemas.microsoft.com/office/drawing/2014/main" id="{808E0F36-6A3A-A4F4-0F89-DFF09F381561}"/>
-              </a:ext>
-            </a:extLst>
-          </p:cNvPr>
+          <p:cNvPr id="3" name="Notes Placeholder 2"/>
           <p:cNvSpPr>
             <a:spLocks noGrp="1"/>
           </p:cNvSpPr>
@@ -920,13 +903,7 @@
       </p:sp>
       <p:sp>
         <p:nvSpPr>
-          <p:cNvPr id="4" name="Slide Number Placeholder 3">
-            <a:extLst>
-              <a:ext uri="{FF2B5EF4-FFF2-40B4-BE49-F238E27FC236}">
-                <a16:creationId xmlns:a16="http://schemas.microsoft.com/office/drawing/2014/main" id="{4B63002B-8A1D-89CB-9526-391C651DB4FE}"/>
-              </a:ext>
-            </a:extLst>
-          </p:cNvPr>
+          <p:cNvPr id="4" name="Slide Number Placeholder 3"/>
           <p:cNvSpPr>
             <a:spLocks noGrp="1"/>
           </p:cNvSpPr>
@@ -950,7 +927,7 @@
     </p:spTree>
     <p:extLst>
       <p:ext uri="{BB962C8B-B14F-4D97-AF65-F5344CB8AC3E}">
-        <p14:creationId xmlns:p14="http://schemas.microsoft.com/office/powerpoint/2010/main" val="3247373065"/>
+        <p14:creationId xmlns:p14="http://schemas.microsoft.com/office/powerpoint/2010/main" val="236659336"/>
       </p:ext>
     </p:extLst>
   </p:cSld>
@@ -1034,6 +1011,90 @@
     </p:spTree>
     <p:extLst>
       <p:ext uri="{BB962C8B-B14F-4D97-AF65-F5344CB8AC3E}">
+        <p14:creationId xmlns:p14="http://schemas.microsoft.com/office/powerpoint/2010/main" val="840986708"/>
+      </p:ext>
+    </p:extLst>
+  </p:cSld>
+  <p:clrMapOvr>
+    <a:masterClrMapping/>
+  </p:clrMapOvr>
+</p:notes>
+</file>
+
+<file path=ppt/notesSlides/notesSlide13.xml><?xml version="1.0" encoding="utf-8"?>
+<p:notes xmlns:a="http://schemas.openxmlformats.org/drawingml/2006/main" xmlns:r="http://schemas.openxmlformats.org/officeDocument/2006/relationships" xmlns:p="http://schemas.openxmlformats.org/presentationml/2006/main">
+  <p:cSld>
+    <p:spTree>
+      <p:nvGrpSpPr>
+        <p:cNvPr id="1" name=""/>
+        <p:cNvGrpSpPr/>
+        <p:nvPr/>
+      </p:nvGrpSpPr>
+      <p:grpSpPr>
+        <a:xfrm>
+          <a:off x="0" y="0"/>
+          <a:ext cx="0" cy="0"/>
+          <a:chOff x="0" y="0"/>
+          <a:chExt cx="0" cy="0"/>
+        </a:xfrm>
+      </p:grpSpPr>
+      <p:sp>
+        <p:nvSpPr>
+          <p:cNvPr id="2" name="Slide Image Placeholder 1"/>
+          <p:cNvSpPr>
+            <a:spLocks noGrp="1" noRot="1" noChangeAspect="1"/>
+          </p:cNvSpPr>
+          <p:nvPr>
+            <p:ph type="sldImg"/>
+          </p:nvPr>
+        </p:nvSpPr>
+        <p:spPr/>
+      </p:sp>
+      <p:sp>
+        <p:nvSpPr>
+          <p:cNvPr id="3" name="Notes Placeholder 2"/>
+          <p:cNvSpPr>
+            <a:spLocks noGrp="1"/>
+          </p:cNvSpPr>
+          <p:nvPr>
+            <p:ph type="body" idx="1"/>
+          </p:nvPr>
+        </p:nvSpPr>
+        <p:spPr/>
+        <p:txBody>
+          <a:bodyPr/>
+          <a:lstStyle/>
+          <a:p>
+            <a:endParaRPr lang="en-US" dirty="0"/>
+          </a:p>
+        </p:txBody>
+      </p:sp>
+      <p:sp>
+        <p:nvSpPr>
+          <p:cNvPr id="4" name="Slide Number Placeholder 3"/>
+          <p:cNvSpPr>
+            <a:spLocks noGrp="1"/>
+          </p:cNvSpPr>
+          <p:nvPr>
+            <p:ph type="sldNum" sz="quarter" idx="5"/>
+          </p:nvPr>
+        </p:nvSpPr>
+        <p:spPr/>
+        <p:txBody>
+          <a:bodyPr/>
+          <a:lstStyle/>
+          <a:p>
+            <a:fld id="{22289C57-55D7-40A4-A101-E74FAC7A092B}" type="slidenum">
+              <a:rPr lang="en-US" smtClean="0"/>
+              <a:t>17</a:t>
+            </a:fld>
+            <a:endParaRPr lang="en-US" dirty="0"/>
+          </a:p>
+        </p:txBody>
+      </p:sp>
+    </p:spTree>
+    <p:extLst>
+      <p:ext uri="{BB962C8B-B14F-4D97-AF65-F5344CB8AC3E}">
         <p14:creationId xmlns:p14="http://schemas.microsoft.com/office/powerpoint/2010/main" val="575465472"/>
       </p:ext>
     </p:extLst>
@@ -1044,7 +1105,7 @@
 </p:notes>
 </file>
 
-<file path=ppt/notesSlides/notesSlide13.xml><?xml version="1.0" encoding="utf-8"?>
+<file path=ppt/notesSlides/notesSlide14.xml><?xml version="1.0" encoding="utf-8"?>
 <p:notes xmlns:a="http://schemas.openxmlformats.org/drawingml/2006/main" xmlns:r="http://schemas.openxmlformats.org/officeDocument/2006/relationships" xmlns:p="http://schemas.openxmlformats.org/presentationml/2006/main">
   <p:cSld>
     <p:spTree>
@@ -1133,7 +1194,7 @@
           <a:p>
             <a:fld id="{22289C57-55D7-40A4-A101-E74FAC7A092B}" type="slidenum">
               <a:rPr lang="en-US" smtClean="0"/>
-              <a:t>17</a:t>
+              <a:t>18</a:t>
             </a:fld>
             <a:endParaRPr lang="en-US" dirty="0"/>
           </a:p>
@@ -1152,7 +1213,7 @@
 </p:notes>
 </file>
 
-<file path=ppt/notesSlides/notesSlide14.xml><?xml version="1.0" encoding="utf-8"?>
+<file path=ppt/notesSlides/notesSlide15.xml><?xml version="1.0" encoding="utf-8"?>
 <p:notes xmlns:a="http://schemas.openxmlformats.org/drawingml/2006/main" xmlns:r="http://schemas.openxmlformats.org/officeDocument/2006/relationships" xmlns:p="http://schemas.openxmlformats.org/presentationml/2006/main">
   <p:cSld>
     <p:spTree>
@@ -1217,7 +1278,7 @@
           <a:p>
             <a:fld id="{22289C57-55D7-40A4-A101-E74FAC7A092B}" type="slidenum">
               <a:rPr lang="en-US" smtClean="0"/>
-              <a:t>26</a:t>
+              <a:t>27</a:t>
             </a:fld>
             <a:endParaRPr lang="en-US" dirty="0"/>
           </a:p>
@@ -1325,7 +1386,13 @@
   <p:cSld>
     <p:spTree>
       <p:nvGrpSpPr>
-        <p:cNvPr id="1" name=""/>
+        <p:cNvPr id="1" name="">
+          <a:extLst>
+            <a:ext uri="{FF2B5EF4-FFF2-40B4-BE49-F238E27FC236}">
+              <a16:creationId xmlns:a16="http://schemas.microsoft.com/office/drawing/2014/main" id="{3925EC5B-DCF8-EB53-2724-4F88D3432A96}"/>
+            </a:ext>
+          </a:extLst>
+        </p:cNvPr>
         <p:cNvGrpSpPr/>
         <p:nvPr/>
       </p:nvGrpSpPr>
@@ -1339,7 +1406,13 @@
       </p:grpSpPr>
       <p:sp>
         <p:nvSpPr>
-          <p:cNvPr id="2" name="Slide Image Placeholder 1"/>
+          <p:cNvPr id="2" name="Slide Image Placeholder 1">
+            <a:extLst>
+              <a:ext uri="{FF2B5EF4-FFF2-40B4-BE49-F238E27FC236}">
+                <a16:creationId xmlns:a16="http://schemas.microsoft.com/office/drawing/2014/main" id="{CF998EB2-C350-FBD9-753E-3FEC090E929F}"/>
+              </a:ext>
+            </a:extLst>
+          </p:cNvPr>
           <p:cNvSpPr>
             <a:spLocks noGrp="1" noRot="1" noChangeAspect="1"/>
           </p:cNvSpPr>
@@ -1351,7 +1424,13 @@
       </p:sp>
       <p:sp>
         <p:nvSpPr>
-          <p:cNvPr id="3" name="Notes Placeholder 2"/>
+          <p:cNvPr id="3" name="Notes Placeholder 2">
+            <a:extLst>
+              <a:ext uri="{FF2B5EF4-FFF2-40B4-BE49-F238E27FC236}">
+                <a16:creationId xmlns:a16="http://schemas.microsoft.com/office/drawing/2014/main" id="{17A3E716-2C66-D8B8-EAB1-BDC5D6F92A78}"/>
+              </a:ext>
+            </a:extLst>
+          </p:cNvPr>
           <p:cNvSpPr>
             <a:spLocks noGrp="1"/>
           </p:cNvSpPr>
@@ -1370,7 +1449,13 @@
       </p:sp>
       <p:sp>
         <p:nvSpPr>
-          <p:cNvPr id="4" name="Slide Number Placeholder 3"/>
+          <p:cNvPr id="4" name="Slide Number Placeholder 3">
+            <a:extLst>
+              <a:ext uri="{FF2B5EF4-FFF2-40B4-BE49-F238E27FC236}">
+                <a16:creationId xmlns:a16="http://schemas.microsoft.com/office/drawing/2014/main" id="{50178956-6E6A-7BB5-B743-67F941FAAF56}"/>
+              </a:ext>
+            </a:extLst>
+          </p:cNvPr>
           <p:cNvSpPr>
             <a:spLocks noGrp="1"/>
           </p:cNvSpPr>
@@ -1394,7 +1479,7 @@
     </p:spTree>
     <p:extLst>
       <p:ext uri="{BB962C8B-B14F-4D97-AF65-F5344CB8AC3E}">
-        <p14:creationId xmlns:p14="http://schemas.microsoft.com/office/powerpoint/2010/main" val="2182522689"/>
+        <p14:creationId xmlns:p14="http://schemas.microsoft.com/office/powerpoint/2010/main" val="1659643357"/>
       </p:ext>
     </p:extLst>
   </p:cSld>
@@ -1478,7 +1563,7 @@
     </p:spTree>
     <p:extLst>
       <p:ext uri="{BB962C8B-B14F-4D97-AF65-F5344CB8AC3E}">
-        <p14:creationId xmlns:p14="http://schemas.microsoft.com/office/powerpoint/2010/main" val="2843954456"/>
+        <p14:creationId xmlns:p14="http://schemas.microsoft.com/office/powerpoint/2010/main" val="2182522689"/>
       </p:ext>
     </p:extLst>
   </p:cSld>
@@ -1496,7 +1581,7 @@
         <p:cNvPr id="1" name="">
           <a:extLst>
             <a:ext uri="{FF2B5EF4-FFF2-40B4-BE49-F238E27FC236}">
-              <a16:creationId xmlns:a16="http://schemas.microsoft.com/office/drawing/2014/main" id="{C75B9FC4-CF0B-F91C-949B-6D595AA37900}"/>
+              <a16:creationId xmlns:a16="http://schemas.microsoft.com/office/drawing/2014/main" id="{6EC67252-888E-A7FA-8809-3AE6DE18570B}"/>
             </a:ext>
           </a:extLst>
         </p:cNvPr>
@@ -1516,7 +1601,7 @@
           <p:cNvPr id="2" name="Slide Image Placeholder 1">
             <a:extLst>
               <a:ext uri="{FF2B5EF4-FFF2-40B4-BE49-F238E27FC236}">
-                <a16:creationId xmlns:a16="http://schemas.microsoft.com/office/drawing/2014/main" id="{C10E4BEE-A920-44E2-0C94-364C34C9530B}"/>
+                <a16:creationId xmlns:a16="http://schemas.microsoft.com/office/drawing/2014/main" id="{593F20ED-C157-EDA6-DDC6-E473F0BFD30D}"/>
               </a:ext>
             </a:extLst>
           </p:cNvPr>
@@ -1534,7 +1619,7 @@
           <p:cNvPr id="3" name="Notes Placeholder 2">
             <a:extLst>
               <a:ext uri="{FF2B5EF4-FFF2-40B4-BE49-F238E27FC236}">
-                <a16:creationId xmlns:a16="http://schemas.microsoft.com/office/drawing/2014/main" id="{5F72C360-15C0-2C8F-73F6-DBFCECD06CD8}"/>
+                <a16:creationId xmlns:a16="http://schemas.microsoft.com/office/drawing/2014/main" id="{8430640E-52AC-1CFB-C774-60ACE77D0FAF}"/>
               </a:ext>
             </a:extLst>
           </p:cNvPr>
@@ -1559,7 +1644,7 @@
           <p:cNvPr id="4" name="Slide Number Placeholder 3">
             <a:extLst>
               <a:ext uri="{FF2B5EF4-FFF2-40B4-BE49-F238E27FC236}">
-                <a16:creationId xmlns:a16="http://schemas.microsoft.com/office/drawing/2014/main" id="{FD381726-99BB-D881-5CFE-719719D71012}"/>
+                <a16:creationId xmlns:a16="http://schemas.microsoft.com/office/drawing/2014/main" id="{B7DB0DBA-1990-DBE1-0C0D-D8152094DC1A}"/>
               </a:ext>
             </a:extLst>
           </p:cNvPr>
@@ -1586,7 +1671,7 @@
     </p:spTree>
     <p:extLst>
       <p:ext uri="{BB962C8B-B14F-4D97-AF65-F5344CB8AC3E}">
-        <p14:creationId xmlns:p14="http://schemas.microsoft.com/office/powerpoint/2010/main" val="1762969822"/>
+        <p14:creationId xmlns:p14="http://schemas.microsoft.com/office/powerpoint/2010/main" val="2799780992"/>
       </p:ext>
     </p:extLst>
   </p:cSld>
@@ -1670,7 +1755,7 @@
     </p:spTree>
     <p:extLst>
       <p:ext uri="{BB962C8B-B14F-4D97-AF65-F5344CB8AC3E}">
-        <p14:creationId xmlns:p14="http://schemas.microsoft.com/office/powerpoint/2010/main" val="2090324125"/>
+        <p14:creationId xmlns:p14="http://schemas.microsoft.com/office/powerpoint/2010/main" val="2843954456"/>
       </p:ext>
     </p:extLst>
   </p:cSld>
@@ -1685,7 +1770,13 @@
   <p:cSld>
     <p:spTree>
       <p:nvGrpSpPr>
-        <p:cNvPr id="1" name=""/>
+        <p:cNvPr id="1" name="">
+          <a:extLst>
+            <a:ext uri="{FF2B5EF4-FFF2-40B4-BE49-F238E27FC236}">
+              <a16:creationId xmlns:a16="http://schemas.microsoft.com/office/drawing/2014/main" id="{C75B9FC4-CF0B-F91C-949B-6D595AA37900}"/>
+            </a:ext>
+          </a:extLst>
+        </p:cNvPr>
         <p:cNvGrpSpPr/>
         <p:nvPr/>
       </p:nvGrpSpPr>
@@ -1699,7 +1790,13 @@
       </p:grpSpPr>
       <p:sp>
         <p:nvSpPr>
-          <p:cNvPr id="2" name="Slide Image Placeholder 1"/>
+          <p:cNvPr id="2" name="Slide Image Placeholder 1">
+            <a:extLst>
+              <a:ext uri="{FF2B5EF4-FFF2-40B4-BE49-F238E27FC236}">
+                <a16:creationId xmlns:a16="http://schemas.microsoft.com/office/drawing/2014/main" id="{C10E4BEE-A920-44E2-0C94-364C34C9530B}"/>
+              </a:ext>
+            </a:extLst>
+          </p:cNvPr>
           <p:cNvSpPr>
             <a:spLocks noGrp="1" noRot="1" noChangeAspect="1"/>
           </p:cNvSpPr>
@@ -1711,7 +1808,13 @@
       </p:sp>
       <p:sp>
         <p:nvSpPr>
-          <p:cNvPr id="3" name="Notes Placeholder 2"/>
+          <p:cNvPr id="3" name="Notes Placeholder 2">
+            <a:extLst>
+              <a:ext uri="{FF2B5EF4-FFF2-40B4-BE49-F238E27FC236}">
+                <a16:creationId xmlns:a16="http://schemas.microsoft.com/office/drawing/2014/main" id="{5F72C360-15C0-2C8F-73F6-DBFCECD06CD8}"/>
+              </a:ext>
+            </a:extLst>
+          </p:cNvPr>
           <p:cNvSpPr>
             <a:spLocks noGrp="1"/>
           </p:cNvSpPr>
@@ -1730,7 +1833,13 @@
       </p:sp>
       <p:sp>
         <p:nvSpPr>
-          <p:cNvPr id="4" name="Slide Number Placeholder 3"/>
+          <p:cNvPr id="4" name="Slide Number Placeholder 3">
+            <a:extLst>
+              <a:ext uri="{FF2B5EF4-FFF2-40B4-BE49-F238E27FC236}">
+                <a16:creationId xmlns:a16="http://schemas.microsoft.com/office/drawing/2014/main" id="{FD381726-99BB-D881-5CFE-719719D71012}"/>
+              </a:ext>
+            </a:extLst>
+          </p:cNvPr>
           <p:cNvSpPr>
             <a:spLocks noGrp="1"/>
           </p:cNvSpPr>
@@ -1745,7 +1854,7 @@
           <a:p>
             <a:fld id="{22289C57-55D7-40A4-A101-E74FAC7A092B}" type="slidenum">
               <a:rPr lang="en-US" smtClean="0"/>
-              <a:t>11</a:t>
+              <a:t>7</a:t>
             </a:fld>
             <a:endParaRPr lang="en-US" dirty="0"/>
           </a:p>
@@ -1754,7 +1863,7 @@
     </p:spTree>
     <p:extLst>
       <p:ext uri="{BB962C8B-B14F-4D97-AF65-F5344CB8AC3E}">
-        <p14:creationId xmlns:p14="http://schemas.microsoft.com/office/powerpoint/2010/main" val="2066144023"/>
+        <p14:creationId xmlns:p14="http://schemas.microsoft.com/office/powerpoint/2010/main" val="1762969822"/>
       </p:ext>
     </p:extLst>
   </p:cSld>
@@ -1829,7 +1938,7 @@
           <a:p>
             <a:fld id="{22289C57-55D7-40A4-A101-E74FAC7A092B}" type="slidenum">
               <a:rPr lang="en-US" smtClean="0"/>
-              <a:t>12</a:t>
+              <a:t>8</a:t>
             </a:fld>
             <a:endParaRPr lang="en-US" dirty="0"/>
           </a:p>
@@ -1838,7 +1947,7 @@
     </p:spTree>
     <p:extLst>
       <p:ext uri="{BB962C8B-B14F-4D97-AF65-F5344CB8AC3E}">
-        <p14:creationId xmlns:p14="http://schemas.microsoft.com/office/powerpoint/2010/main" val="1025326889"/>
+        <p14:creationId xmlns:p14="http://schemas.microsoft.com/office/powerpoint/2010/main" val="2090324125"/>
       </p:ext>
     </p:extLst>
   </p:cSld>
@@ -1922,7 +2031,7 @@
     </p:spTree>
     <p:extLst>
       <p:ext uri="{BB962C8B-B14F-4D97-AF65-F5344CB8AC3E}">
-        <p14:creationId xmlns:p14="http://schemas.microsoft.com/office/powerpoint/2010/main" val="236659336"/>
+        <p14:creationId xmlns:p14="http://schemas.microsoft.com/office/powerpoint/2010/main" val="2702242462"/>
       </p:ext>
     </p:extLst>
   </p:cSld>
@@ -7389,6 +7498,596 @@
         <p:cNvPr id="1" name="">
           <a:extLst>
             <a:ext uri="{FF2B5EF4-FFF2-40B4-BE49-F238E27FC236}">
+              <a16:creationId xmlns:a16="http://schemas.microsoft.com/office/drawing/2014/main" id="{CB2F49C1-4E10-DF63-F6BA-AFE74092A6B7}"/>
+            </a:ext>
+          </a:extLst>
+        </p:cNvPr>
+        <p:cNvGrpSpPr/>
+        <p:nvPr/>
+      </p:nvGrpSpPr>
+      <p:grpSpPr>
+        <a:xfrm>
+          <a:off x="0" y="0"/>
+          <a:ext cx="0" cy="0"/>
+          <a:chOff x="0" y="0"/>
+          <a:chExt cx="0" cy="0"/>
+        </a:xfrm>
+      </p:grpSpPr>
+      <p:sp>
+        <p:nvSpPr>
+          <p:cNvPr id="2" name="Title 1">
+            <a:extLst>
+              <a:ext uri="{FF2B5EF4-FFF2-40B4-BE49-F238E27FC236}">
+                <a16:creationId xmlns:a16="http://schemas.microsoft.com/office/drawing/2014/main" id="{7AF65A99-E4F9-E323-A79C-9F489CB76F0C}"/>
+              </a:ext>
+            </a:extLst>
+          </p:cNvPr>
+          <p:cNvSpPr>
+            <a:spLocks noGrp="1"/>
+          </p:cNvSpPr>
+          <p:nvPr>
+            <p:ph type="title"/>
+          </p:nvPr>
+        </p:nvSpPr>
+        <p:spPr>
+          <a:xfrm>
+            <a:off x="0" y="594735"/>
+            <a:ext cx="6497089" cy="1325563"/>
+          </a:xfrm>
+        </p:spPr>
+        <p:txBody>
+          <a:bodyPr>
+            <a:noAutofit/>
+          </a:bodyPr>
+          <a:lstStyle/>
+          <a:p>
+            <a:r>
+              <a:rPr lang="en-GB" sz="2000" b="0" i="0" dirty="0">
+                <a:solidFill>
+                  <a:srgbClr val="E3E3E3"/>
+                </a:solidFill>
+                <a:effectLst/>
+              </a:rPr>
+              <a:t> </a:t>
+            </a:r>
+            <a:r>
+              <a:rPr lang="en-GB" sz="2000" dirty="0">
+                <a:solidFill>
+                  <a:srgbClr val="E3E3E3"/>
+                </a:solidFill>
+              </a:rPr>
+              <a:t>2.</a:t>
+            </a:r>
+            <a:r>
+              <a:rPr lang="en-GB" sz="2000" b="0" i="0" dirty="0">
+                <a:solidFill>
+                  <a:srgbClr val="E3E3E3"/>
+                </a:solidFill>
+                <a:effectLst/>
+              </a:rPr>
+              <a:t> What is the nature of the relationship between '</a:t>
+            </a:r>
+            <a:r>
+              <a:rPr lang="en-GB" sz="2000" b="0" i="0" dirty="0" err="1">
+                <a:solidFill>
+                  <a:srgbClr val="E3E3E3"/>
+                </a:solidFill>
+                <a:effectLst/>
+              </a:rPr>
+              <a:t>Global_active_power</a:t>
+            </a:r>
+            <a:r>
+              <a:rPr lang="en-GB" sz="2000" b="0" i="0" dirty="0">
+                <a:solidFill>
+                  <a:srgbClr val="E3E3E3"/>
+                </a:solidFill>
+                <a:effectLst/>
+              </a:rPr>
+              <a:t>' and 'Voltage’?</a:t>
+            </a:r>
+            <a:br>
+              <a:rPr lang="en-GB" sz="2000" b="0" i="0" dirty="0">
+                <a:solidFill>
+                  <a:srgbClr val="E3E3E3"/>
+                </a:solidFill>
+                <a:effectLst/>
+              </a:rPr>
+            </a:br>
+            <a:br>
+              <a:rPr lang="en-GB" sz="2000" b="0" i="0" dirty="0">
+                <a:solidFill>
+                  <a:srgbClr val="E3E3E3"/>
+                </a:solidFill>
+                <a:effectLst/>
+              </a:rPr>
+            </a:br>
+            <a:endParaRPr lang="en-GB" sz="2000" dirty="0"/>
+          </a:p>
+        </p:txBody>
+      </p:sp>
+      <p:sp>
+        <p:nvSpPr>
+          <p:cNvPr id="3" name="Content Placeholder 2">
+            <a:extLst>
+              <a:ext uri="{FF2B5EF4-FFF2-40B4-BE49-F238E27FC236}">
+                <a16:creationId xmlns:a16="http://schemas.microsoft.com/office/drawing/2014/main" id="{47C86CC5-AE6E-F3D3-B048-A6C6046A7ABB}"/>
+              </a:ext>
+            </a:extLst>
+          </p:cNvPr>
+          <p:cNvSpPr>
+            <a:spLocks noGrp="1"/>
+          </p:cNvSpPr>
+          <p:nvPr>
+            <p:ph idx="1"/>
+          </p:nvPr>
+        </p:nvSpPr>
+        <p:spPr/>
+        <p:txBody>
+          <a:bodyPr/>
+          <a:lstStyle/>
+          <a:p>
+            <a:endParaRPr lang="en-GB" dirty="0"/>
+          </a:p>
+        </p:txBody>
+      </p:sp>
+      <p:sp>
+        <p:nvSpPr>
+          <p:cNvPr id="4" name="Slide Number Placeholder 3">
+            <a:extLst>
+              <a:ext uri="{FF2B5EF4-FFF2-40B4-BE49-F238E27FC236}">
+                <a16:creationId xmlns:a16="http://schemas.microsoft.com/office/drawing/2014/main" id="{31AE8CC0-B69B-977E-0EF1-B874B8425F31}"/>
+              </a:ext>
+            </a:extLst>
+          </p:cNvPr>
+          <p:cNvSpPr>
+            <a:spLocks noGrp="1"/>
+          </p:cNvSpPr>
+          <p:nvPr>
+            <p:ph type="sldNum" sz="quarter" idx="12"/>
+          </p:nvPr>
+        </p:nvSpPr>
+        <p:spPr/>
+        <p:txBody>
+          <a:bodyPr/>
+          <a:lstStyle/>
+          <a:p>
+            <a:fld id="{A49DFD55-3C28-40EF-9E31-A92D2E4017FF}" type="slidenum">
+              <a:rPr lang="en-US" smtClean="0"/>
+              <a:pPr/>
+              <a:t>10</a:t>
+            </a:fld>
+            <a:endParaRPr lang="en-US" dirty="0"/>
+          </a:p>
+        </p:txBody>
+      </p:sp>
+      <p:sp>
+        <p:nvSpPr>
+          <p:cNvPr id="5" name="TextBox 4">
+            <a:extLst>
+              <a:ext uri="{FF2B5EF4-FFF2-40B4-BE49-F238E27FC236}">
+                <a16:creationId xmlns:a16="http://schemas.microsoft.com/office/drawing/2014/main" id="{5A46F400-F20F-03B2-6564-4D6E113A821A}"/>
+              </a:ext>
+            </a:extLst>
+          </p:cNvPr>
+          <p:cNvSpPr txBox="1"/>
+          <p:nvPr/>
+        </p:nvSpPr>
+        <p:spPr>
+          <a:xfrm>
+            <a:off x="365760" y="1778924"/>
+            <a:ext cx="4056611" cy="4098558"/>
+          </a:xfrm>
+          <a:prstGeom prst="rect">
+            <a:avLst/>
+          </a:prstGeom>
+          <a:noFill/>
+        </p:spPr>
+        <p:txBody>
+          <a:bodyPr wrap="square" rtlCol="0">
+            <a:spAutoFit/>
+          </a:bodyPr>
+          <a:lstStyle/>
+          <a:p>
+            <a:pPr algn="l">
+              <a:spcAft>
+                <a:spcPts val="450"/>
+              </a:spcAft>
+            </a:pPr>
+            <a:r>
+              <a:rPr lang="en-GB" b="0" i="0" dirty="0">
+                <a:solidFill>
+                  <a:srgbClr val="E3E3E3"/>
+                </a:solidFill>
+                <a:effectLst/>
+              </a:rPr>
+              <a:t>1.The voltage ranges from around 223.169 to 232.485 volts show the highest levels of average Global Active Power, with values above 2 kilowatts. This suggests that lower voltages are associated with higher power draw.</a:t>
+            </a:r>
+          </a:p>
+          <a:p>
+            <a:pPr algn="l">
+              <a:spcAft>
+                <a:spcPts val="450"/>
+              </a:spcAft>
+            </a:pPr>
+            <a:r>
+              <a:rPr lang="en-GB" b="0" i="0" dirty="0">
+                <a:solidFill>
+                  <a:srgbClr val="E3E3E3"/>
+                </a:solidFill>
+                <a:effectLst/>
+              </a:rPr>
+              <a:t>2.The chart reveals a general trend where the average Global Active Power decreases as the voltage range increases. In lower voltage ranges the average Global Active Power is higher, while in higher voltage ranges the average power consumption is lower.</a:t>
+            </a:r>
+          </a:p>
+          <a:p>
+            <a:endParaRPr lang="en-GB" dirty="0"/>
+          </a:p>
+        </p:txBody>
+      </p:sp>
+      <p:pic>
+        <p:nvPicPr>
+          <p:cNvPr id="3074" name="Picture 2">
+            <a:extLst>
+              <a:ext uri="{FF2B5EF4-FFF2-40B4-BE49-F238E27FC236}">
+                <a16:creationId xmlns:a16="http://schemas.microsoft.com/office/drawing/2014/main" id="{ED0FE7AC-4112-3A36-7828-9CC70BEA3344}"/>
+              </a:ext>
+            </a:extLst>
+          </p:cNvPr>
+          <p:cNvPicPr>
+            <a:picLocks noChangeAspect="1" noChangeArrowheads="1"/>
+          </p:cNvPicPr>
+          <p:nvPr/>
+        </p:nvPicPr>
+        <p:blipFill>
+          <a:blip r:embed="rId2">
+            <a:extLst>
+              <a:ext uri="{28A0092B-C50C-407E-A947-70E740481C1C}">
+                <a14:useLocalDpi xmlns:a14="http://schemas.microsoft.com/office/drawing/2010/main" val="0"/>
+              </a:ext>
+            </a:extLst>
+          </a:blip>
+          <a:srcRect/>
+          <a:stretch>
+            <a:fillRect/>
+          </a:stretch>
+        </p:blipFill>
+        <p:spPr bwMode="auto">
+          <a:xfrm>
+            <a:off x="5049760" y="1563189"/>
+            <a:ext cx="6594899" cy="4394403"/>
+          </a:xfrm>
+          <a:prstGeom prst="rect">
+            <a:avLst/>
+          </a:prstGeom>
+          <a:noFill/>
+          <a:extLst>
+            <a:ext uri="{909E8E84-426E-40DD-AFC4-6F175D3DCCD1}">
+              <a14:hiddenFill xmlns:a14="http://schemas.microsoft.com/office/drawing/2010/main">
+                <a:solidFill>
+                  <a:srgbClr val="FFFFFF"/>
+                </a:solidFill>
+              </a14:hiddenFill>
+            </a:ext>
+          </a:extLst>
+        </p:spPr>
+      </p:pic>
+    </p:spTree>
+    <p:extLst>
+      <p:ext uri="{BB962C8B-B14F-4D97-AF65-F5344CB8AC3E}">
+        <p14:creationId xmlns:p14="http://schemas.microsoft.com/office/powerpoint/2010/main" val="1628851854"/>
+      </p:ext>
+    </p:extLst>
+  </p:cSld>
+  <p:clrMapOvr>
+    <a:masterClrMapping/>
+  </p:clrMapOvr>
+</p:sld>
+</file>
+
+<file path=ppt/slides/slide11.xml><?xml version="1.0" encoding="utf-8"?>
+<p:sld xmlns:a="http://schemas.openxmlformats.org/drawingml/2006/main" xmlns:r="http://schemas.openxmlformats.org/officeDocument/2006/relationships" xmlns:p="http://schemas.openxmlformats.org/presentationml/2006/main">
+  <p:cSld>
+    <p:spTree>
+      <p:nvGrpSpPr>
+        <p:cNvPr id="1" name="">
+          <a:extLst>
+            <a:ext uri="{FF2B5EF4-FFF2-40B4-BE49-F238E27FC236}">
+              <a16:creationId xmlns:a16="http://schemas.microsoft.com/office/drawing/2014/main" id="{2B900BE4-7002-49EA-03A6-51E70F0E900E}"/>
+            </a:ext>
+          </a:extLst>
+        </p:cNvPr>
+        <p:cNvGrpSpPr/>
+        <p:nvPr/>
+      </p:nvGrpSpPr>
+      <p:grpSpPr>
+        <a:xfrm>
+          <a:off x="0" y="0"/>
+          <a:ext cx="0" cy="0"/>
+          <a:chOff x="0" y="0"/>
+          <a:chExt cx="0" cy="0"/>
+        </a:xfrm>
+      </p:grpSpPr>
+      <p:sp>
+        <p:nvSpPr>
+          <p:cNvPr id="2" name="Title 1">
+            <a:extLst>
+              <a:ext uri="{FF2B5EF4-FFF2-40B4-BE49-F238E27FC236}">
+                <a16:creationId xmlns:a16="http://schemas.microsoft.com/office/drawing/2014/main" id="{CD4865BF-2B34-4C3B-E999-02C244011389}"/>
+              </a:ext>
+            </a:extLst>
+          </p:cNvPr>
+          <p:cNvSpPr>
+            <a:spLocks noGrp="1"/>
+          </p:cNvSpPr>
+          <p:nvPr>
+            <p:ph type="title"/>
+          </p:nvPr>
+        </p:nvSpPr>
+        <p:spPr>
+          <a:xfrm>
+            <a:off x="0" y="387241"/>
+            <a:ext cx="6497089" cy="1325563"/>
+          </a:xfrm>
+        </p:spPr>
+        <p:txBody>
+          <a:bodyPr>
+            <a:noAutofit/>
+          </a:bodyPr>
+          <a:lstStyle/>
+          <a:p>
+            <a:r>
+              <a:rPr lang="en-GB" sz="2000" dirty="0">
+                <a:solidFill>
+                  <a:srgbClr val="E3E3E3"/>
+                </a:solidFill>
+              </a:rPr>
+              <a:t>3.</a:t>
+            </a:r>
+            <a:r>
+              <a:rPr lang="en-GB" sz="2000" b="0" i="0" dirty="0">
+                <a:solidFill>
+                  <a:srgbClr val="E3E3E3"/>
+                </a:solidFill>
+                <a:effectLst/>
+              </a:rPr>
+              <a:t> How does '</a:t>
+            </a:r>
+            <a:r>
+              <a:rPr lang="en-GB" sz="2000" b="0" i="0" dirty="0" err="1">
+                <a:solidFill>
+                  <a:srgbClr val="E3E3E3"/>
+                </a:solidFill>
+                <a:effectLst/>
+              </a:rPr>
+              <a:t>Global_intensity</a:t>
+            </a:r>
+            <a:r>
+              <a:rPr lang="en-GB" sz="2000" b="0" i="0" dirty="0">
+                <a:solidFill>
+                  <a:srgbClr val="E3E3E3"/>
+                </a:solidFill>
+                <a:effectLst/>
+              </a:rPr>
+              <a:t>' fluctuate across different hours of the day?</a:t>
+            </a:r>
+            <a:br>
+              <a:rPr lang="en-GB" sz="2000" b="0" i="0" dirty="0">
+                <a:solidFill>
+                  <a:srgbClr val="E3E3E3"/>
+                </a:solidFill>
+                <a:effectLst/>
+              </a:rPr>
+            </a:br>
+            <a:endParaRPr lang="en-GB" sz="2000" dirty="0"/>
+          </a:p>
+        </p:txBody>
+      </p:sp>
+      <p:sp>
+        <p:nvSpPr>
+          <p:cNvPr id="3" name="Content Placeholder 2">
+            <a:extLst>
+              <a:ext uri="{FF2B5EF4-FFF2-40B4-BE49-F238E27FC236}">
+                <a16:creationId xmlns:a16="http://schemas.microsoft.com/office/drawing/2014/main" id="{BFAB1293-BEBE-A060-6B0F-0E95F144AAB7}"/>
+              </a:ext>
+            </a:extLst>
+          </p:cNvPr>
+          <p:cNvSpPr>
+            <a:spLocks noGrp="1"/>
+          </p:cNvSpPr>
+          <p:nvPr>
+            <p:ph idx="1"/>
+          </p:nvPr>
+        </p:nvSpPr>
+        <p:spPr/>
+        <p:txBody>
+          <a:bodyPr/>
+          <a:lstStyle/>
+          <a:p>
+            <a:endParaRPr lang="en-GB" dirty="0"/>
+          </a:p>
+        </p:txBody>
+      </p:sp>
+      <p:sp>
+        <p:nvSpPr>
+          <p:cNvPr id="4" name="Slide Number Placeholder 3">
+            <a:extLst>
+              <a:ext uri="{FF2B5EF4-FFF2-40B4-BE49-F238E27FC236}">
+                <a16:creationId xmlns:a16="http://schemas.microsoft.com/office/drawing/2014/main" id="{36D113F8-D74D-6C7B-B3B1-11C82554F9FF}"/>
+              </a:ext>
+            </a:extLst>
+          </p:cNvPr>
+          <p:cNvSpPr>
+            <a:spLocks noGrp="1"/>
+          </p:cNvSpPr>
+          <p:nvPr>
+            <p:ph type="sldNum" sz="quarter" idx="12"/>
+          </p:nvPr>
+        </p:nvSpPr>
+        <p:spPr/>
+        <p:txBody>
+          <a:bodyPr/>
+          <a:lstStyle/>
+          <a:p>
+            <a:fld id="{A49DFD55-3C28-40EF-9E31-A92D2E4017FF}" type="slidenum">
+              <a:rPr lang="en-US" smtClean="0"/>
+              <a:pPr/>
+              <a:t>11</a:t>
+            </a:fld>
+            <a:endParaRPr lang="en-US" dirty="0"/>
+          </a:p>
+        </p:txBody>
+      </p:sp>
+      <p:sp>
+        <p:nvSpPr>
+          <p:cNvPr id="5" name="TextBox 4">
+            <a:extLst>
+              <a:ext uri="{FF2B5EF4-FFF2-40B4-BE49-F238E27FC236}">
+                <a16:creationId xmlns:a16="http://schemas.microsoft.com/office/drawing/2014/main" id="{5AEB64CB-AFFE-1EB1-5C64-70A1DA3C5C6E}"/>
+              </a:ext>
+            </a:extLst>
+          </p:cNvPr>
+          <p:cNvSpPr txBox="1"/>
+          <p:nvPr/>
+        </p:nvSpPr>
+        <p:spPr>
+          <a:xfrm>
+            <a:off x="365760" y="1778924"/>
+            <a:ext cx="4056611" cy="3885679"/>
+          </a:xfrm>
+          <a:prstGeom prst="rect">
+            <a:avLst/>
+          </a:prstGeom>
+          <a:noFill/>
+        </p:spPr>
+        <p:txBody>
+          <a:bodyPr wrap="square" rtlCol="0">
+            <a:spAutoFit/>
+          </a:bodyPr>
+          <a:lstStyle/>
+          <a:p>
+            <a:pPr algn="l">
+              <a:spcAft>
+                <a:spcPts val="450"/>
+              </a:spcAft>
+            </a:pPr>
+            <a:r>
+              <a:rPr lang="en-GB" b="0" i="0" dirty="0">
+                <a:solidFill>
+                  <a:srgbClr val="E3E3E3"/>
+                </a:solidFill>
+                <a:effectLst/>
+                <a:latin typeface="Roboto" panose="02000000000000000000" pitchFamily="2" charset="0"/>
+              </a:rPr>
+              <a:t>1.There is a high frequency of energy usage fluctuations, with frequent spikes across all sub-meters. This indicates intermittent or possibly highly variable energy consumption.</a:t>
+            </a:r>
+          </a:p>
+          <a:p>
+            <a:pPr algn="l">
+              <a:spcAft>
+                <a:spcPts val="450"/>
+              </a:spcAft>
+            </a:pPr>
+            <a:r>
+              <a:rPr lang="en-GB" b="0" i="0" dirty="0">
+                <a:solidFill>
+                  <a:srgbClr val="E3E3E3"/>
+                </a:solidFill>
+                <a:effectLst/>
+                <a:latin typeface="Roboto" panose="02000000000000000000" pitchFamily="2" charset="0"/>
+              </a:rPr>
+              <a:t>2.Sub_metering_1 and Sub_metering_2 seem to show a similar pattern of high-frequency fluctuations.</a:t>
+            </a:r>
+          </a:p>
+          <a:p>
+            <a:pPr algn="l">
+              <a:spcAft>
+                <a:spcPts val="450"/>
+              </a:spcAft>
+            </a:pPr>
+            <a:r>
+              <a:rPr lang="en-GB" b="0" i="0" dirty="0">
+                <a:solidFill>
+                  <a:srgbClr val="E3E3E3"/>
+                </a:solidFill>
+                <a:effectLst/>
+                <a:latin typeface="Roboto" panose="02000000000000000000" pitchFamily="2" charset="0"/>
+              </a:rPr>
+              <a:t>3.Sub_metering_3 shows fewer spikes, with more consistent values over time.</a:t>
+            </a:r>
+          </a:p>
+          <a:p>
+            <a:endParaRPr lang="en-GB" dirty="0"/>
+          </a:p>
+        </p:txBody>
+      </p:sp>
+      <p:pic>
+        <p:nvPicPr>
+          <p:cNvPr id="4098" name="Picture 2">
+            <a:extLst>
+              <a:ext uri="{FF2B5EF4-FFF2-40B4-BE49-F238E27FC236}">
+                <a16:creationId xmlns:a16="http://schemas.microsoft.com/office/drawing/2014/main" id="{8F142E39-9A62-D57F-FD40-236543492C46}"/>
+              </a:ext>
+            </a:extLst>
+          </p:cNvPr>
+          <p:cNvPicPr>
+            <a:picLocks noChangeAspect="1" noChangeArrowheads="1"/>
+          </p:cNvPicPr>
+          <p:nvPr/>
+        </p:nvPicPr>
+        <p:blipFill>
+          <a:blip r:embed="rId2">
+            <a:extLst>
+              <a:ext uri="{28A0092B-C50C-407E-A947-70E740481C1C}">
+                <a14:useLocalDpi xmlns:a14="http://schemas.microsoft.com/office/drawing/2010/main" val="0"/>
+              </a:ext>
+            </a:extLst>
+          </a:blip>
+          <a:srcRect/>
+          <a:stretch>
+            <a:fillRect/>
+          </a:stretch>
+        </p:blipFill>
+        <p:spPr bwMode="auto">
+          <a:xfrm>
+            <a:off x="4858097" y="1803163"/>
+            <a:ext cx="6821978" cy="4140439"/>
+          </a:xfrm>
+          <a:prstGeom prst="rect">
+            <a:avLst/>
+          </a:prstGeom>
+          <a:noFill/>
+          <a:extLst>
+            <a:ext uri="{909E8E84-426E-40DD-AFC4-6F175D3DCCD1}">
+              <a14:hiddenFill xmlns:a14="http://schemas.microsoft.com/office/drawing/2010/main">
+                <a:solidFill>
+                  <a:srgbClr val="FFFFFF"/>
+                </a:solidFill>
+              </a14:hiddenFill>
+            </a:ext>
+          </a:extLst>
+        </p:spPr>
+      </p:pic>
+    </p:spTree>
+    <p:extLst>
+      <p:ext uri="{BB962C8B-B14F-4D97-AF65-F5344CB8AC3E}">
+        <p14:creationId xmlns:p14="http://schemas.microsoft.com/office/powerpoint/2010/main" val="7461322"/>
+      </p:ext>
+    </p:extLst>
+  </p:cSld>
+  <p:clrMapOvr>
+    <a:masterClrMapping/>
+  </p:clrMapOvr>
+</p:sld>
+</file>
+
+<file path=ppt/slides/slide12.xml><?xml version="1.0" encoding="utf-8"?>
+<p:sld xmlns:a="http://schemas.openxmlformats.org/drawingml/2006/main" xmlns:r="http://schemas.openxmlformats.org/officeDocument/2006/relationships" xmlns:p="http://schemas.openxmlformats.org/presentationml/2006/main">
+  <p:cSld>
+    <p:spTree>
+      <p:nvGrpSpPr>
+        <p:cNvPr id="1" name="">
+          <a:extLst>
+            <a:ext uri="{FF2B5EF4-FFF2-40B4-BE49-F238E27FC236}">
               <a16:creationId xmlns:a16="http://schemas.microsoft.com/office/drawing/2014/main" id="{CE3AE145-E4DC-24D3-594D-5731236BEF3D}"/>
             </a:ext>
           </a:extLst>
@@ -7520,7 +8219,7 @@
             <a:fld id="{A49DFD55-3C28-40EF-9E31-A92D2E4017FF}" type="slidenum">
               <a:rPr lang="en-US" smtClean="0"/>
               <a:pPr/>
-              <a:t>10</a:t>
+              <a:t>12</a:t>
             </a:fld>
             <a:endParaRPr lang="en-US" dirty="0"/>
           </a:p>
@@ -7666,7 +8365,7 @@
 </p:sld>
 </file>
 
-<file path=ppt/slides/slide11.xml><?xml version="1.0" encoding="utf-8"?>
+<file path=ppt/slides/slide13.xml><?xml version="1.0" encoding="utf-8"?>
 <p:sld xmlns:a="http://schemas.openxmlformats.org/drawingml/2006/main" xmlns:r="http://schemas.openxmlformats.org/officeDocument/2006/relationships" xmlns:p="http://schemas.openxmlformats.org/presentationml/2006/main">
   <p:cSld>
     <p:spTree>
@@ -7723,7 +8422,7 @@
     </p:spTree>
     <p:extLst>
       <p:ext uri="{BB962C8B-B14F-4D97-AF65-F5344CB8AC3E}">
-        <p14:creationId xmlns:p14="http://schemas.microsoft.com/office/powerpoint/2010/main" val="334696707"/>
+        <p14:creationId xmlns:p14="http://schemas.microsoft.com/office/powerpoint/2010/main" val="2788986499"/>
       </p:ext>
     </p:extLst>
   </p:cSld>
@@ -7733,7 +8432,7 @@
 </p:sld>
 </file>
 
-<file path=ppt/slides/slide12.xml><?xml version="1.0" encoding="utf-8"?>
+<file path=ppt/slides/slide14.xml><?xml version="1.0" encoding="utf-8"?>
 <p:sld xmlns:a="http://schemas.openxmlformats.org/drawingml/2006/main" xmlns:r="http://schemas.openxmlformats.org/officeDocument/2006/relationships" xmlns:p="http://schemas.openxmlformats.org/presentationml/2006/main">
   <p:cSld>
     <p:spTree>
@@ -8004,7 +8703,7 @@
             <a:fld id="{A49DFD55-3C28-40EF-9E31-A92D2E4017FF}" type="slidenum">
               <a:rPr lang="en-US" smtClean="0"/>
               <a:pPr/>
-              <a:t>12</a:t>
+              <a:t>14</a:t>
             </a:fld>
             <a:endParaRPr lang="en-US" dirty="0"/>
           </a:p>
@@ -8023,7 +8722,7 @@
 </p:sld>
 </file>
 
-<file path=ppt/slides/slide13.xml><?xml version="1.0" encoding="utf-8"?>
+<file path=ppt/slides/slide15.xml><?xml version="1.0" encoding="utf-8"?>
 <p:sld xmlns:a="http://schemas.openxmlformats.org/drawingml/2006/main" xmlns:r="http://schemas.openxmlformats.org/officeDocument/2006/relationships" xmlns:p="http://schemas.openxmlformats.org/presentationml/2006/main">
   <p:cSld>
     <p:spTree>
@@ -8496,7 +9195,7 @@
             <a:fld id="{A49DFD55-3C28-40EF-9E31-A92D2E4017FF}" type="slidenum">
               <a:rPr lang="en-US" smtClean="0"/>
               <a:pPr/>
-              <a:t>13</a:t>
+              <a:t>15</a:t>
             </a:fld>
             <a:endParaRPr lang="en-US" dirty="0"/>
           </a:p>
@@ -8592,544 +9291,6 @@
     <p:extLst>
       <p:ext uri="{BB962C8B-B14F-4D97-AF65-F5344CB8AC3E}">
         <p14:creationId xmlns:p14="http://schemas.microsoft.com/office/powerpoint/2010/main" val="636929804"/>
-      </p:ext>
-    </p:extLst>
-  </p:cSld>
-  <p:clrMapOvr>
-    <a:masterClrMapping/>
-  </p:clrMapOvr>
-</p:sld>
-</file>
-
-<file path=ppt/slides/slide14.xml><?xml version="1.0" encoding="utf-8"?>
-<p:sld xmlns:a="http://schemas.openxmlformats.org/drawingml/2006/main" xmlns:r="http://schemas.openxmlformats.org/officeDocument/2006/relationships" xmlns:p="http://schemas.openxmlformats.org/presentationml/2006/main">
-  <p:cSld>
-    <p:spTree>
-      <p:nvGrpSpPr>
-        <p:cNvPr id="1" name=""/>
-        <p:cNvGrpSpPr/>
-        <p:nvPr/>
-      </p:nvGrpSpPr>
-      <p:grpSpPr>
-        <a:xfrm>
-          <a:off x="0" y="0"/>
-          <a:ext cx="0" cy="0"/>
-          <a:chOff x="0" y="0"/>
-          <a:chExt cx="0" cy="0"/>
-        </a:xfrm>
-      </p:grpSpPr>
-      <p:sp>
-        <p:nvSpPr>
-          <p:cNvPr id="3" name="Title 2">
-            <a:extLst>
-              <a:ext uri="{FF2B5EF4-FFF2-40B4-BE49-F238E27FC236}">
-                <a16:creationId xmlns:a16="http://schemas.microsoft.com/office/drawing/2014/main" id="{4321055C-5E33-5D21-2A6E-21827FA88ED3}"/>
-              </a:ext>
-            </a:extLst>
-          </p:cNvPr>
-          <p:cNvSpPr>
-            <a:spLocks noGrp="1"/>
-          </p:cNvSpPr>
-          <p:nvPr>
-            <p:ph type="title"/>
-          </p:nvPr>
-        </p:nvSpPr>
-        <p:spPr>
-          <a:xfrm>
-            <a:off x="838201" y="895350"/>
-            <a:ext cx="3247662" cy="1917700"/>
-          </a:xfrm>
-        </p:spPr>
-        <p:txBody>
-          <a:bodyPr>
-            <a:normAutofit/>
-          </a:bodyPr>
-          <a:lstStyle/>
-          <a:p>
-            <a:r>
-              <a:rPr lang="en-US" dirty="0"/>
-              <a:t>Comparing Accuracies</a:t>
-            </a:r>
-            <a:br>
-              <a:rPr lang="en-US" dirty="0"/>
-            </a:br>
-            <a:r>
-              <a:rPr lang="en-US" dirty="0"/>
-              <a:t> </a:t>
-            </a:r>
-          </a:p>
-        </p:txBody>
-      </p:sp>
-      <p:sp>
-        <p:nvSpPr>
-          <p:cNvPr id="6" name="Text Placeholder 5">
-            <a:extLst>
-              <a:ext uri="{FF2B5EF4-FFF2-40B4-BE49-F238E27FC236}">
-                <a16:creationId xmlns:a16="http://schemas.microsoft.com/office/drawing/2014/main" id="{B587B122-1579-FDB8-443B-F05E622163C3}"/>
-              </a:ext>
-            </a:extLst>
-          </p:cNvPr>
-          <p:cNvSpPr>
-            <a:spLocks noGrp="1"/>
-          </p:cNvSpPr>
-          <p:nvPr>
-            <p:ph sz="half" idx="16"/>
-          </p:nvPr>
-        </p:nvSpPr>
-        <p:spPr>
-          <a:xfrm>
-            <a:off x="365760" y="2118360"/>
-            <a:ext cx="3720102" cy="3933189"/>
-          </a:xfrm>
-        </p:spPr>
-        <p:txBody>
-          <a:bodyPr>
-            <a:normAutofit/>
-          </a:bodyPr>
-          <a:lstStyle/>
-          <a:p>
-            <a:r>
-              <a:rPr lang="en-GB" b="0" i="0" dirty="0">
-                <a:effectLst/>
-              </a:rPr>
-              <a:t>Linear Regression and Ridge Regression perform almost identically, with both having very low RMSE and MAE values. They both make accurate predictions with minimal error. Lasso Regression has slightly higher RMSE and MAE values, indicating it has slightly more prediction error than the other two models, although the difference is small.</a:t>
-            </a:r>
-            <a:endParaRPr lang="en-US" dirty="0"/>
-          </a:p>
-        </p:txBody>
-      </p:sp>
-      <p:sp>
-        <p:nvSpPr>
-          <p:cNvPr id="5" name="Slide Number Placeholder 4">
-            <a:extLst>
-              <a:ext uri="{FF2B5EF4-FFF2-40B4-BE49-F238E27FC236}">
-                <a16:creationId xmlns:a16="http://schemas.microsoft.com/office/drawing/2014/main" id="{E74B0ADB-527F-A58C-9372-D8502ED6F918}"/>
-              </a:ext>
-            </a:extLst>
-          </p:cNvPr>
-          <p:cNvSpPr>
-            <a:spLocks noGrp="1"/>
-          </p:cNvSpPr>
-          <p:nvPr>
-            <p:ph type="sldNum" sz="quarter" idx="12"/>
-          </p:nvPr>
-        </p:nvSpPr>
-        <p:spPr>
-          <a:xfrm>
-            <a:off x="10373350" y="6356349"/>
-            <a:ext cx="987552" cy="365125"/>
-          </a:xfrm>
-        </p:spPr>
-        <p:txBody>
-          <a:bodyPr/>
-          <a:lstStyle/>
-          <a:p>
-            <a:fld id="{A49DFD55-3C28-40EF-9E31-A92D2E4017FF}" type="slidenum">
-              <a:rPr lang="en-US" smtClean="0"/>
-              <a:pPr/>
-              <a:t>14</a:t>
-            </a:fld>
-            <a:endParaRPr lang="en-US" dirty="0"/>
-          </a:p>
-        </p:txBody>
-      </p:sp>
-      <p:pic>
-        <p:nvPicPr>
-          <p:cNvPr id="7170" name="Picture 2">
-            <a:extLst>
-              <a:ext uri="{FF2B5EF4-FFF2-40B4-BE49-F238E27FC236}">
-                <a16:creationId xmlns:a16="http://schemas.microsoft.com/office/drawing/2014/main" id="{6826D2DC-843D-49F1-2FFC-B59637B062DA}"/>
-              </a:ext>
-            </a:extLst>
-          </p:cNvPr>
-          <p:cNvPicPr>
-            <a:picLocks noGrp="1" noChangeAspect="1" noChangeArrowheads="1"/>
-          </p:cNvPicPr>
-          <p:nvPr>
-            <p:ph type="tbl" sz="quarter" idx="14"/>
-          </p:nvPr>
-        </p:nvPicPr>
-        <p:blipFill>
-          <a:blip r:embed="rId3">
-            <a:extLst>
-              <a:ext uri="{28A0092B-C50C-407E-A947-70E740481C1C}">
-                <a14:useLocalDpi xmlns:a14="http://schemas.microsoft.com/office/drawing/2010/main" val="0"/>
-              </a:ext>
-            </a:extLst>
-          </a:blip>
-          <a:srcRect/>
-          <a:stretch>
-            <a:fillRect/>
-          </a:stretch>
-        </p:blipFill>
-        <p:spPr bwMode="auto">
-          <a:xfrm>
-            <a:off x="3928116" y="1996440"/>
-            <a:ext cx="8020044" cy="2625395"/>
-          </a:xfrm>
-          <a:prstGeom prst="rect">
-            <a:avLst/>
-          </a:prstGeom>
-          <a:noFill/>
-          <a:extLst>
-            <a:ext uri="{909E8E84-426E-40DD-AFC4-6F175D3DCCD1}">
-              <a14:hiddenFill xmlns:a14="http://schemas.microsoft.com/office/drawing/2010/main">
-                <a:solidFill>
-                  <a:srgbClr val="FFFFFF"/>
-                </a:solidFill>
-              </a14:hiddenFill>
-            </a:ext>
-          </a:extLst>
-        </p:spPr>
-      </p:pic>
-    </p:spTree>
-    <p:extLst>
-      <p:ext uri="{BB962C8B-B14F-4D97-AF65-F5344CB8AC3E}">
-        <p14:creationId xmlns:p14="http://schemas.microsoft.com/office/powerpoint/2010/main" val="1658164610"/>
-      </p:ext>
-    </p:extLst>
-  </p:cSld>
-  <p:clrMapOvr>
-    <a:masterClrMapping/>
-  </p:clrMapOvr>
-</p:sld>
-</file>
-
-<file path=ppt/slides/slide15.xml><?xml version="1.0" encoding="utf-8"?>
-<p:sld xmlns:a="http://schemas.openxmlformats.org/drawingml/2006/main" xmlns:r="http://schemas.openxmlformats.org/officeDocument/2006/relationships" xmlns:p="http://schemas.openxmlformats.org/presentationml/2006/main">
-  <p:cSld>
-    <p:spTree>
-      <p:nvGrpSpPr>
-        <p:cNvPr id="1" name="">
-          <a:extLst>
-            <a:ext uri="{FF2B5EF4-FFF2-40B4-BE49-F238E27FC236}">
-              <a16:creationId xmlns:a16="http://schemas.microsoft.com/office/drawing/2014/main" id="{C38FF831-4152-0094-6D1C-1C2905FC1894}"/>
-            </a:ext>
-          </a:extLst>
-        </p:cNvPr>
-        <p:cNvGrpSpPr/>
-        <p:nvPr/>
-      </p:nvGrpSpPr>
-      <p:grpSpPr>
-        <a:xfrm>
-          <a:off x="0" y="0"/>
-          <a:ext cx="0" cy="0"/>
-          <a:chOff x="0" y="0"/>
-          <a:chExt cx="0" cy="0"/>
-        </a:xfrm>
-      </p:grpSpPr>
-      <p:sp>
-        <p:nvSpPr>
-          <p:cNvPr id="2" name="Title 1">
-            <a:extLst>
-              <a:ext uri="{FF2B5EF4-FFF2-40B4-BE49-F238E27FC236}">
-                <a16:creationId xmlns:a16="http://schemas.microsoft.com/office/drawing/2014/main" id="{30AC1EBA-07B5-5C19-5979-2B8986319E0D}"/>
-              </a:ext>
-            </a:extLst>
-          </p:cNvPr>
-          <p:cNvSpPr>
-            <a:spLocks noGrp="1"/>
-          </p:cNvSpPr>
-          <p:nvPr>
-            <p:ph type="ctrTitle"/>
-          </p:nvPr>
-        </p:nvSpPr>
-        <p:spPr>
-          <a:xfrm>
-            <a:off x="307917" y="571407"/>
-            <a:ext cx="4179570" cy="3376691"/>
-          </a:xfrm>
-        </p:spPr>
-        <p:txBody>
-          <a:bodyPr/>
-          <a:lstStyle/>
-          <a:p>
-            <a:r>
-              <a:rPr lang="en-GB" dirty="0"/>
-              <a:t>Data Visualization</a:t>
-            </a:r>
-            <a:endParaRPr lang="en-US" dirty="0"/>
-          </a:p>
-        </p:txBody>
-      </p:sp>
-      <p:cxnSp>
-        <p:nvCxnSpPr>
-          <p:cNvPr id="21" name="Straight Connector 20">
-            <a:extLst>
-              <a:ext uri="{FF2B5EF4-FFF2-40B4-BE49-F238E27FC236}">
-                <a16:creationId xmlns:a16="http://schemas.microsoft.com/office/drawing/2014/main" id="{FC6B1298-F0EA-0507-BCE5-57C11ABAB4D5}"/>
-              </a:ext>
-              <a:ext uri="{C183D7F6-B498-43B3-948B-1728B52AA6E4}">
-                <adec:decorative xmlns:adec="http://schemas.microsoft.com/office/drawing/2017/decorative" val="1"/>
-              </a:ext>
-            </a:extLst>
-          </p:cNvPr>
-          <p:cNvCxnSpPr>
-            <a:cxnSpLocks/>
-          </p:cNvCxnSpPr>
-          <p:nvPr/>
-        </p:nvCxnSpPr>
-        <p:spPr>
-          <a:xfrm flipH="1" flipV="1">
-            <a:off x="0" y="254643"/>
-            <a:ext cx="6096000" cy="855762"/>
-          </a:xfrm>
-          <a:prstGeom prst="line">
-            <a:avLst/>
-          </a:prstGeom>
-          <a:ln>
-            <a:solidFill>
-              <a:schemeClr val="bg1"/>
-            </a:solidFill>
-          </a:ln>
-        </p:spPr>
-        <p:style>
-          <a:lnRef idx="1">
-            <a:schemeClr val="accent1"/>
-          </a:lnRef>
-          <a:fillRef idx="0">
-            <a:schemeClr val="accent1"/>
-          </a:fillRef>
-          <a:effectRef idx="0">
-            <a:schemeClr val="accent1"/>
-          </a:effectRef>
-          <a:fontRef idx="minor">
-            <a:schemeClr val="tx1"/>
-          </a:fontRef>
-        </p:style>
-      </p:cxnSp>
-      <p:sp>
-        <p:nvSpPr>
-          <p:cNvPr id="5" name="TextBox 4">
-            <a:extLst>
-              <a:ext uri="{FF2B5EF4-FFF2-40B4-BE49-F238E27FC236}">
-                <a16:creationId xmlns:a16="http://schemas.microsoft.com/office/drawing/2014/main" id="{1541EA37-23B3-B2C1-8C54-01B78ED44EEB}"/>
-              </a:ext>
-            </a:extLst>
-          </p:cNvPr>
-          <p:cNvSpPr txBox="1"/>
-          <p:nvPr/>
-        </p:nvSpPr>
-        <p:spPr>
-          <a:xfrm>
-            <a:off x="6096000" y="1463040"/>
-            <a:ext cx="5788083" cy="3970318"/>
-          </a:xfrm>
-          <a:prstGeom prst="rect">
-            <a:avLst/>
-          </a:prstGeom>
-          <a:noFill/>
-        </p:spPr>
-        <p:txBody>
-          <a:bodyPr wrap="square" rtlCol="0">
-            <a:spAutoFit/>
-          </a:bodyPr>
-          <a:lstStyle/>
-          <a:p>
-            <a:r>
-              <a:rPr lang="en-GB" b="0" i="0" dirty="0">
-                <a:solidFill>
-                  <a:srgbClr val="E3E3E3"/>
-                </a:solidFill>
-                <a:effectLst/>
-              </a:rPr>
-              <a:t> 1.How has '</a:t>
-            </a:r>
-            <a:r>
-              <a:rPr lang="en-GB" b="0" i="0" dirty="0" err="1">
-                <a:solidFill>
-                  <a:srgbClr val="E3E3E3"/>
-                </a:solidFill>
-                <a:effectLst/>
-              </a:rPr>
-              <a:t>Global_active_power</a:t>
-            </a:r>
-            <a:r>
-              <a:rPr lang="en-GB" b="0" i="0" dirty="0">
-                <a:solidFill>
-                  <a:srgbClr val="E3E3E3"/>
-                </a:solidFill>
-                <a:effectLst/>
-              </a:rPr>
-              <a:t>' changed or trended over time?</a:t>
-            </a:r>
-          </a:p>
-          <a:p>
-            <a:endParaRPr lang="en-GB" b="0" i="0" dirty="0">
-              <a:solidFill>
-                <a:srgbClr val="E3E3E3"/>
-              </a:solidFill>
-              <a:effectLst/>
-            </a:endParaRPr>
-          </a:p>
-          <a:p>
-            <a:r>
-              <a:rPr lang="en-GB" dirty="0">
-                <a:solidFill>
-                  <a:srgbClr val="E3E3E3"/>
-                </a:solidFill>
-              </a:rPr>
-              <a:t>2.</a:t>
-            </a:r>
-            <a:r>
-              <a:rPr lang="en-GB" b="0" i="0" dirty="0">
-                <a:solidFill>
-                  <a:srgbClr val="E3E3E3"/>
-                </a:solidFill>
-                <a:effectLst/>
-              </a:rPr>
-              <a:t> What is the nature of the relationship between '</a:t>
-            </a:r>
-            <a:r>
-              <a:rPr lang="en-GB" b="0" i="0" dirty="0" err="1">
-                <a:solidFill>
-                  <a:srgbClr val="E3E3E3"/>
-                </a:solidFill>
-                <a:effectLst/>
-              </a:rPr>
-              <a:t>Global_active_power</a:t>
-            </a:r>
-            <a:r>
-              <a:rPr lang="en-GB" b="0" i="0" dirty="0">
-                <a:solidFill>
-                  <a:srgbClr val="E3E3E3"/>
-                </a:solidFill>
-                <a:effectLst/>
-              </a:rPr>
-              <a:t>' and 'Voltage’?</a:t>
-            </a:r>
-          </a:p>
-          <a:p>
-            <a:endParaRPr lang="en-GB" dirty="0">
-              <a:solidFill>
-                <a:srgbClr val="E3E3E3"/>
-              </a:solidFill>
-            </a:endParaRPr>
-          </a:p>
-          <a:p>
-            <a:r>
-              <a:rPr lang="en-GB" dirty="0">
-                <a:solidFill>
-                  <a:srgbClr val="E3E3E3"/>
-                </a:solidFill>
-              </a:rPr>
-              <a:t>3.</a:t>
-            </a:r>
-            <a:r>
-              <a:rPr lang="en-GB" b="0" i="0" dirty="0">
-                <a:solidFill>
-                  <a:srgbClr val="E3E3E3"/>
-                </a:solidFill>
-                <a:effectLst/>
-              </a:rPr>
-              <a:t> How does '</a:t>
-            </a:r>
-            <a:r>
-              <a:rPr lang="en-GB" b="0" i="0" dirty="0" err="1">
-                <a:solidFill>
-                  <a:srgbClr val="E3E3E3"/>
-                </a:solidFill>
-                <a:effectLst/>
-              </a:rPr>
-              <a:t>Global_intensity</a:t>
-            </a:r>
-            <a:r>
-              <a:rPr lang="en-GB" b="0" i="0" dirty="0">
-                <a:solidFill>
-                  <a:srgbClr val="E3E3E3"/>
-                </a:solidFill>
-                <a:effectLst/>
-              </a:rPr>
-              <a:t>' fluctuate across different hours of the day?</a:t>
-            </a:r>
-          </a:p>
-          <a:p>
-            <a:endParaRPr lang="en-GB" dirty="0">
-              <a:solidFill>
-                <a:srgbClr val="E3E3E3"/>
-              </a:solidFill>
-            </a:endParaRPr>
-          </a:p>
-          <a:p>
-            <a:r>
-              <a:rPr lang="en-GB" b="0" i="0" dirty="0">
-                <a:solidFill>
-                  <a:srgbClr val="E3E3E3"/>
-                </a:solidFill>
-                <a:effectLst/>
-              </a:rPr>
-              <a:t>4.What is the average '</a:t>
-            </a:r>
-            <a:r>
-              <a:rPr lang="en-GB" b="0" i="0" dirty="0" err="1">
-                <a:solidFill>
-                  <a:srgbClr val="E3E3E3"/>
-                </a:solidFill>
-                <a:effectLst/>
-              </a:rPr>
-              <a:t>Sub_metering</a:t>
-            </a:r>
-            <a:r>
-              <a:rPr lang="en-GB" b="0" i="0" dirty="0">
-                <a:solidFill>
-                  <a:srgbClr val="E3E3E3"/>
-                </a:solidFill>
-                <a:effectLst/>
-              </a:rPr>
-              <a:t>' value on a daily basis?</a:t>
-            </a:r>
-          </a:p>
-          <a:p>
-            <a:endParaRPr lang="en-GB" dirty="0">
-              <a:solidFill>
-                <a:srgbClr val="E3E3E3"/>
-              </a:solidFill>
-            </a:endParaRPr>
-          </a:p>
-          <a:p>
-            <a:r>
-              <a:rPr lang="en-GB" dirty="0">
-                <a:solidFill>
-                  <a:srgbClr val="E3E3E3"/>
-                </a:solidFill>
-              </a:rPr>
-              <a:t>5.</a:t>
-            </a:r>
-            <a:r>
-              <a:rPr lang="en-GB" b="0" i="0" dirty="0">
-                <a:solidFill>
-                  <a:srgbClr val="E3E3E3"/>
-                </a:solidFill>
-                <a:effectLst/>
-              </a:rPr>
-              <a:t> How does '</a:t>
-            </a:r>
-            <a:r>
-              <a:rPr lang="en-GB" b="0" i="0" dirty="0" err="1">
-                <a:solidFill>
-                  <a:srgbClr val="E3E3E3"/>
-                </a:solidFill>
-                <a:effectLst/>
-              </a:rPr>
-              <a:t>Global_reactive_power</a:t>
-            </a:r>
-            <a:r>
-              <a:rPr lang="en-GB" b="0" i="0" dirty="0">
-                <a:solidFill>
-                  <a:srgbClr val="E3E3E3"/>
-                </a:solidFill>
-                <a:effectLst/>
-              </a:rPr>
-              <a:t>' differ on holidays compared to regular days?</a:t>
-            </a:r>
-            <a:endParaRPr lang="en-GB" dirty="0"/>
-          </a:p>
-        </p:txBody>
-      </p:sp>
-    </p:spTree>
-    <p:extLst>
-      <p:ext uri="{BB962C8B-B14F-4D97-AF65-F5344CB8AC3E}">
-        <p14:creationId xmlns:p14="http://schemas.microsoft.com/office/powerpoint/2010/main" val="493325888"/>
       </p:ext>
     </p:extLst>
   </p:cSld>
@@ -9158,6 +9319,200 @@
       </p:grpSpPr>
       <p:sp>
         <p:nvSpPr>
+          <p:cNvPr id="3" name="Title 2">
+            <a:extLst>
+              <a:ext uri="{FF2B5EF4-FFF2-40B4-BE49-F238E27FC236}">
+                <a16:creationId xmlns:a16="http://schemas.microsoft.com/office/drawing/2014/main" id="{4321055C-5E33-5D21-2A6E-21827FA88ED3}"/>
+              </a:ext>
+            </a:extLst>
+          </p:cNvPr>
+          <p:cNvSpPr>
+            <a:spLocks noGrp="1"/>
+          </p:cNvSpPr>
+          <p:nvPr>
+            <p:ph type="title"/>
+          </p:nvPr>
+        </p:nvSpPr>
+        <p:spPr>
+          <a:xfrm>
+            <a:off x="838201" y="895350"/>
+            <a:ext cx="3247662" cy="1917700"/>
+          </a:xfrm>
+        </p:spPr>
+        <p:txBody>
+          <a:bodyPr>
+            <a:normAutofit/>
+          </a:bodyPr>
+          <a:lstStyle/>
+          <a:p>
+            <a:r>
+              <a:rPr lang="en-US" dirty="0"/>
+              <a:t>Comparing Accuracies</a:t>
+            </a:r>
+            <a:br>
+              <a:rPr lang="en-US" dirty="0"/>
+            </a:br>
+            <a:r>
+              <a:rPr lang="en-US" dirty="0"/>
+              <a:t> </a:t>
+            </a:r>
+          </a:p>
+        </p:txBody>
+      </p:sp>
+      <p:sp>
+        <p:nvSpPr>
+          <p:cNvPr id="6" name="Text Placeholder 5">
+            <a:extLst>
+              <a:ext uri="{FF2B5EF4-FFF2-40B4-BE49-F238E27FC236}">
+                <a16:creationId xmlns:a16="http://schemas.microsoft.com/office/drawing/2014/main" id="{B587B122-1579-FDB8-443B-F05E622163C3}"/>
+              </a:ext>
+            </a:extLst>
+          </p:cNvPr>
+          <p:cNvSpPr>
+            <a:spLocks noGrp="1"/>
+          </p:cNvSpPr>
+          <p:nvPr>
+            <p:ph sz="half" idx="16"/>
+          </p:nvPr>
+        </p:nvSpPr>
+        <p:spPr>
+          <a:xfrm>
+            <a:off x="365760" y="2118360"/>
+            <a:ext cx="3720102" cy="3933189"/>
+          </a:xfrm>
+        </p:spPr>
+        <p:txBody>
+          <a:bodyPr>
+            <a:normAutofit/>
+          </a:bodyPr>
+          <a:lstStyle/>
+          <a:p>
+            <a:r>
+              <a:rPr lang="en-GB" b="0" i="0" dirty="0">
+                <a:effectLst/>
+              </a:rPr>
+              <a:t>Linear Regression and Ridge Regression perform almost identically, with both having very low RMSE and MAE values. They both make accurate predictions with minimal error. Lasso Regression has slightly higher RMSE and MAE values, indicating it has slightly more prediction error than the other two models, although the difference is small.</a:t>
+            </a:r>
+            <a:endParaRPr lang="en-US" dirty="0"/>
+          </a:p>
+        </p:txBody>
+      </p:sp>
+      <p:sp>
+        <p:nvSpPr>
+          <p:cNvPr id="5" name="Slide Number Placeholder 4">
+            <a:extLst>
+              <a:ext uri="{FF2B5EF4-FFF2-40B4-BE49-F238E27FC236}">
+                <a16:creationId xmlns:a16="http://schemas.microsoft.com/office/drawing/2014/main" id="{E74B0ADB-527F-A58C-9372-D8502ED6F918}"/>
+              </a:ext>
+            </a:extLst>
+          </p:cNvPr>
+          <p:cNvSpPr>
+            <a:spLocks noGrp="1"/>
+          </p:cNvSpPr>
+          <p:nvPr>
+            <p:ph type="sldNum" sz="quarter" idx="12"/>
+          </p:nvPr>
+        </p:nvSpPr>
+        <p:spPr>
+          <a:xfrm>
+            <a:off x="10373350" y="6356349"/>
+            <a:ext cx="987552" cy="365125"/>
+          </a:xfrm>
+        </p:spPr>
+        <p:txBody>
+          <a:bodyPr/>
+          <a:lstStyle/>
+          <a:p>
+            <a:fld id="{A49DFD55-3C28-40EF-9E31-A92D2E4017FF}" type="slidenum">
+              <a:rPr lang="en-US" smtClean="0"/>
+              <a:pPr/>
+              <a:t>16</a:t>
+            </a:fld>
+            <a:endParaRPr lang="en-US" dirty="0"/>
+          </a:p>
+        </p:txBody>
+      </p:sp>
+      <p:pic>
+        <p:nvPicPr>
+          <p:cNvPr id="7170" name="Picture 2">
+            <a:extLst>
+              <a:ext uri="{FF2B5EF4-FFF2-40B4-BE49-F238E27FC236}">
+                <a16:creationId xmlns:a16="http://schemas.microsoft.com/office/drawing/2014/main" id="{6826D2DC-843D-49F1-2FFC-B59637B062DA}"/>
+              </a:ext>
+            </a:extLst>
+          </p:cNvPr>
+          <p:cNvPicPr>
+            <a:picLocks noGrp="1" noChangeAspect="1" noChangeArrowheads="1"/>
+          </p:cNvPicPr>
+          <p:nvPr>
+            <p:ph type="tbl" sz="quarter" idx="14"/>
+          </p:nvPr>
+        </p:nvPicPr>
+        <p:blipFill>
+          <a:blip r:embed="rId3">
+            <a:extLst>
+              <a:ext uri="{28A0092B-C50C-407E-A947-70E740481C1C}">
+                <a14:useLocalDpi xmlns:a14="http://schemas.microsoft.com/office/drawing/2010/main" val="0"/>
+              </a:ext>
+            </a:extLst>
+          </a:blip>
+          <a:srcRect/>
+          <a:stretch>
+            <a:fillRect/>
+          </a:stretch>
+        </p:blipFill>
+        <p:spPr bwMode="auto">
+          <a:xfrm>
+            <a:off x="3928116" y="1996440"/>
+            <a:ext cx="8020044" cy="2625395"/>
+          </a:xfrm>
+          <a:prstGeom prst="rect">
+            <a:avLst/>
+          </a:prstGeom>
+          <a:noFill/>
+          <a:extLst>
+            <a:ext uri="{909E8E84-426E-40DD-AFC4-6F175D3DCCD1}">
+              <a14:hiddenFill xmlns:a14="http://schemas.microsoft.com/office/drawing/2010/main">
+                <a:solidFill>
+                  <a:srgbClr val="FFFFFF"/>
+                </a:solidFill>
+              </a14:hiddenFill>
+            </a:ext>
+          </a:extLst>
+        </p:spPr>
+      </p:pic>
+    </p:spTree>
+    <p:extLst>
+      <p:ext uri="{BB962C8B-B14F-4D97-AF65-F5344CB8AC3E}">
+        <p14:creationId xmlns:p14="http://schemas.microsoft.com/office/powerpoint/2010/main" val="1658164610"/>
+      </p:ext>
+    </p:extLst>
+  </p:cSld>
+  <p:clrMapOvr>
+    <a:masterClrMapping/>
+  </p:clrMapOvr>
+</p:sld>
+</file>
+
+<file path=ppt/slides/slide17.xml><?xml version="1.0" encoding="utf-8"?>
+<p:sld xmlns:a="http://schemas.openxmlformats.org/drawingml/2006/main" xmlns:r="http://schemas.openxmlformats.org/officeDocument/2006/relationships" xmlns:p="http://schemas.openxmlformats.org/presentationml/2006/main">
+  <p:cSld>
+    <p:spTree>
+      <p:nvGrpSpPr>
+        <p:cNvPr id="1" name=""/>
+        <p:cNvGrpSpPr/>
+        <p:nvPr/>
+      </p:nvGrpSpPr>
+      <p:grpSpPr>
+        <a:xfrm>
+          <a:off x="0" y="0"/>
+          <a:ext cx="0" cy="0"/>
+          <a:chOff x="0" y="0"/>
+          <a:chExt cx="0" cy="0"/>
+        </a:xfrm>
+      </p:grpSpPr>
+      <p:sp>
+        <p:nvSpPr>
           <p:cNvPr id="17" name="Title 1">
             <a:extLst>
               <a:ext uri="{FF2B5EF4-FFF2-40B4-BE49-F238E27FC236}">
@@ -9443,7 +9798,7 @@
             <a:fld id="{A49DFD55-3C28-40EF-9E31-A92D2E4017FF}" type="slidenum">
               <a:rPr lang="en-US" smtClean="0"/>
               <a:pPr/>
-              <a:t>16</a:t>
+              <a:t>17</a:t>
             </a:fld>
             <a:endParaRPr lang="en-US" dirty="0"/>
           </a:p>
@@ -9462,7 +9817,7 @@
 </p:sld>
 </file>
 
-<file path=ppt/slides/slide17.xml><?xml version="1.0" encoding="utf-8"?>
+<file path=ppt/slides/slide18.xml><?xml version="1.0" encoding="utf-8"?>
 <p:sld xmlns:a="http://schemas.openxmlformats.org/drawingml/2006/main" xmlns:r="http://schemas.openxmlformats.org/officeDocument/2006/relationships" xmlns:p="http://schemas.openxmlformats.org/presentationml/2006/main">
   <p:cSld>
     <p:spTree>
@@ -9535,7 +9890,7 @@
 </p:sld>
 </file>
 
-<file path=ppt/slides/slide18.xml><?xml version="1.0" encoding="utf-8"?>
+<file path=ppt/slides/slide19.xml><?xml version="1.0" encoding="utf-8"?>
 <p:sld xmlns:a="http://schemas.openxmlformats.org/drawingml/2006/main" xmlns:r="http://schemas.openxmlformats.org/officeDocument/2006/relationships" xmlns:p="http://schemas.openxmlformats.org/presentationml/2006/main">
   <p:cSld>
     <p:spTree>
@@ -9613,7 +9968,7 @@
             <a:fld id="{A49DFD55-3C28-40EF-9E31-A92D2E4017FF}" type="slidenum">
               <a:rPr lang="en-US" smtClean="0"/>
               <a:pPr/>
-              <a:t>18</a:t>
+              <a:t>19</a:t>
             </a:fld>
             <a:endParaRPr lang="en-US" dirty="0"/>
           </a:p>
@@ -9733,156 +10088,6 @@
     <p:extLst>
       <p:ext uri="{BB962C8B-B14F-4D97-AF65-F5344CB8AC3E}">
         <p14:creationId xmlns:p14="http://schemas.microsoft.com/office/powerpoint/2010/main" val="982732999"/>
-      </p:ext>
-    </p:extLst>
-  </p:cSld>
-  <p:clrMapOvr>
-    <a:masterClrMapping/>
-  </p:clrMapOvr>
-</p:sld>
-</file>
-
-<file path=ppt/slides/slide19.xml><?xml version="1.0" encoding="utf-8"?>
-<p:sld xmlns:a="http://schemas.openxmlformats.org/drawingml/2006/main" xmlns:r="http://schemas.openxmlformats.org/officeDocument/2006/relationships" xmlns:p="http://schemas.openxmlformats.org/presentationml/2006/main">
-  <p:cSld>
-    <p:spTree>
-      <p:nvGrpSpPr>
-        <p:cNvPr id="1" name="">
-          <a:extLst>
-            <a:ext uri="{FF2B5EF4-FFF2-40B4-BE49-F238E27FC236}">
-              <a16:creationId xmlns:a16="http://schemas.microsoft.com/office/drawing/2014/main" id="{76790E3E-13CA-112E-862E-64251B5B7C37}"/>
-            </a:ext>
-          </a:extLst>
-        </p:cNvPr>
-        <p:cNvGrpSpPr/>
-        <p:nvPr/>
-      </p:nvGrpSpPr>
-      <p:grpSpPr>
-        <a:xfrm>
-          <a:off x="0" y="0"/>
-          <a:ext cx="0" cy="0"/>
-          <a:chOff x="0" y="0"/>
-          <a:chExt cx="0" cy="0"/>
-        </a:xfrm>
-      </p:grpSpPr>
-      <p:sp>
-        <p:nvSpPr>
-          <p:cNvPr id="2" name="Title 1">
-            <a:extLst>
-              <a:ext uri="{FF2B5EF4-FFF2-40B4-BE49-F238E27FC236}">
-                <a16:creationId xmlns:a16="http://schemas.microsoft.com/office/drawing/2014/main" id="{BEB1EEFB-9CDC-12BB-4904-2CFA1D7584A3}"/>
-              </a:ext>
-            </a:extLst>
-          </p:cNvPr>
-          <p:cNvSpPr>
-            <a:spLocks noGrp="1"/>
-          </p:cNvSpPr>
-          <p:nvPr>
-            <p:ph type="title"/>
-          </p:nvPr>
-        </p:nvSpPr>
-        <p:spPr>
-          <a:xfrm>
-            <a:off x="807158" y="-65468"/>
-            <a:ext cx="10515600" cy="1325563"/>
-          </a:xfrm>
-        </p:spPr>
-        <p:txBody>
-          <a:bodyPr/>
-          <a:lstStyle/>
-          <a:p>
-            <a:r>
-              <a:rPr lang="en-IN" sz="2800" dirty="0">
-                <a:latin typeface="Times New Roman" panose="02020603050405020304" pitchFamily="18" charset="0"/>
-                <a:cs typeface="Times New Roman" panose="02020603050405020304" pitchFamily="18" charset="0"/>
-              </a:rPr>
-              <a:t>ARIMA Model - MATHEMATICS</a:t>
-            </a:r>
-            <a:endParaRPr lang="en-GB" dirty="0"/>
-          </a:p>
-        </p:txBody>
-      </p:sp>
-      <p:sp>
-        <p:nvSpPr>
-          <p:cNvPr id="4" name="Slide Number Placeholder 3">
-            <a:extLst>
-              <a:ext uri="{FF2B5EF4-FFF2-40B4-BE49-F238E27FC236}">
-                <a16:creationId xmlns:a16="http://schemas.microsoft.com/office/drawing/2014/main" id="{462C968A-35D4-A078-494F-6A94B7462603}"/>
-              </a:ext>
-            </a:extLst>
-          </p:cNvPr>
-          <p:cNvSpPr>
-            <a:spLocks noGrp="1"/>
-          </p:cNvSpPr>
-          <p:nvPr>
-            <p:ph type="sldNum" sz="quarter" idx="12"/>
-          </p:nvPr>
-        </p:nvSpPr>
-        <p:spPr/>
-        <p:txBody>
-          <a:bodyPr/>
-          <a:lstStyle/>
-          <a:p>
-            <a:fld id="{A49DFD55-3C28-40EF-9E31-A92D2E4017FF}" type="slidenum">
-              <a:rPr lang="en-US" smtClean="0"/>
-              <a:pPr/>
-              <a:t>19</a:t>
-            </a:fld>
-            <a:endParaRPr lang="en-US" dirty="0"/>
-          </a:p>
-        </p:txBody>
-      </p:sp>
-      <p:pic>
-        <p:nvPicPr>
-          <p:cNvPr id="3074" name="Picture 2">
-            <a:extLst>
-              <a:ext uri="{FF2B5EF4-FFF2-40B4-BE49-F238E27FC236}">
-                <a16:creationId xmlns:a16="http://schemas.microsoft.com/office/drawing/2014/main" id="{2008EACA-73E6-38AA-680F-AE94F894D809}"/>
-              </a:ext>
-            </a:extLst>
-          </p:cNvPr>
-          <p:cNvPicPr>
-            <a:picLocks noChangeAspect="1" noChangeArrowheads="1"/>
-          </p:cNvPicPr>
-          <p:nvPr/>
-        </p:nvPicPr>
-        <p:blipFill>
-          <a:blip r:embed="rId2">
-            <a:extLst>
-              <a:ext uri="{28A0092B-C50C-407E-A947-70E740481C1C}">
-                <a14:useLocalDpi xmlns:a14="http://schemas.microsoft.com/office/drawing/2010/main" val="0"/>
-              </a:ext>
-            </a:extLst>
-          </a:blip>
-          <a:srcRect/>
-          <a:stretch>
-            <a:fillRect/>
-          </a:stretch>
-        </p:blipFill>
-        <p:spPr bwMode="auto">
-          <a:xfrm>
-            <a:off x="2024928" y="1615613"/>
-            <a:ext cx="8142143" cy="3199487"/>
-          </a:xfrm>
-          <a:prstGeom prst="rect">
-            <a:avLst/>
-          </a:prstGeom>
-          <a:noFill/>
-          <a:extLst>
-            <a:ext uri="{909E8E84-426E-40DD-AFC4-6F175D3DCCD1}">
-              <a14:hiddenFill xmlns:a14="http://schemas.microsoft.com/office/drawing/2010/main">
-                <a:solidFill>
-                  <a:srgbClr val="FFFFFF"/>
-                </a:solidFill>
-              </a14:hiddenFill>
-            </a:ext>
-          </a:extLst>
-        </p:spPr>
-      </p:pic>
-    </p:spTree>
-    <p:extLst>
-      <p:ext uri="{BB962C8B-B14F-4D97-AF65-F5344CB8AC3E}">
-        <p14:creationId xmlns:p14="http://schemas.microsoft.com/office/powerpoint/2010/main" val="2694321061"/>
       </p:ext>
     </p:extLst>
   </p:cSld>
@@ -10063,6 +10268,156 @@
         <p:cNvPr id="1" name="">
           <a:extLst>
             <a:ext uri="{FF2B5EF4-FFF2-40B4-BE49-F238E27FC236}">
+              <a16:creationId xmlns:a16="http://schemas.microsoft.com/office/drawing/2014/main" id="{76790E3E-13CA-112E-862E-64251B5B7C37}"/>
+            </a:ext>
+          </a:extLst>
+        </p:cNvPr>
+        <p:cNvGrpSpPr/>
+        <p:nvPr/>
+      </p:nvGrpSpPr>
+      <p:grpSpPr>
+        <a:xfrm>
+          <a:off x="0" y="0"/>
+          <a:ext cx="0" cy="0"/>
+          <a:chOff x="0" y="0"/>
+          <a:chExt cx="0" cy="0"/>
+        </a:xfrm>
+      </p:grpSpPr>
+      <p:sp>
+        <p:nvSpPr>
+          <p:cNvPr id="2" name="Title 1">
+            <a:extLst>
+              <a:ext uri="{FF2B5EF4-FFF2-40B4-BE49-F238E27FC236}">
+                <a16:creationId xmlns:a16="http://schemas.microsoft.com/office/drawing/2014/main" id="{BEB1EEFB-9CDC-12BB-4904-2CFA1D7584A3}"/>
+              </a:ext>
+            </a:extLst>
+          </p:cNvPr>
+          <p:cNvSpPr>
+            <a:spLocks noGrp="1"/>
+          </p:cNvSpPr>
+          <p:nvPr>
+            <p:ph type="title"/>
+          </p:nvPr>
+        </p:nvSpPr>
+        <p:spPr>
+          <a:xfrm>
+            <a:off x="807158" y="-65468"/>
+            <a:ext cx="10515600" cy="1325563"/>
+          </a:xfrm>
+        </p:spPr>
+        <p:txBody>
+          <a:bodyPr/>
+          <a:lstStyle/>
+          <a:p>
+            <a:r>
+              <a:rPr lang="en-IN" sz="2800" dirty="0">
+                <a:latin typeface="Times New Roman" panose="02020603050405020304" pitchFamily="18" charset="0"/>
+                <a:cs typeface="Times New Roman" panose="02020603050405020304" pitchFamily="18" charset="0"/>
+              </a:rPr>
+              <a:t>ARIMA Model - MATHEMATICS</a:t>
+            </a:r>
+            <a:endParaRPr lang="en-GB" dirty="0"/>
+          </a:p>
+        </p:txBody>
+      </p:sp>
+      <p:sp>
+        <p:nvSpPr>
+          <p:cNvPr id="4" name="Slide Number Placeholder 3">
+            <a:extLst>
+              <a:ext uri="{FF2B5EF4-FFF2-40B4-BE49-F238E27FC236}">
+                <a16:creationId xmlns:a16="http://schemas.microsoft.com/office/drawing/2014/main" id="{462C968A-35D4-A078-494F-6A94B7462603}"/>
+              </a:ext>
+            </a:extLst>
+          </p:cNvPr>
+          <p:cNvSpPr>
+            <a:spLocks noGrp="1"/>
+          </p:cNvSpPr>
+          <p:nvPr>
+            <p:ph type="sldNum" sz="quarter" idx="12"/>
+          </p:nvPr>
+        </p:nvSpPr>
+        <p:spPr/>
+        <p:txBody>
+          <a:bodyPr/>
+          <a:lstStyle/>
+          <a:p>
+            <a:fld id="{A49DFD55-3C28-40EF-9E31-A92D2E4017FF}" type="slidenum">
+              <a:rPr lang="en-US" smtClean="0"/>
+              <a:pPr/>
+              <a:t>20</a:t>
+            </a:fld>
+            <a:endParaRPr lang="en-US" dirty="0"/>
+          </a:p>
+        </p:txBody>
+      </p:sp>
+      <p:pic>
+        <p:nvPicPr>
+          <p:cNvPr id="3074" name="Picture 2">
+            <a:extLst>
+              <a:ext uri="{FF2B5EF4-FFF2-40B4-BE49-F238E27FC236}">
+                <a16:creationId xmlns:a16="http://schemas.microsoft.com/office/drawing/2014/main" id="{2008EACA-73E6-38AA-680F-AE94F894D809}"/>
+              </a:ext>
+            </a:extLst>
+          </p:cNvPr>
+          <p:cNvPicPr>
+            <a:picLocks noChangeAspect="1" noChangeArrowheads="1"/>
+          </p:cNvPicPr>
+          <p:nvPr/>
+        </p:nvPicPr>
+        <p:blipFill>
+          <a:blip r:embed="rId2">
+            <a:extLst>
+              <a:ext uri="{28A0092B-C50C-407E-A947-70E740481C1C}">
+                <a14:useLocalDpi xmlns:a14="http://schemas.microsoft.com/office/drawing/2010/main" val="0"/>
+              </a:ext>
+            </a:extLst>
+          </a:blip>
+          <a:srcRect/>
+          <a:stretch>
+            <a:fillRect/>
+          </a:stretch>
+        </p:blipFill>
+        <p:spPr bwMode="auto">
+          <a:xfrm>
+            <a:off x="2024928" y="1615613"/>
+            <a:ext cx="8142143" cy="3199487"/>
+          </a:xfrm>
+          <a:prstGeom prst="rect">
+            <a:avLst/>
+          </a:prstGeom>
+          <a:noFill/>
+          <a:extLst>
+            <a:ext uri="{909E8E84-426E-40DD-AFC4-6F175D3DCCD1}">
+              <a14:hiddenFill xmlns:a14="http://schemas.microsoft.com/office/drawing/2010/main">
+                <a:solidFill>
+                  <a:srgbClr val="FFFFFF"/>
+                </a:solidFill>
+              </a14:hiddenFill>
+            </a:ext>
+          </a:extLst>
+        </p:spPr>
+      </p:pic>
+    </p:spTree>
+    <p:extLst>
+      <p:ext uri="{BB962C8B-B14F-4D97-AF65-F5344CB8AC3E}">
+        <p14:creationId xmlns:p14="http://schemas.microsoft.com/office/powerpoint/2010/main" val="2694321061"/>
+      </p:ext>
+    </p:extLst>
+  </p:cSld>
+  <p:clrMapOvr>
+    <a:masterClrMapping/>
+  </p:clrMapOvr>
+</p:sld>
+</file>
+
+<file path=ppt/slides/slide21.xml><?xml version="1.0" encoding="utf-8"?>
+<p:sld xmlns:a="http://schemas.openxmlformats.org/drawingml/2006/main" xmlns:r="http://schemas.openxmlformats.org/officeDocument/2006/relationships" xmlns:p="http://schemas.openxmlformats.org/presentationml/2006/main">
+  <p:cSld>
+    <p:spTree>
+      <p:nvGrpSpPr>
+        <p:cNvPr id="1" name="">
+          <a:extLst>
+            <a:ext uri="{FF2B5EF4-FFF2-40B4-BE49-F238E27FC236}">
               <a16:creationId xmlns:a16="http://schemas.microsoft.com/office/drawing/2014/main" id="{18CFB7D9-4BB0-3299-C30A-7B113822A238}"/>
             </a:ext>
           </a:extLst>
@@ -10139,7 +10494,7 @@
             <a:fld id="{A49DFD55-3C28-40EF-9E31-A92D2E4017FF}" type="slidenum">
               <a:rPr lang="en-US" smtClean="0"/>
               <a:pPr/>
-              <a:t>20</a:t>
+              <a:t>21</a:t>
             </a:fld>
             <a:endParaRPr lang="en-US" dirty="0"/>
           </a:p>
@@ -10269,7 +10624,7 @@
 </p:sld>
 </file>
 
-<file path=ppt/slides/slide21.xml><?xml version="1.0" encoding="utf-8"?>
+<file path=ppt/slides/slide22.xml><?xml version="1.0" encoding="utf-8"?>
 <p:sld xmlns:a="http://schemas.openxmlformats.org/drawingml/2006/main" xmlns:r="http://schemas.openxmlformats.org/officeDocument/2006/relationships" xmlns:p="http://schemas.openxmlformats.org/presentationml/2006/main">
   <p:cSld>
     <p:spTree>
@@ -10353,7 +10708,7 @@
             <a:fld id="{A49DFD55-3C28-40EF-9E31-A92D2E4017FF}" type="slidenum">
               <a:rPr lang="en-US" smtClean="0"/>
               <a:pPr/>
-              <a:t>21</a:t>
+              <a:t>22</a:t>
             </a:fld>
             <a:endParaRPr lang="en-US" dirty="0"/>
           </a:p>
@@ -10600,7 +10955,7 @@
 </p:sld>
 </file>
 
-<file path=ppt/slides/slide22.xml><?xml version="1.0" encoding="utf-8"?>
+<file path=ppt/slides/slide23.xml><?xml version="1.0" encoding="utf-8"?>
 <p:sld xmlns:a="http://schemas.openxmlformats.org/drawingml/2006/main" xmlns:r="http://schemas.openxmlformats.org/officeDocument/2006/relationships" xmlns:p="http://schemas.openxmlformats.org/presentationml/2006/main">
   <p:cSld>
     <p:spTree>
@@ -10684,7 +11039,7 @@
             <a:fld id="{A49DFD55-3C28-40EF-9E31-A92D2E4017FF}" type="slidenum">
               <a:rPr lang="en-US" smtClean="0"/>
               <a:pPr/>
-              <a:t>22</a:t>
+              <a:t>23</a:t>
             </a:fld>
             <a:endParaRPr lang="en-US" dirty="0"/>
           </a:p>
@@ -10856,7 +11211,7 @@
 </p:sld>
 </file>
 
-<file path=ppt/slides/slide23.xml><?xml version="1.0" encoding="utf-8"?>
+<file path=ppt/slides/slide24.xml><?xml version="1.0" encoding="utf-8"?>
 <p:sld xmlns:a="http://schemas.openxmlformats.org/drawingml/2006/main" xmlns:r="http://schemas.openxmlformats.org/officeDocument/2006/relationships" xmlns:p="http://schemas.openxmlformats.org/presentationml/2006/main">
   <p:cSld>
     <p:spTree>
@@ -10930,7 +11285,7 @@
             <a:fld id="{A49DFD55-3C28-40EF-9E31-A92D2E4017FF}" type="slidenum">
               <a:rPr lang="en-US" smtClean="0"/>
               <a:pPr/>
-              <a:t>23</a:t>
+              <a:t>24</a:t>
             </a:fld>
             <a:endParaRPr lang="en-US" dirty="0"/>
           </a:p>
@@ -11031,7 +11386,7 @@
 </p:sld>
 </file>
 
-<file path=ppt/slides/slide24.xml><?xml version="1.0" encoding="utf-8"?>
+<file path=ppt/slides/slide25.xml><?xml version="1.0" encoding="utf-8"?>
 <p:sld xmlns:a="http://schemas.openxmlformats.org/drawingml/2006/main" xmlns:r="http://schemas.openxmlformats.org/officeDocument/2006/relationships" xmlns:p="http://schemas.openxmlformats.org/presentationml/2006/main">
   <p:cSld>
     <p:spTree>
@@ -11111,7 +11466,7 @@
             <a:fld id="{A49DFD55-3C28-40EF-9E31-A92D2E4017FF}" type="slidenum">
               <a:rPr lang="en-US" smtClean="0"/>
               <a:pPr/>
-              <a:t>24</a:t>
+              <a:t>25</a:t>
             </a:fld>
             <a:endParaRPr lang="en-US" dirty="0"/>
           </a:p>
@@ -11211,228 +11566,6 @@
     <p:extLst>
       <p:ext uri="{BB962C8B-B14F-4D97-AF65-F5344CB8AC3E}">
         <p14:creationId xmlns:p14="http://schemas.microsoft.com/office/powerpoint/2010/main" val="2984388341"/>
-      </p:ext>
-    </p:extLst>
-  </p:cSld>
-  <p:clrMapOvr>
-    <a:masterClrMapping/>
-  </p:clrMapOvr>
-</p:sld>
-</file>
-
-<file path=ppt/slides/slide25.xml><?xml version="1.0" encoding="utf-8"?>
-<p:sld xmlns:a="http://schemas.openxmlformats.org/drawingml/2006/main" xmlns:r="http://schemas.openxmlformats.org/officeDocument/2006/relationships" xmlns:p="http://schemas.openxmlformats.org/presentationml/2006/main">
-  <p:cSld>
-    <p:spTree>
-      <p:nvGrpSpPr>
-        <p:cNvPr id="1" name=""/>
-        <p:cNvGrpSpPr/>
-        <p:nvPr/>
-      </p:nvGrpSpPr>
-      <p:grpSpPr>
-        <a:xfrm>
-          <a:off x="0" y="0"/>
-          <a:ext cx="0" cy="0"/>
-          <a:chOff x="0" y="0"/>
-          <a:chExt cx="0" cy="0"/>
-        </a:xfrm>
-      </p:grpSpPr>
-      <p:sp>
-        <p:nvSpPr>
-          <p:cNvPr id="2" name="Title 1">
-            <a:extLst>
-              <a:ext uri="{FF2B5EF4-FFF2-40B4-BE49-F238E27FC236}">
-                <a16:creationId xmlns:a16="http://schemas.microsoft.com/office/drawing/2014/main" id="{E2085DB9-074F-D765-FE0A-F3925C8FB463}"/>
-              </a:ext>
-            </a:extLst>
-          </p:cNvPr>
-          <p:cNvSpPr>
-            <a:spLocks noGrp="1"/>
-          </p:cNvSpPr>
-          <p:nvPr>
-            <p:ph type="title"/>
-          </p:nvPr>
-        </p:nvSpPr>
-        <p:spPr/>
-        <p:txBody>
-          <a:bodyPr/>
-          <a:lstStyle/>
-          <a:p>
-            <a:r>
-              <a:rPr lang="en-GB" dirty="0"/>
-              <a:t>Observation</a:t>
-            </a:r>
-          </a:p>
-        </p:txBody>
-      </p:sp>
-      <p:sp>
-        <p:nvSpPr>
-          <p:cNvPr id="3" name="Table Placeholder 2">
-            <a:extLst>
-              <a:ext uri="{FF2B5EF4-FFF2-40B4-BE49-F238E27FC236}">
-                <a16:creationId xmlns:a16="http://schemas.microsoft.com/office/drawing/2014/main" id="{000095A4-D08E-754C-6375-899E25AD2513}"/>
-              </a:ext>
-            </a:extLst>
-          </p:cNvPr>
-          <p:cNvSpPr>
-            <a:spLocks noGrp="1"/>
-          </p:cNvSpPr>
-          <p:nvPr>
-            <p:ph type="tbl" sz="quarter" idx="14"/>
-          </p:nvPr>
-        </p:nvSpPr>
-        <p:spPr/>
-      </p:sp>
-      <p:sp>
-        <p:nvSpPr>
-          <p:cNvPr id="4" name="Slide Number Placeholder 3">
-            <a:extLst>
-              <a:ext uri="{FF2B5EF4-FFF2-40B4-BE49-F238E27FC236}">
-                <a16:creationId xmlns:a16="http://schemas.microsoft.com/office/drawing/2014/main" id="{1003FF3A-9347-3E63-D875-67EE4480D976}"/>
-              </a:ext>
-            </a:extLst>
-          </p:cNvPr>
-          <p:cNvSpPr>
-            <a:spLocks noGrp="1"/>
-          </p:cNvSpPr>
-          <p:nvPr>
-            <p:ph type="sldNum" sz="quarter" idx="12"/>
-          </p:nvPr>
-        </p:nvSpPr>
-        <p:spPr/>
-        <p:txBody>
-          <a:bodyPr/>
-          <a:lstStyle/>
-          <a:p>
-            <a:fld id="{A49DFD55-3C28-40EF-9E31-A92D2E4017FF}" type="slidenum">
-              <a:rPr lang="en-US" smtClean="0"/>
-              <a:pPr/>
-              <a:t>25</a:t>
-            </a:fld>
-            <a:endParaRPr lang="en-US" dirty="0"/>
-          </a:p>
-        </p:txBody>
-      </p:sp>
-      <p:sp>
-        <p:nvSpPr>
-          <p:cNvPr id="6" name="TextBox 5">
-            <a:extLst>
-              <a:ext uri="{FF2B5EF4-FFF2-40B4-BE49-F238E27FC236}">
-                <a16:creationId xmlns:a16="http://schemas.microsoft.com/office/drawing/2014/main" id="{F6480B16-4985-EFA5-499D-13CE8E50B6A7}"/>
-              </a:ext>
-            </a:extLst>
-          </p:cNvPr>
-          <p:cNvSpPr txBox="1"/>
-          <p:nvPr/>
-        </p:nvSpPr>
-        <p:spPr>
-          <a:xfrm>
-            <a:off x="282633" y="1928553"/>
-            <a:ext cx="11554691" cy="3139321"/>
-          </a:xfrm>
-          <a:prstGeom prst="rect">
-            <a:avLst/>
-          </a:prstGeom>
-          <a:noFill/>
-        </p:spPr>
-        <p:txBody>
-          <a:bodyPr wrap="square" rtlCol="0">
-            <a:spAutoFit/>
-          </a:bodyPr>
-          <a:lstStyle/>
-          <a:p>
-            <a:pPr algn="l"/>
-            <a:r>
-              <a:rPr lang="en-GB" b="1" i="0" dirty="0">
-                <a:effectLst/>
-              </a:rPr>
-              <a:t>Trend:</a:t>
-            </a:r>
-            <a:r>
-              <a:rPr lang="en-GB" b="0" i="0" dirty="0">
-                <a:effectLst/>
-              </a:rPr>
-              <a:t> Reflects consistent changes over time, indicating either growth or decline in the system's </a:t>
-            </a:r>
-            <a:r>
-              <a:rPr lang="en-GB" b="0" i="0" dirty="0" err="1">
-                <a:effectLst/>
-              </a:rPr>
-              <a:t>behavior</a:t>
-            </a:r>
-            <a:r>
-              <a:rPr lang="en-GB" b="0" i="0" dirty="0">
-                <a:effectLst/>
-              </a:rPr>
-              <a:t>. For example, in energy forecasting, a trend may signal an increase in energy demand due to population growth or infrastructure development.</a:t>
-            </a:r>
-          </a:p>
-          <a:p>
-            <a:pPr algn="l"/>
-            <a:endParaRPr lang="en-GB" b="0" i="0" dirty="0">
-              <a:effectLst/>
-            </a:endParaRPr>
-          </a:p>
-          <a:p>
-            <a:pPr algn="l"/>
-            <a:r>
-              <a:rPr lang="en-GB" b="1" i="0" dirty="0">
-                <a:effectLst/>
-              </a:rPr>
-              <a:t>Seasonality:</a:t>
-            </a:r>
-          </a:p>
-          <a:p>
-            <a:pPr algn="l"/>
-            <a:endParaRPr lang="en-GB" b="0" i="0" dirty="0">
-              <a:effectLst/>
-            </a:endParaRPr>
-          </a:p>
-          <a:p>
-            <a:pPr algn="l">
-              <a:buFont typeface="Arial" panose="020B0604020202020204" pitchFamily="34" charset="0"/>
-              <a:buChar char="•"/>
-            </a:pPr>
-            <a:r>
-              <a:rPr lang="en-GB" b="1" i="0" dirty="0">
-                <a:effectLst/>
-              </a:rPr>
-              <a:t>Yearly:</a:t>
-            </a:r>
-            <a:r>
-              <a:rPr lang="en-GB" b="0" i="0" dirty="0">
-                <a:effectLst/>
-              </a:rPr>
-              <a:t> Highlights recurring energy consumption patterns across years, often due to seasonal climate changes or annual events.</a:t>
-            </a:r>
-          </a:p>
-          <a:p>
-            <a:pPr algn="l">
-              <a:buFont typeface="Arial" panose="020B0604020202020204" pitchFamily="34" charset="0"/>
-              <a:buChar char="•"/>
-            </a:pPr>
-            <a:r>
-              <a:rPr lang="en-GB" b="1" i="0" dirty="0">
-                <a:effectLst/>
-              </a:rPr>
-              <a:t>Daily:</a:t>
-            </a:r>
-            <a:r>
-              <a:rPr lang="en-GB" b="0" i="0" dirty="0">
-                <a:effectLst/>
-              </a:rPr>
-              <a:t> Captures diurnal variations in energy usage, influenced by human activities (e.g., peak usage during daytime).</a:t>
-            </a:r>
-          </a:p>
-          <a:p>
-            <a:endParaRPr lang="en-GB" dirty="0"/>
-          </a:p>
-        </p:txBody>
-      </p:sp>
-    </p:spTree>
-    <p:extLst>
-      <p:ext uri="{BB962C8B-B14F-4D97-AF65-F5344CB8AC3E}">
-        <p14:creationId xmlns:p14="http://schemas.microsoft.com/office/powerpoint/2010/main" val="3578746959"/>
       </p:ext>
     </p:extLst>
   </p:cSld>
@@ -11464,6 +11597,228 @@
           <p:cNvPr id="2" name="Title 1">
             <a:extLst>
               <a:ext uri="{FF2B5EF4-FFF2-40B4-BE49-F238E27FC236}">
+                <a16:creationId xmlns:a16="http://schemas.microsoft.com/office/drawing/2014/main" id="{E2085DB9-074F-D765-FE0A-F3925C8FB463}"/>
+              </a:ext>
+            </a:extLst>
+          </p:cNvPr>
+          <p:cNvSpPr>
+            <a:spLocks noGrp="1"/>
+          </p:cNvSpPr>
+          <p:nvPr>
+            <p:ph type="title"/>
+          </p:nvPr>
+        </p:nvSpPr>
+        <p:spPr/>
+        <p:txBody>
+          <a:bodyPr/>
+          <a:lstStyle/>
+          <a:p>
+            <a:r>
+              <a:rPr lang="en-GB" dirty="0"/>
+              <a:t>Observation</a:t>
+            </a:r>
+          </a:p>
+        </p:txBody>
+      </p:sp>
+      <p:sp>
+        <p:nvSpPr>
+          <p:cNvPr id="3" name="Table Placeholder 2">
+            <a:extLst>
+              <a:ext uri="{FF2B5EF4-FFF2-40B4-BE49-F238E27FC236}">
+                <a16:creationId xmlns:a16="http://schemas.microsoft.com/office/drawing/2014/main" id="{000095A4-D08E-754C-6375-899E25AD2513}"/>
+              </a:ext>
+            </a:extLst>
+          </p:cNvPr>
+          <p:cNvSpPr>
+            <a:spLocks noGrp="1"/>
+          </p:cNvSpPr>
+          <p:nvPr>
+            <p:ph type="tbl" sz="quarter" idx="14"/>
+          </p:nvPr>
+        </p:nvSpPr>
+        <p:spPr/>
+      </p:sp>
+      <p:sp>
+        <p:nvSpPr>
+          <p:cNvPr id="4" name="Slide Number Placeholder 3">
+            <a:extLst>
+              <a:ext uri="{FF2B5EF4-FFF2-40B4-BE49-F238E27FC236}">
+                <a16:creationId xmlns:a16="http://schemas.microsoft.com/office/drawing/2014/main" id="{1003FF3A-9347-3E63-D875-67EE4480D976}"/>
+              </a:ext>
+            </a:extLst>
+          </p:cNvPr>
+          <p:cNvSpPr>
+            <a:spLocks noGrp="1"/>
+          </p:cNvSpPr>
+          <p:nvPr>
+            <p:ph type="sldNum" sz="quarter" idx="12"/>
+          </p:nvPr>
+        </p:nvSpPr>
+        <p:spPr/>
+        <p:txBody>
+          <a:bodyPr/>
+          <a:lstStyle/>
+          <a:p>
+            <a:fld id="{A49DFD55-3C28-40EF-9E31-A92D2E4017FF}" type="slidenum">
+              <a:rPr lang="en-US" smtClean="0"/>
+              <a:pPr/>
+              <a:t>26</a:t>
+            </a:fld>
+            <a:endParaRPr lang="en-US" dirty="0"/>
+          </a:p>
+        </p:txBody>
+      </p:sp>
+      <p:sp>
+        <p:nvSpPr>
+          <p:cNvPr id="6" name="TextBox 5">
+            <a:extLst>
+              <a:ext uri="{FF2B5EF4-FFF2-40B4-BE49-F238E27FC236}">
+                <a16:creationId xmlns:a16="http://schemas.microsoft.com/office/drawing/2014/main" id="{F6480B16-4985-EFA5-499D-13CE8E50B6A7}"/>
+              </a:ext>
+            </a:extLst>
+          </p:cNvPr>
+          <p:cNvSpPr txBox="1"/>
+          <p:nvPr/>
+        </p:nvSpPr>
+        <p:spPr>
+          <a:xfrm>
+            <a:off x="282633" y="1928553"/>
+            <a:ext cx="11554691" cy="3139321"/>
+          </a:xfrm>
+          <a:prstGeom prst="rect">
+            <a:avLst/>
+          </a:prstGeom>
+          <a:noFill/>
+        </p:spPr>
+        <p:txBody>
+          <a:bodyPr wrap="square" rtlCol="0">
+            <a:spAutoFit/>
+          </a:bodyPr>
+          <a:lstStyle/>
+          <a:p>
+            <a:pPr algn="l"/>
+            <a:r>
+              <a:rPr lang="en-GB" b="1" i="0" dirty="0">
+                <a:effectLst/>
+              </a:rPr>
+              <a:t>Trend:</a:t>
+            </a:r>
+            <a:r>
+              <a:rPr lang="en-GB" b="0" i="0" dirty="0">
+                <a:effectLst/>
+              </a:rPr>
+              <a:t> Reflects consistent changes over time, indicating either growth or decline in the system's </a:t>
+            </a:r>
+            <a:r>
+              <a:rPr lang="en-GB" b="0" i="0" dirty="0" err="1">
+                <a:effectLst/>
+              </a:rPr>
+              <a:t>behavior</a:t>
+            </a:r>
+            <a:r>
+              <a:rPr lang="en-GB" b="0" i="0" dirty="0">
+                <a:effectLst/>
+              </a:rPr>
+              <a:t>. For example, in energy forecasting, a trend may signal an increase in energy demand due to population growth or infrastructure development.</a:t>
+            </a:r>
+          </a:p>
+          <a:p>
+            <a:pPr algn="l"/>
+            <a:endParaRPr lang="en-GB" b="0" i="0" dirty="0">
+              <a:effectLst/>
+            </a:endParaRPr>
+          </a:p>
+          <a:p>
+            <a:pPr algn="l"/>
+            <a:r>
+              <a:rPr lang="en-GB" b="1" i="0" dirty="0">
+                <a:effectLst/>
+              </a:rPr>
+              <a:t>Seasonality:</a:t>
+            </a:r>
+          </a:p>
+          <a:p>
+            <a:pPr algn="l"/>
+            <a:endParaRPr lang="en-GB" b="0" i="0" dirty="0">
+              <a:effectLst/>
+            </a:endParaRPr>
+          </a:p>
+          <a:p>
+            <a:pPr algn="l">
+              <a:buFont typeface="Arial" panose="020B0604020202020204" pitchFamily="34" charset="0"/>
+              <a:buChar char="•"/>
+            </a:pPr>
+            <a:r>
+              <a:rPr lang="en-GB" b="1" i="0" dirty="0">
+                <a:effectLst/>
+              </a:rPr>
+              <a:t>Yearly:</a:t>
+            </a:r>
+            <a:r>
+              <a:rPr lang="en-GB" b="0" i="0" dirty="0">
+                <a:effectLst/>
+              </a:rPr>
+              <a:t> Highlights recurring energy consumption patterns across years, often due to seasonal climate changes or annual events.</a:t>
+            </a:r>
+          </a:p>
+          <a:p>
+            <a:pPr algn="l">
+              <a:buFont typeface="Arial" panose="020B0604020202020204" pitchFamily="34" charset="0"/>
+              <a:buChar char="•"/>
+            </a:pPr>
+            <a:r>
+              <a:rPr lang="en-GB" b="1" i="0" dirty="0">
+                <a:effectLst/>
+              </a:rPr>
+              <a:t>Daily:</a:t>
+            </a:r>
+            <a:r>
+              <a:rPr lang="en-GB" b="0" i="0" dirty="0">
+                <a:effectLst/>
+              </a:rPr>
+              <a:t> Captures diurnal variations in energy usage, influenced by human activities (e.g., peak usage during daytime).</a:t>
+            </a:r>
+          </a:p>
+          <a:p>
+            <a:endParaRPr lang="en-GB" dirty="0"/>
+          </a:p>
+        </p:txBody>
+      </p:sp>
+    </p:spTree>
+    <p:extLst>
+      <p:ext uri="{BB962C8B-B14F-4D97-AF65-F5344CB8AC3E}">
+        <p14:creationId xmlns:p14="http://schemas.microsoft.com/office/powerpoint/2010/main" val="3578746959"/>
+      </p:ext>
+    </p:extLst>
+  </p:cSld>
+  <p:clrMapOvr>
+    <a:masterClrMapping/>
+  </p:clrMapOvr>
+</p:sld>
+</file>
+
+<file path=ppt/slides/slide27.xml><?xml version="1.0" encoding="utf-8"?>
+<p:sld xmlns:a="http://schemas.openxmlformats.org/drawingml/2006/main" xmlns:r="http://schemas.openxmlformats.org/officeDocument/2006/relationships" xmlns:p="http://schemas.openxmlformats.org/presentationml/2006/main">
+  <p:cSld>
+    <p:spTree>
+      <p:nvGrpSpPr>
+        <p:cNvPr id="1" name=""/>
+        <p:cNvGrpSpPr/>
+        <p:nvPr/>
+      </p:nvGrpSpPr>
+      <p:grpSpPr>
+        <a:xfrm>
+          <a:off x="0" y="0"/>
+          <a:ext cx="0" cy="0"/>
+          <a:chOff x="0" y="0"/>
+          <a:chExt cx="0" cy="0"/>
+        </a:xfrm>
+      </p:grpSpPr>
+      <p:sp>
+        <p:nvSpPr>
+          <p:cNvPr id="2" name="Title 1">
+            <a:extLst>
+              <a:ext uri="{FF2B5EF4-FFF2-40B4-BE49-F238E27FC236}">
                 <a16:creationId xmlns:a16="http://schemas.microsoft.com/office/drawing/2014/main" id="{8BDF1EDE-5423-435C-B149-87AB1BC22B83}"/>
               </a:ext>
             </a:extLst>
@@ -11553,7 +11908,7 @@
             <a:fld id="{A49DFD55-3C28-40EF-9E31-A92D2E4017FF}" type="slidenum">
               <a:rPr lang="en-US" smtClean="0"/>
               <a:pPr/>
-              <a:t>26</a:t>
+              <a:t>27</a:t>
             </a:fld>
             <a:endParaRPr lang="en-US" dirty="0"/>
           </a:p>
@@ -11577,7 +11932,13 @@
   <p:cSld>
     <p:spTree>
       <p:nvGrpSpPr>
-        <p:cNvPr id="1" name=""/>
+        <p:cNvPr id="1" name="">
+          <a:extLst>
+            <a:ext uri="{FF2B5EF4-FFF2-40B4-BE49-F238E27FC236}">
+              <a16:creationId xmlns:a16="http://schemas.microsoft.com/office/drawing/2014/main" id="{49193912-4C7C-D2CB-79AF-F51C65D94781}"/>
+            </a:ext>
+          </a:extLst>
+        </p:cNvPr>
         <p:cNvGrpSpPr/>
         <p:nvPr/>
       </p:nvGrpSpPr>
@@ -11594,7 +11955,7 @@
           <p:cNvPr id="2" name="Title 1">
             <a:extLst>
               <a:ext uri="{FF2B5EF4-FFF2-40B4-BE49-F238E27FC236}">
-                <a16:creationId xmlns:a16="http://schemas.microsoft.com/office/drawing/2014/main" id="{9528DBD1-DB29-D44F-FD5A-3071BB37EF37}"/>
+                <a16:creationId xmlns:a16="http://schemas.microsoft.com/office/drawing/2014/main" id="{84BE4E3B-ACE9-8795-4055-9E91BAD95F74}"/>
               </a:ext>
             </a:extLst>
           </p:cNvPr>
@@ -11607,8 +11968,8 @@
         </p:nvSpPr>
         <p:spPr>
           <a:xfrm>
-            <a:off x="0" y="1683327"/>
-            <a:ext cx="6286847" cy="2294312"/>
+            <a:off x="6891597" y="1004917"/>
+            <a:ext cx="4179570" cy="3457971"/>
           </a:xfrm>
         </p:spPr>
         <p:txBody>
@@ -11619,51 +11980,17 @@
               <a:rPr lang="en-US" dirty="0"/>
               <a:t>Problem Statement</a:t>
             </a:r>
-          </a:p>
-        </p:txBody>
-      </p:sp>
-      <p:sp>
-        <p:nvSpPr>
-          <p:cNvPr id="4" name="TextBox 3">
-            <a:extLst>
-              <a:ext uri="{FF2B5EF4-FFF2-40B4-BE49-F238E27FC236}">
-                <a16:creationId xmlns:a16="http://schemas.microsoft.com/office/drawing/2014/main" id="{61E7D4DB-111A-6C39-0B51-7B1150ADE52F}"/>
-              </a:ext>
-            </a:extLst>
-          </p:cNvPr>
-          <p:cNvSpPr txBox="1"/>
-          <p:nvPr/>
-        </p:nvSpPr>
-        <p:spPr>
-          <a:xfrm>
-            <a:off x="6576753" y="2646218"/>
-            <a:ext cx="5220392" cy="3046988"/>
-          </a:xfrm>
-          <a:prstGeom prst="rect">
-            <a:avLst/>
-          </a:prstGeom>
-          <a:noFill/>
-        </p:spPr>
-        <p:txBody>
-          <a:bodyPr wrap="square" rtlCol="0">
-            <a:spAutoFit/>
-          </a:bodyPr>
-          <a:lstStyle/>
-          <a:p>
-            <a:r>
-              <a:rPr lang="en-GB" sz="2400" b="0" i="0" dirty="0">
-                <a:effectLst/>
-              </a:rPr>
-              <a:t>In this project, the goal is to develop a predictive model that can forecast future energy consumption values for a power grid based on historical consumption patterns. The dataset contains time series data of energy consumption recorded at regular intervals</a:t>
-            </a:r>
-            <a:endParaRPr lang="en-GB" sz="2400" dirty="0"/>
+            <a:br>
+              <a:rPr lang="en-US" dirty="0"/>
+            </a:br>
+            <a:endParaRPr lang="en-US" dirty="0"/>
           </a:p>
         </p:txBody>
       </p:sp>
     </p:spTree>
     <p:extLst>
       <p:ext uri="{BB962C8B-B14F-4D97-AF65-F5344CB8AC3E}">
-        <p14:creationId xmlns:p14="http://schemas.microsoft.com/office/powerpoint/2010/main" val="608796113"/>
+        <p14:creationId xmlns:p14="http://schemas.microsoft.com/office/powerpoint/2010/main" val="2693107396"/>
       </p:ext>
     </p:extLst>
   </p:cSld>
@@ -11695,21 +12022,21 @@
           <p:cNvPr id="2" name="Title 1">
             <a:extLst>
               <a:ext uri="{FF2B5EF4-FFF2-40B4-BE49-F238E27FC236}">
-                <a16:creationId xmlns:a16="http://schemas.microsoft.com/office/drawing/2014/main" id="{0A32731C-311B-46F7-A865-6C3AF6B09A47}"/>
-              </a:ext>
-            </a:extLst>
-          </p:cNvPr>
-          <p:cNvSpPr>
-            <a:spLocks noGrp="1"/>
-          </p:cNvSpPr>
-          <p:nvPr>
-            <p:ph type="title"/>
+                <a16:creationId xmlns:a16="http://schemas.microsoft.com/office/drawing/2014/main" id="{9528DBD1-DB29-D44F-FD5A-3071BB37EF37}"/>
+              </a:ext>
+            </a:extLst>
+          </p:cNvPr>
+          <p:cNvSpPr>
+            <a:spLocks noGrp="1"/>
+          </p:cNvSpPr>
+          <p:nvPr>
+            <p:ph type="ctrTitle"/>
           </p:nvPr>
         </p:nvSpPr>
         <p:spPr>
           <a:xfrm>
-            <a:off x="1322318" y="-1309971"/>
-            <a:ext cx="7288282" cy="2121177"/>
+            <a:off x="0" y="1683327"/>
+            <a:ext cx="6286847" cy="2294312"/>
           </a:xfrm>
         </p:spPr>
         <p:txBody>
@@ -11718,186 +12045,53 @@
           <a:p>
             <a:r>
               <a:rPr lang="en-US" dirty="0"/>
-              <a:t>Data Cleaning</a:t>
-            </a:r>
-          </a:p>
-        </p:txBody>
-      </p:sp>
-      <p:sp>
-        <p:nvSpPr>
-          <p:cNvPr id="3" name="Text Placeholder 2">
-            <a:extLst>
-              <a:ext uri="{FF2B5EF4-FFF2-40B4-BE49-F238E27FC236}">
-                <a16:creationId xmlns:a16="http://schemas.microsoft.com/office/drawing/2014/main" id="{9D5232F9-FD00-464A-9F17-619C91AEF8F3}"/>
-              </a:ext>
-            </a:extLst>
-          </p:cNvPr>
-          <p:cNvSpPr>
-            <a:spLocks noGrp="1"/>
-          </p:cNvSpPr>
-          <p:nvPr>
-            <p:ph sz="half" idx="2"/>
-          </p:nvPr>
+              <a:t>Problem Statement</a:t>
+            </a:r>
+          </a:p>
+        </p:txBody>
+      </p:sp>
+      <p:sp>
+        <p:nvSpPr>
+          <p:cNvPr id="4" name="TextBox 3">
+            <a:extLst>
+              <a:ext uri="{FF2B5EF4-FFF2-40B4-BE49-F238E27FC236}">
+                <a16:creationId xmlns:a16="http://schemas.microsoft.com/office/drawing/2014/main" id="{61E7D4DB-111A-6C39-0B51-7B1150ADE52F}"/>
+              </a:ext>
+            </a:extLst>
+          </p:cNvPr>
+          <p:cNvSpPr txBox="1"/>
+          <p:nvPr/>
         </p:nvSpPr>
         <p:spPr>
           <a:xfrm>
-            <a:off x="1322318" y="917287"/>
-            <a:ext cx="8377844" cy="5940713"/>
-          </a:xfrm>
-        </p:spPr>
-        <p:txBody>
-          <a:bodyPr>
-            <a:normAutofit/>
+            <a:off x="6576753" y="2646218"/>
+            <a:ext cx="5220392" cy="3046988"/>
+          </a:xfrm>
+          <a:prstGeom prst="rect">
+            <a:avLst/>
+          </a:prstGeom>
+          <a:noFill/>
+        </p:spPr>
+        <p:txBody>
+          <a:bodyPr wrap="square" rtlCol="0">
+            <a:spAutoFit/>
           </a:bodyPr>
           <a:lstStyle/>
           <a:p>
-            <a:pPr lvl="1"/>
-            <a:r>
-              <a:rPr lang="en-GB" dirty="0"/>
-              <a:t>Loaded </a:t>
-            </a:r>
-            <a:r>
-              <a:rPr lang="en-GB" i="1" dirty="0"/>
-              <a:t>Household Power Consumption Data</a:t>
-            </a:r>
-            <a:r>
-              <a:rPr lang="en-GB" dirty="0"/>
-              <a:t>.</a:t>
-            </a:r>
-          </a:p>
-          <a:p>
-            <a:pPr lvl="1"/>
-            <a:r>
-              <a:rPr lang="en-GB" b="1" dirty="0"/>
-              <a:t>Date</a:t>
-            </a:r>
-            <a:r>
-              <a:rPr lang="en-GB" dirty="0"/>
-              <a:t> and </a:t>
-            </a:r>
-            <a:r>
-              <a:rPr lang="en-GB" b="1" dirty="0"/>
-              <a:t>Time</a:t>
-            </a:r>
-            <a:r>
-              <a:rPr lang="en-GB" dirty="0"/>
-              <a:t>: Useful for time-series analysis, trend identification, and temporal aggregations (e.g., daily, weekly consumption).</a:t>
-            </a:r>
-          </a:p>
-          <a:p>
-            <a:pPr lvl="1"/>
-            <a:r>
-              <a:rPr lang="en-GB" b="1" dirty="0"/>
-              <a:t>Global Active Power</a:t>
-            </a:r>
-            <a:r>
-              <a:rPr lang="en-GB" dirty="0"/>
-              <a:t>: A primary feature for assessing energy consumption. Trends in this feature can help identify peak usage times or inefficiencies.</a:t>
-            </a:r>
-          </a:p>
-          <a:p>
-            <a:pPr lvl="1"/>
-            <a:r>
-              <a:rPr lang="en-GB" b="1" dirty="0"/>
-              <a:t>Global Reactive Power</a:t>
-            </a:r>
-            <a:r>
-              <a:rPr lang="en-GB" dirty="0"/>
-              <a:t>: Though not directly contributing to active energy consumption, it is crucial for understanding power quality and the household's impact on the grid.</a:t>
-            </a:r>
-          </a:p>
-          <a:p>
-            <a:pPr lvl="1"/>
-            <a:r>
-              <a:rPr lang="en-GB" b="1" dirty="0"/>
-              <a:t>Voltage</a:t>
-            </a:r>
-            <a:r>
-              <a:rPr lang="en-GB" dirty="0"/>
-              <a:t>: Can help identify potential issues like under-voltage or over-voltage scenarios that might damage appliances or reduce efficiency.</a:t>
-            </a:r>
-          </a:p>
-          <a:p>
-            <a:pPr lvl="1"/>
-            <a:r>
-              <a:rPr lang="en-GB" b="1" dirty="0"/>
-              <a:t>Global Intensity</a:t>
-            </a:r>
-            <a:r>
-              <a:rPr lang="en-GB" dirty="0"/>
-              <a:t>: Complements voltage and power features, offering insights into how current consumption correlates with the active and reactive power.</a:t>
-            </a:r>
-          </a:p>
-          <a:p>
-            <a:pPr lvl="1"/>
-            <a:r>
-              <a:rPr lang="en-GB" b="1" dirty="0"/>
-              <a:t>Sub-Metering 1, 2, 3</a:t>
-            </a:r>
-            <a:r>
-              <a:rPr lang="en-GB" dirty="0"/>
-              <a:t>: These granular features enable pinpointing energy use within specific household zones or systems. Useful for targeted energy-saving strategies.</a:t>
-            </a:r>
-          </a:p>
-          <a:p>
-            <a:pPr lvl="1"/>
-            <a:endParaRPr lang="en-GB" dirty="0"/>
-          </a:p>
-          <a:p>
-            <a:pPr lvl="1"/>
-            <a:endParaRPr lang="en-GB" dirty="0"/>
-          </a:p>
-          <a:p>
-            <a:pPr marL="0" lvl="1" indent="0">
-              <a:buNone/>
-            </a:pPr>
-            <a:endParaRPr lang="en-GB" dirty="0"/>
-          </a:p>
-          <a:p>
-            <a:pPr lvl="1"/>
-            <a:endParaRPr lang="en-GB" dirty="0"/>
-          </a:p>
-        </p:txBody>
-      </p:sp>
-      <p:sp>
-        <p:nvSpPr>
-          <p:cNvPr id="14" name="Slide Number Placeholder 5">
-            <a:extLst>
-              <a:ext uri="{FF2B5EF4-FFF2-40B4-BE49-F238E27FC236}">
-                <a16:creationId xmlns:a16="http://schemas.microsoft.com/office/drawing/2014/main" id="{ECE635A2-70B8-3EAB-6A18-952B02EBAA1E}"/>
-              </a:ext>
-            </a:extLst>
-          </p:cNvPr>
-          <p:cNvSpPr>
-            <a:spLocks noGrp="1"/>
-          </p:cNvSpPr>
-          <p:nvPr>
-            <p:ph type="sldNum" sz="quarter" idx="12"/>
-          </p:nvPr>
-        </p:nvSpPr>
-        <p:spPr>
-          <a:xfrm>
-            <a:off x="10373350" y="6356349"/>
-            <a:ext cx="987552" cy="365125"/>
-          </a:xfrm>
-        </p:spPr>
-        <p:txBody>
-          <a:bodyPr/>
-          <a:lstStyle/>
-          <a:p>
-            <a:fld id="{A49DFD55-3C28-40EF-9E31-A92D2E4017FF}" type="slidenum">
-              <a:rPr lang="en-US" smtClean="0"/>
-              <a:pPr/>
-              <a:t>4</a:t>
-            </a:fld>
-            <a:endParaRPr lang="en-US" dirty="0"/>
+            <a:r>
+              <a:rPr lang="en-GB" sz="2400" b="0" i="0" dirty="0">
+                <a:effectLst/>
+              </a:rPr>
+              <a:t>In this project, the goal is to develop a predictive model that can forecast future energy consumption values for a power grid based on historical consumption patterns. The dataset contains time series data of energy consumption recorded at regular intervals</a:t>
+            </a:r>
+            <a:endParaRPr lang="en-GB" sz="2400" dirty="0"/>
           </a:p>
         </p:txBody>
       </p:sp>
     </p:spTree>
     <p:extLst>
       <p:ext uri="{BB962C8B-B14F-4D97-AF65-F5344CB8AC3E}">
-        <p14:creationId xmlns:p14="http://schemas.microsoft.com/office/powerpoint/2010/main" val="3571516367"/>
+        <p14:creationId xmlns:p14="http://schemas.microsoft.com/office/powerpoint/2010/main" val="608796113"/>
       </p:ext>
     </p:extLst>
   </p:cSld>
@@ -11915,7 +12109,7 @@
         <p:cNvPr id="1" name="">
           <a:extLst>
             <a:ext uri="{FF2B5EF4-FFF2-40B4-BE49-F238E27FC236}">
-              <a16:creationId xmlns:a16="http://schemas.microsoft.com/office/drawing/2014/main" id="{61D8006D-893F-2B80-AC3E-14CA3CC1042D}"/>
+              <a16:creationId xmlns:a16="http://schemas.microsoft.com/office/drawing/2014/main" id="{936C4831-828A-318A-DFED-3F4F683D7E43}"/>
             </a:ext>
           </a:extLst>
         </p:cNvPr>
@@ -11935,21 +12129,21 @@
           <p:cNvPr id="2" name="Title 1">
             <a:extLst>
               <a:ext uri="{FF2B5EF4-FFF2-40B4-BE49-F238E27FC236}">
-                <a16:creationId xmlns:a16="http://schemas.microsoft.com/office/drawing/2014/main" id="{C5AAD529-73E7-541F-E126-F0A663425A4F}"/>
-              </a:ext>
-            </a:extLst>
-          </p:cNvPr>
-          <p:cNvSpPr>
-            <a:spLocks noGrp="1"/>
-          </p:cNvSpPr>
-          <p:nvPr>
-            <p:ph type="title"/>
+                <a16:creationId xmlns:a16="http://schemas.microsoft.com/office/drawing/2014/main" id="{01BD4F76-D518-9D94-0020-AE4351CE4C01}"/>
+              </a:ext>
+            </a:extLst>
+          </p:cNvPr>
+          <p:cNvSpPr>
+            <a:spLocks noGrp="1"/>
+          </p:cNvSpPr>
+          <p:nvPr>
+            <p:ph type="ctrTitle"/>
           </p:nvPr>
         </p:nvSpPr>
         <p:spPr>
           <a:xfrm>
-            <a:off x="1322318" y="-1309971"/>
-            <a:ext cx="7288282" cy="2121177"/>
+            <a:off x="6891597" y="1004917"/>
+            <a:ext cx="4179570" cy="3457971"/>
           </a:xfrm>
         </p:spPr>
         <p:txBody>
@@ -11958,187 +12152,11 @@
           <a:p>
             <a:r>
               <a:rPr lang="en-US" dirty="0"/>
-              <a:t>Data Cleaning</a:t>
-            </a:r>
-          </a:p>
-        </p:txBody>
-      </p:sp>
-      <p:sp>
-        <p:nvSpPr>
-          <p:cNvPr id="3" name="Text Placeholder 2">
-            <a:extLst>
-              <a:ext uri="{FF2B5EF4-FFF2-40B4-BE49-F238E27FC236}">
-                <a16:creationId xmlns:a16="http://schemas.microsoft.com/office/drawing/2014/main" id="{697EB82F-FCFD-EE52-F820-F1CC27BB047D}"/>
-              </a:ext>
-            </a:extLst>
-          </p:cNvPr>
-          <p:cNvSpPr>
-            <a:spLocks noGrp="1"/>
-          </p:cNvSpPr>
-          <p:nvPr>
-            <p:ph sz="half" idx="2"/>
-          </p:nvPr>
-        </p:nvSpPr>
-        <p:spPr>
-          <a:xfrm>
-            <a:off x="1322318" y="917287"/>
-            <a:ext cx="8377844" cy="5940713"/>
-          </a:xfrm>
-        </p:spPr>
-        <p:txBody>
-          <a:bodyPr>
-            <a:normAutofit/>
-          </a:bodyPr>
-          <a:lstStyle/>
-          <a:p>
-            <a:pPr marL="0" indent="0">
-              <a:buNone/>
-            </a:pPr>
-            <a:r>
+              <a:t>Data cleaning</a:t>
+            </a:r>
+            <a:br>
               <a:rPr lang="en-US" dirty="0"/>
-              <a:t>Handled missing values: </a:t>
-            </a:r>
-          </a:p>
-          <a:p>
-            <a:pPr marL="0" indent="0">
-              <a:buNone/>
-            </a:pPr>
-            <a:r>
-              <a:rPr lang="en-US" b="0" dirty="0"/>
-              <a:t>          </a:t>
-            </a:r>
-          </a:p>
-          <a:p>
-            <a:pPr marL="0" indent="0">
-              <a:buNone/>
-            </a:pPr>
-            <a:r>
-              <a:rPr lang="en-US" b="0" dirty="0"/>
-              <a:t>The dataset consists of multiple columns, including both numerical and object</a:t>
-            </a:r>
-          </a:p>
-          <a:p>
-            <a:pPr lvl="1"/>
-            <a:r>
-              <a:rPr lang="en-US" dirty="0"/>
-              <a:t>To get accurate Null values , first we have to convert columns which are in string to </a:t>
-            </a:r>
-            <a:r>
-              <a:rPr lang="en-US" dirty="0" err="1"/>
-              <a:t>numericals</a:t>
-            </a:r>
-            <a:endParaRPr lang="en-US" dirty="0"/>
-          </a:p>
-          <a:p>
-            <a:pPr lvl="1"/>
-            <a:r>
-              <a:rPr lang="en-US" dirty="0"/>
-              <a:t>Columns that represent numerical values but stored as strings are converted using '</a:t>
-            </a:r>
-            <a:r>
-              <a:rPr lang="en-US" dirty="0" err="1"/>
-              <a:t>to_numeric</a:t>
-            </a:r>
-            <a:r>
-              <a:rPr lang="en-US" dirty="0"/>
-              <a:t>'</a:t>
-            </a:r>
-            <a:endParaRPr lang="en-IN" dirty="0"/>
-          </a:p>
-          <a:p>
-            <a:r>
-              <a:rPr lang="en-US" dirty="0"/>
-              <a:t>Feature </a:t>
-            </a:r>
-            <a:r>
-              <a:rPr lang="en-US" dirty="0" err="1"/>
-              <a:t>Engineering:Created</a:t>
-            </a:r>
-            <a:r>
-              <a:rPr lang="en-US" dirty="0"/>
-              <a:t> holiday and sunlight indicators.</a:t>
-            </a:r>
-          </a:p>
-          <a:p>
-            <a:pPr lvl="1"/>
-            <a:r>
-              <a:rPr lang="en-US" dirty="0"/>
-              <a:t>Convert the tuple to a date object</a:t>
-            </a:r>
-          </a:p>
-          <a:p>
-            <a:pPr lvl="1"/>
-            <a:r>
-              <a:rPr lang="en-US" dirty="0"/>
-              <a:t> Converting tuple (year, month, day) to date object</a:t>
-            </a:r>
-          </a:p>
-          <a:p>
-            <a:pPr lvl="1"/>
-            <a:r>
-              <a:rPr lang="en-US" dirty="0"/>
-              <a:t> Apply the function to the 'Date' column (which is in (year, month, day) format)</a:t>
-            </a:r>
-          </a:p>
-          <a:p>
-            <a:pPr lvl="1"/>
-            <a:r>
-              <a:rPr lang="en-US" dirty="0"/>
-              <a:t>Assuming 'time' is a tuple (hour, minute)</a:t>
-            </a:r>
-          </a:p>
-          <a:p>
-            <a:pPr lvl="1"/>
-            <a:r>
-              <a:rPr lang="en-US" dirty="0"/>
-              <a:t> Sunlight is present between 06:00 and 18:00</a:t>
-            </a:r>
-          </a:p>
-          <a:p>
-            <a:pPr lvl="1"/>
-            <a:r>
-              <a:rPr lang="en-US" dirty="0"/>
-              <a:t> Apply the function to the 'Time' column and create 'Sunlight' column</a:t>
-            </a:r>
-            <a:endParaRPr lang="en-IN" dirty="0"/>
-          </a:p>
-          <a:p>
-            <a:pPr lvl="1"/>
-            <a:endParaRPr lang="en-GB" dirty="0"/>
-          </a:p>
-        </p:txBody>
-      </p:sp>
-      <p:sp>
-        <p:nvSpPr>
-          <p:cNvPr id="14" name="Slide Number Placeholder 5">
-            <a:extLst>
-              <a:ext uri="{FF2B5EF4-FFF2-40B4-BE49-F238E27FC236}">
-                <a16:creationId xmlns:a16="http://schemas.microsoft.com/office/drawing/2014/main" id="{085ACF75-9249-F2F9-7854-BF9C67B78A01}"/>
-              </a:ext>
-            </a:extLst>
-          </p:cNvPr>
-          <p:cNvSpPr>
-            <a:spLocks noGrp="1"/>
-          </p:cNvSpPr>
-          <p:nvPr>
-            <p:ph type="sldNum" sz="quarter" idx="12"/>
-          </p:nvPr>
-        </p:nvSpPr>
-        <p:spPr>
-          <a:xfrm>
-            <a:off x="10373350" y="6356349"/>
-            <a:ext cx="987552" cy="365125"/>
-          </a:xfrm>
-        </p:spPr>
-        <p:txBody>
-          <a:bodyPr/>
-          <a:lstStyle/>
-          <a:p>
-            <a:fld id="{A49DFD55-3C28-40EF-9E31-A92D2E4017FF}" type="slidenum">
-              <a:rPr lang="en-US" smtClean="0"/>
-              <a:pPr/>
-              <a:t>5</a:t>
-            </a:fld>
+            </a:br>
             <a:endParaRPr lang="en-US" dirty="0"/>
           </a:p>
         </p:txBody>
@@ -12146,7 +12164,7 @@
     </p:spTree>
     <p:extLst>
       <p:ext uri="{BB962C8B-B14F-4D97-AF65-F5344CB8AC3E}">
-        <p14:creationId xmlns:p14="http://schemas.microsoft.com/office/powerpoint/2010/main" val="3649470079"/>
+        <p14:creationId xmlns:p14="http://schemas.microsoft.com/office/powerpoint/2010/main" val="350891955"/>
       </p:ext>
     </p:extLst>
   </p:cSld>
@@ -12178,21 +12196,21 @@
           <p:cNvPr id="2" name="Title 1">
             <a:extLst>
               <a:ext uri="{FF2B5EF4-FFF2-40B4-BE49-F238E27FC236}">
-                <a16:creationId xmlns:a16="http://schemas.microsoft.com/office/drawing/2014/main" id="{818AFA5E-469B-2BFC-9D4E-BD1EC6E48CA0}"/>
-              </a:ext>
-            </a:extLst>
-          </p:cNvPr>
-          <p:cNvSpPr>
-            <a:spLocks noGrp="1"/>
-          </p:cNvSpPr>
-          <p:nvPr>
-            <p:ph type="ctrTitle"/>
+                <a16:creationId xmlns:a16="http://schemas.microsoft.com/office/drawing/2014/main" id="{0A32731C-311B-46F7-A865-6C3AF6B09A47}"/>
+              </a:ext>
+            </a:extLst>
+          </p:cNvPr>
+          <p:cNvSpPr>
+            <a:spLocks noGrp="1"/>
+          </p:cNvSpPr>
+          <p:nvPr>
+            <p:ph type="title"/>
           </p:nvPr>
         </p:nvSpPr>
         <p:spPr>
           <a:xfrm>
-            <a:off x="307917" y="571407"/>
-            <a:ext cx="4179570" cy="3376691"/>
+            <a:off x="1322318" y="-1309971"/>
+            <a:ext cx="7288282" cy="2121177"/>
           </a:xfrm>
         </p:spPr>
         <p:txBody>
@@ -12200,309 +12218,187 @@
           <a:lstStyle/>
           <a:p>
             <a:r>
-              <a:rPr lang="en-GB" dirty="0"/>
-              <a:t>Data Visualization</a:t>
-            </a:r>
-            <a:endParaRPr lang="en-US" dirty="0"/>
-          </a:p>
-        </p:txBody>
-      </p:sp>
-      <p:cxnSp>
-        <p:nvCxnSpPr>
-          <p:cNvPr id="21" name="Straight Connector 20">
-            <a:extLst>
-              <a:ext uri="{FF2B5EF4-FFF2-40B4-BE49-F238E27FC236}">
-                <a16:creationId xmlns:a16="http://schemas.microsoft.com/office/drawing/2014/main" id="{944268F6-A361-9907-F87F-9C4377ECAE6D}"/>
-              </a:ext>
-              <a:ext uri="{C183D7F6-B498-43B3-948B-1728B52AA6E4}">
-                <adec:decorative xmlns:adec="http://schemas.microsoft.com/office/drawing/2017/decorative" val="1"/>
-              </a:ext>
-            </a:extLst>
-          </p:cNvPr>
-          <p:cNvCxnSpPr>
-            <a:cxnSpLocks/>
-          </p:cNvCxnSpPr>
-          <p:nvPr/>
-        </p:nvCxnSpPr>
+              <a:rPr lang="en-US" dirty="0"/>
+              <a:t>Data Cleaning</a:t>
+            </a:r>
+          </a:p>
+        </p:txBody>
+      </p:sp>
+      <p:sp>
+        <p:nvSpPr>
+          <p:cNvPr id="3" name="Text Placeholder 2">
+            <a:extLst>
+              <a:ext uri="{FF2B5EF4-FFF2-40B4-BE49-F238E27FC236}">
+                <a16:creationId xmlns:a16="http://schemas.microsoft.com/office/drawing/2014/main" id="{9D5232F9-FD00-464A-9F17-619C91AEF8F3}"/>
+              </a:ext>
+            </a:extLst>
+          </p:cNvPr>
+          <p:cNvSpPr>
+            <a:spLocks noGrp="1"/>
+          </p:cNvSpPr>
+          <p:nvPr>
+            <p:ph sz="half" idx="2"/>
+          </p:nvPr>
+        </p:nvSpPr>
         <p:spPr>
-          <a:xfrm flipH="1" flipV="1">
-            <a:off x="0" y="254643"/>
-            <a:ext cx="6096000" cy="855762"/>
-          </a:xfrm>
-          <a:prstGeom prst="line">
-            <a:avLst/>
-          </a:prstGeom>
-          <a:ln>
-            <a:solidFill>
-              <a:schemeClr val="bg1"/>
-            </a:solidFill>
-          </a:ln>
-        </p:spPr>
-        <p:style>
-          <a:lnRef idx="1">
-            <a:schemeClr val="accent1"/>
-          </a:lnRef>
-          <a:fillRef idx="0">
-            <a:schemeClr val="accent1"/>
-          </a:fillRef>
-          <a:effectRef idx="0">
-            <a:schemeClr val="accent1"/>
-          </a:effectRef>
-          <a:fontRef idx="minor">
-            <a:schemeClr val="tx1"/>
-          </a:fontRef>
-        </p:style>
-      </p:cxnSp>
-      <p:sp>
-        <p:nvSpPr>
-          <p:cNvPr id="4" name="Picture Placeholder 3">
-            <a:extLst>
-              <a:ext uri="{FF2B5EF4-FFF2-40B4-BE49-F238E27FC236}">
-                <a16:creationId xmlns:a16="http://schemas.microsoft.com/office/drawing/2014/main" id="{C2F48413-2E14-506D-D864-10806F3D1EE2}"/>
-              </a:ext>
-            </a:extLst>
-          </p:cNvPr>
-          <p:cNvSpPr>
-            <a:spLocks noGrp="1"/>
-          </p:cNvSpPr>
-          <p:nvPr>
-            <p:ph type="pic" sz="quarter" idx="10"/>
-          </p:nvPr>
-        </p:nvSpPr>
-        <p:spPr/>
-      </p:sp>
-      <p:sp>
-        <p:nvSpPr>
-          <p:cNvPr id="5" name="TextBox 4">
-            <a:extLst>
-              <a:ext uri="{FF2B5EF4-FFF2-40B4-BE49-F238E27FC236}">
-                <a16:creationId xmlns:a16="http://schemas.microsoft.com/office/drawing/2014/main" id="{592D5405-D1F7-E89F-A261-6735B0804778}"/>
-              </a:ext>
-            </a:extLst>
-          </p:cNvPr>
-          <p:cNvSpPr txBox="1"/>
-          <p:nvPr/>
-        </p:nvSpPr>
-        <p:spPr>
-          <a:xfrm>
-            <a:off x="6096000" y="1463040"/>
-            <a:ext cx="5788083" cy="3970318"/>
-          </a:xfrm>
-          <a:prstGeom prst="rect">
-            <a:avLst/>
-          </a:prstGeom>
-          <a:noFill/>
-        </p:spPr>
-        <p:txBody>
-          <a:bodyPr wrap="square" rtlCol="0">
-            <a:spAutoFit/>
+          <a:xfrm>
+            <a:off x="1322318" y="917287"/>
+            <a:ext cx="8377844" cy="5940713"/>
+          </a:xfrm>
+        </p:spPr>
+        <p:txBody>
+          <a:bodyPr>
+            <a:normAutofit/>
           </a:bodyPr>
           <a:lstStyle/>
           <a:p>
-            <a:r>
-              <a:rPr lang="en-GB" b="0" i="0" dirty="0">
-                <a:solidFill>
-                  <a:srgbClr val="E3E3E3"/>
-                </a:solidFill>
-                <a:effectLst/>
-              </a:rPr>
-              <a:t> 1.How has '</a:t>
-            </a:r>
-            <a:r>
-              <a:rPr lang="en-GB" b="0" i="0" dirty="0" err="1">
-                <a:solidFill>
-                  <a:srgbClr val="E3E3E3"/>
-                </a:solidFill>
-                <a:effectLst/>
-              </a:rPr>
-              <a:t>Global_active_power</a:t>
-            </a:r>
-            <a:r>
-              <a:rPr lang="en-GB" b="0" i="0" dirty="0">
-                <a:solidFill>
-                  <a:srgbClr val="E3E3E3"/>
-                </a:solidFill>
-                <a:effectLst/>
-              </a:rPr>
-              <a:t>' changed or trended over time?</a:t>
-            </a:r>
-          </a:p>
-          <a:p>
-            <a:endParaRPr lang="en-GB" b="0" i="0" dirty="0">
-              <a:solidFill>
-                <a:srgbClr val="E3E3E3"/>
-              </a:solidFill>
-              <a:effectLst/>
-            </a:endParaRPr>
-          </a:p>
-          <a:p>
-            <a:r>
-              <a:rPr lang="en-GB" dirty="0">
-                <a:solidFill>
-                  <a:srgbClr val="E3E3E3"/>
-                </a:solidFill>
-              </a:rPr>
-              <a:t>2.</a:t>
-            </a:r>
-            <a:r>
-              <a:rPr lang="en-GB" b="0" i="0" dirty="0">
-                <a:solidFill>
-                  <a:srgbClr val="E3E3E3"/>
-                </a:solidFill>
-                <a:effectLst/>
-              </a:rPr>
-              <a:t> What is the nature of the relationship between '</a:t>
-            </a:r>
-            <a:r>
-              <a:rPr lang="en-GB" b="0" i="0" dirty="0" err="1">
-                <a:solidFill>
-                  <a:srgbClr val="E3E3E3"/>
-                </a:solidFill>
-                <a:effectLst/>
-              </a:rPr>
-              <a:t>Global_active_power</a:t>
-            </a:r>
-            <a:r>
-              <a:rPr lang="en-GB" b="0" i="0" dirty="0">
-                <a:solidFill>
-                  <a:srgbClr val="E3E3E3"/>
-                </a:solidFill>
-                <a:effectLst/>
-              </a:rPr>
-              <a:t>' and 'Voltage’?</a:t>
-            </a:r>
-          </a:p>
-          <a:p>
-            <a:endParaRPr lang="en-GB" dirty="0">
-              <a:solidFill>
-                <a:srgbClr val="E3E3E3"/>
-              </a:solidFill>
-            </a:endParaRPr>
-          </a:p>
-          <a:p>
-            <a:r>
-              <a:rPr lang="en-GB" dirty="0">
-                <a:solidFill>
-                  <a:srgbClr val="E3E3E3"/>
-                </a:solidFill>
-              </a:rPr>
-              <a:t>3.</a:t>
-            </a:r>
-            <a:r>
-              <a:rPr lang="en-GB" b="0" i="0" dirty="0">
-                <a:solidFill>
-                  <a:srgbClr val="E3E3E3"/>
-                </a:solidFill>
-                <a:effectLst/>
-              </a:rPr>
-              <a:t> How does '</a:t>
-            </a:r>
-            <a:r>
-              <a:rPr lang="en-GB" b="0" i="0" dirty="0" err="1">
-                <a:solidFill>
-                  <a:srgbClr val="E3E3E3"/>
-                </a:solidFill>
-                <a:effectLst/>
-              </a:rPr>
-              <a:t>Global_intensity</a:t>
-            </a:r>
-            <a:r>
-              <a:rPr lang="en-GB" b="0" i="0" dirty="0">
-                <a:solidFill>
-                  <a:srgbClr val="E3E3E3"/>
-                </a:solidFill>
-                <a:effectLst/>
-              </a:rPr>
-              <a:t>' fluctuate across different hours of the day?</a:t>
-            </a:r>
-          </a:p>
-          <a:p>
-            <a:endParaRPr lang="en-GB" dirty="0">
-              <a:solidFill>
-                <a:srgbClr val="E3E3E3"/>
-              </a:solidFill>
-            </a:endParaRPr>
-          </a:p>
-          <a:p>
-            <a:r>
-              <a:rPr lang="en-GB" b="0" i="0" dirty="0">
-                <a:solidFill>
-                  <a:srgbClr val="E3E3E3"/>
-                </a:solidFill>
-                <a:effectLst/>
-              </a:rPr>
-              <a:t>4.What is the average '</a:t>
-            </a:r>
-            <a:r>
-              <a:rPr lang="en-GB" b="0" i="0" dirty="0" err="1">
-                <a:solidFill>
-                  <a:srgbClr val="E3E3E3"/>
-                </a:solidFill>
-                <a:effectLst/>
-              </a:rPr>
-              <a:t>Sub_metering</a:t>
-            </a:r>
-            <a:r>
-              <a:rPr lang="en-GB" b="0" i="0" dirty="0">
-                <a:solidFill>
-                  <a:srgbClr val="E3E3E3"/>
-                </a:solidFill>
-                <a:effectLst/>
-              </a:rPr>
-              <a:t>' value on a daily basis?</a:t>
-            </a:r>
-          </a:p>
-          <a:p>
-            <a:endParaRPr lang="en-GB" dirty="0">
-              <a:solidFill>
-                <a:srgbClr val="E3E3E3"/>
-              </a:solidFill>
-            </a:endParaRPr>
-          </a:p>
-          <a:p>
-            <a:r>
-              <a:rPr lang="en-GB" dirty="0">
-                <a:solidFill>
-                  <a:srgbClr val="E3E3E3"/>
-                </a:solidFill>
-              </a:rPr>
-              <a:t>5.</a:t>
-            </a:r>
-            <a:r>
-              <a:rPr lang="en-GB" b="0" i="0" dirty="0">
-                <a:solidFill>
-                  <a:srgbClr val="E3E3E3"/>
-                </a:solidFill>
-                <a:effectLst/>
-              </a:rPr>
-              <a:t> How does '</a:t>
-            </a:r>
-            <a:r>
-              <a:rPr lang="en-GB" b="0" i="0" dirty="0" err="1">
-                <a:solidFill>
-                  <a:srgbClr val="E3E3E3"/>
-                </a:solidFill>
-                <a:effectLst/>
-              </a:rPr>
-              <a:t>Global_reactive_power</a:t>
-            </a:r>
-            <a:r>
-              <a:rPr lang="en-GB" b="0" i="0" dirty="0">
-                <a:solidFill>
-                  <a:srgbClr val="E3E3E3"/>
-                </a:solidFill>
-                <a:effectLst/>
-              </a:rPr>
-              <a:t>' differ on holidays compared to regular days?</a:t>
-            </a:r>
+            <a:pPr lvl="1"/>
+            <a:r>
+              <a:rPr lang="en-GB" dirty="0"/>
+              <a:t>Loaded </a:t>
+            </a:r>
+            <a:r>
+              <a:rPr lang="en-GB" i="1" dirty="0"/>
+              <a:t>Household Power Consumption Data</a:t>
+            </a:r>
+            <a:r>
+              <a:rPr lang="en-GB" dirty="0"/>
+              <a:t>.</a:t>
+            </a:r>
+          </a:p>
+          <a:p>
+            <a:pPr lvl="1"/>
+            <a:r>
+              <a:rPr lang="en-GB" b="1" dirty="0"/>
+              <a:t>Date</a:t>
+            </a:r>
+            <a:r>
+              <a:rPr lang="en-GB" dirty="0"/>
+              <a:t> and </a:t>
+            </a:r>
+            <a:r>
+              <a:rPr lang="en-GB" b="1" dirty="0"/>
+              <a:t>Time</a:t>
+            </a:r>
+            <a:r>
+              <a:rPr lang="en-GB" dirty="0"/>
+              <a:t>: Useful for time-series analysis, trend identification, and temporal aggregations (e.g., daily, weekly consumption).</a:t>
+            </a:r>
+          </a:p>
+          <a:p>
+            <a:pPr lvl="1"/>
+            <a:r>
+              <a:rPr lang="en-GB" b="1" dirty="0"/>
+              <a:t>Global Active Power</a:t>
+            </a:r>
+            <a:r>
+              <a:rPr lang="en-GB" dirty="0"/>
+              <a:t>: A primary feature for assessing energy consumption. Trends in this feature can help identify peak usage times or inefficiencies.</a:t>
+            </a:r>
+          </a:p>
+          <a:p>
+            <a:pPr lvl="1"/>
+            <a:r>
+              <a:rPr lang="en-GB" b="1" dirty="0"/>
+              <a:t>Global Reactive Power</a:t>
+            </a:r>
+            <a:r>
+              <a:rPr lang="en-GB" dirty="0"/>
+              <a:t>: Though not directly contributing to active energy consumption, it is crucial for understanding power quality and the household's impact on the grid.</a:t>
+            </a:r>
+          </a:p>
+          <a:p>
+            <a:pPr lvl="1"/>
+            <a:r>
+              <a:rPr lang="en-GB" b="1" dirty="0"/>
+              <a:t>Voltage</a:t>
+            </a:r>
+            <a:r>
+              <a:rPr lang="en-GB" dirty="0"/>
+              <a:t>: Can help identify potential issues like under-voltage or over-voltage scenarios that might damage appliances or reduce efficiency.</a:t>
+            </a:r>
+          </a:p>
+          <a:p>
+            <a:pPr lvl="1"/>
+            <a:r>
+              <a:rPr lang="en-GB" b="1" dirty="0"/>
+              <a:t>Global Intensity</a:t>
+            </a:r>
+            <a:r>
+              <a:rPr lang="en-GB" dirty="0"/>
+              <a:t>: Complements voltage and power features, offering insights into how current consumption correlates with the active and reactive power.</a:t>
+            </a:r>
+          </a:p>
+          <a:p>
+            <a:pPr lvl="1"/>
+            <a:r>
+              <a:rPr lang="en-GB" b="1" dirty="0"/>
+              <a:t>Sub-Metering 1, 2, 3</a:t>
+            </a:r>
+            <a:r>
+              <a:rPr lang="en-GB" dirty="0"/>
+              <a:t>: These granular features enable pinpointing energy use within specific household zones or systems. Useful for targeted energy-saving strategies.</a:t>
+            </a:r>
+          </a:p>
+          <a:p>
+            <a:pPr lvl="1"/>
             <a:endParaRPr lang="en-GB" dirty="0"/>
+          </a:p>
+          <a:p>
+            <a:pPr lvl="1"/>
+            <a:endParaRPr lang="en-GB" dirty="0"/>
+          </a:p>
+          <a:p>
+            <a:pPr marL="0" lvl="1" indent="0">
+              <a:buNone/>
+            </a:pPr>
+            <a:endParaRPr lang="en-GB" dirty="0"/>
+          </a:p>
+          <a:p>
+            <a:pPr lvl="1"/>
+            <a:endParaRPr lang="en-GB" dirty="0"/>
+          </a:p>
+        </p:txBody>
+      </p:sp>
+      <p:sp>
+        <p:nvSpPr>
+          <p:cNvPr id="14" name="Slide Number Placeholder 5">
+            <a:extLst>
+              <a:ext uri="{FF2B5EF4-FFF2-40B4-BE49-F238E27FC236}">
+                <a16:creationId xmlns:a16="http://schemas.microsoft.com/office/drawing/2014/main" id="{ECE635A2-70B8-3EAB-6A18-952B02EBAA1E}"/>
+              </a:ext>
+            </a:extLst>
+          </p:cNvPr>
+          <p:cNvSpPr>
+            <a:spLocks noGrp="1"/>
+          </p:cNvSpPr>
+          <p:nvPr>
+            <p:ph type="sldNum" sz="quarter" idx="12"/>
+          </p:nvPr>
+        </p:nvSpPr>
+        <p:spPr>
+          <a:xfrm>
+            <a:off x="10373350" y="6356349"/>
+            <a:ext cx="987552" cy="365125"/>
+          </a:xfrm>
+        </p:spPr>
+        <p:txBody>
+          <a:bodyPr/>
+          <a:lstStyle/>
+          <a:p>
+            <a:fld id="{A49DFD55-3C28-40EF-9E31-A92D2E4017FF}" type="slidenum">
+              <a:rPr lang="en-US" smtClean="0"/>
+              <a:pPr/>
+              <a:t>6</a:t>
+            </a:fld>
+            <a:endParaRPr lang="en-US" dirty="0"/>
           </a:p>
         </p:txBody>
       </p:sp>
     </p:spTree>
     <p:extLst>
       <p:ext uri="{BB962C8B-B14F-4D97-AF65-F5344CB8AC3E}">
-        <p14:creationId xmlns:p14="http://schemas.microsoft.com/office/powerpoint/2010/main" val="2241459136"/>
+        <p14:creationId xmlns:p14="http://schemas.microsoft.com/office/powerpoint/2010/main" val="3571516367"/>
       </p:ext>
     </p:extLst>
   </p:cSld>
@@ -12513,6 +12409,255 @@
 </file>
 
 <file path=ppt/slides/slide7.xml><?xml version="1.0" encoding="utf-8"?>
+<p:sld xmlns:a="http://schemas.openxmlformats.org/drawingml/2006/main" xmlns:r="http://schemas.openxmlformats.org/officeDocument/2006/relationships" xmlns:p="http://schemas.openxmlformats.org/presentationml/2006/main">
+  <p:cSld>
+    <p:spTree>
+      <p:nvGrpSpPr>
+        <p:cNvPr id="1" name="">
+          <a:extLst>
+            <a:ext uri="{FF2B5EF4-FFF2-40B4-BE49-F238E27FC236}">
+              <a16:creationId xmlns:a16="http://schemas.microsoft.com/office/drawing/2014/main" id="{61D8006D-893F-2B80-AC3E-14CA3CC1042D}"/>
+            </a:ext>
+          </a:extLst>
+        </p:cNvPr>
+        <p:cNvGrpSpPr/>
+        <p:nvPr/>
+      </p:nvGrpSpPr>
+      <p:grpSpPr>
+        <a:xfrm>
+          <a:off x="0" y="0"/>
+          <a:ext cx="0" cy="0"/>
+          <a:chOff x="0" y="0"/>
+          <a:chExt cx="0" cy="0"/>
+        </a:xfrm>
+      </p:grpSpPr>
+      <p:sp>
+        <p:nvSpPr>
+          <p:cNvPr id="2" name="Title 1">
+            <a:extLst>
+              <a:ext uri="{FF2B5EF4-FFF2-40B4-BE49-F238E27FC236}">
+                <a16:creationId xmlns:a16="http://schemas.microsoft.com/office/drawing/2014/main" id="{C5AAD529-73E7-541F-E126-F0A663425A4F}"/>
+              </a:ext>
+            </a:extLst>
+          </p:cNvPr>
+          <p:cNvSpPr>
+            <a:spLocks noGrp="1"/>
+          </p:cNvSpPr>
+          <p:nvPr>
+            <p:ph type="title"/>
+          </p:nvPr>
+        </p:nvSpPr>
+        <p:spPr>
+          <a:xfrm>
+            <a:off x="1322318" y="-1309971"/>
+            <a:ext cx="7288282" cy="2121177"/>
+          </a:xfrm>
+        </p:spPr>
+        <p:txBody>
+          <a:bodyPr/>
+          <a:lstStyle/>
+          <a:p>
+            <a:r>
+              <a:rPr lang="en-US" dirty="0"/>
+              <a:t>Data Cleaning</a:t>
+            </a:r>
+          </a:p>
+        </p:txBody>
+      </p:sp>
+      <p:sp>
+        <p:nvSpPr>
+          <p:cNvPr id="3" name="Text Placeholder 2">
+            <a:extLst>
+              <a:ext uri="{FF2B5EF4-FFF2-40B4-BE49-F238E27FC236}">
+                <a16:creationId xmlns:a16="http://schemas.microsoft.com/office/drawing/2014/main" id="{697EB82F-FCFD-EE52-F820-F1CC27BB047D}"/>
+              </a:ext>
+            </a:extLst>
+          </p:cNvPr>
+          <p:cNvSpPr>
+            <a:spLocks noGrp="1"/>
+          </p:cNvSpPr>
+          <p:nvPr>
+            <p:ph sz="half" idx="2"/>
+          </p:nvPr>
+        </p:nvSpPr>
+        <p:spPr>
+          <a:xfrm>
+            <a:off x="1322318" y="917287"/>
+            <a:ext cx="8377844" cy="5940713"/>
+          </a:xfrm>
+        </p:spPr>
+        <p:txBody>
+          <a:bodyPr>
+            <a:normAutofit/>
+          </a:bodyPr>
+          <a:lstStyle/>
+          <a:p>
+            <a:pPr marL="0" indent="0">
+              <a:buNone/>
+            </a:pPr>
+            <a:r>
+              <a:rPr lang="en-US" dirty="0"/>
+              <a:t>Handled missing values: </a:t>
+            </a:r>
+          </a:p>
+          <a:p>
+            <a:pPr marL="0" indent="0">
+              <a:buNone/>
+            </a:pPr>
+            <a:r>
+              <a:rPr lang="en-US" b="0" dirty="0"/>
+              <a:t>          </a:t>
+            </a:r>
+          </a:p>
+          <a:p>
+            <a:pPr marL="0" indent="0">
+              <a:buNone/>
+            </a:pPr>
+            <a:r>
+              <a:rPr lang="en-US" b="0" dirty="0"/>
+              <a:t>The dataset consists of multiple columns, including both numerical and object</a:t>
+            </a:r>
+          </a:p>
+          <a:p>
+            <a:pPr lvl="1"/>
+            <a:r>
+              <a:rPr lang="en-US" dirty="0"/>
+              <a:t>To get accurate Null values , first we have to convert columns which are in string to </a:t>
+            </a:r>
+            <a:r>
+              <a:rPr lang="en-US" dirty="0" err="1"/>
+              <a:t>numericals</a:t>
+            </a:r>
+            <a:endParaRPr lang="en-US" dirty="0"/>
+          </a:p>
+          <a:p>
+            <a:pPr lvl="1"/>
+            <a:r>
+              <a:rPr lang="en-US" dirty="0"/>
+              <a:t>Columns that represent numerical values but stored as strings are converted using '</a:t>
+            </a:r>
+            <a:r>
+              <a:rPr lang="en-US" dirty="0" err="1"/>
+              <a:t>to_numeric</a:t>
+            </a:r>
+            <a:r>
+              <a:rPr lang="en-US" dirty="0"/>
+              <a:t>'</a:t>
+            </a:r>
+            <a:endParaRPr lang="en-IN" dirty="0"/>
+          </a:p>
+          <a:p>
+            <a:r>
+              <a:rPr lang="en-US" dirty="0"/>
+              <a:t>Feature </a:t>
+            </a:r>
+            <a:r>
+              <a:rPr lang="en-US" dirty="0" err="1"/>
+              <a:t>Engineering:Created</a:t>
+            </a:r>
+            <a:r>
+              <a:rPr lang="en-US" dirty="0"/>
+              <a:t> holiday and sunlight indicators.</a:t>
+            </a:r>
+          </a:p>
+          <a:p>
+            <a:pPr lvl="1"/>
+            <a:r>
+              <a:rPr lang="en-US" dirty="0"/>
+              <a:t>Convert the tuple to a date object</a:t>
+            </a:r>
+          </a:p>
+          <a:p>
+            <a:pPr lvl="1"/>
+            <a:r>
+              <a:rPr lang="en-US" dirty="0"/>
+              <a:t> Converting tuple (year, month, day) to date object</a:t>
+            </a:r>
+          </a:p>
+          <a:p>
+            <a:pPr lvl="1"/>
+            <a:r>
+              <a:rPr lang="en-US" dirty="0"/>
+              <a:t> Apply the function to the 'Date' column (which is in (year, month, day) format)</a:t>
+            </a:r>
+          </a:p>
+          <a:p>
+            <a:pPr lvl="1"/>
+            <a:r>
+              <a:rPr lang="en-US" dirty="0"/>
+              <a:t>Assuming 'time' is a tuple (hour, minute)</a:t>
+            </a:r>
+          </a:p>
+          <a:p>
+            <a:pPr lvl="1"/>
+            <a:r>
+              <a:rPr lang="en-US" dirty="0"/>
+              <a:t> Sunlight is present between 06:00 and 18:00</a:t>
+            </a:r>
+          </a:p>
+          <a:p>
+            <a:pPr lvl="1"/>
+            <a:r>
+              <a:rPr lang="en-US" dirty="0"/>
+              <a:t> Apply the function to the 'Time' column and create 'Sunlight' column</a:t>
+            </a:r>
+            <a:endParaRPr lang="en-IN" dirty="0"/>
+          </a:p>
+          <a:p>
+            <a:pPr lvl="1"/>
+            <a:endParaRPr lang="en-GB" dirty="0"/>
+          </a:p>
+        </p:txBody>
+      </p:sp>
+      <p:sp>
+        <p:nvSpPr>
+          <p:cNvPr id="14" name="Slide Number Placeholder 5">
+            <a:extLst>
+              <a:ext uri="{FF2B5EF4-FFF2-40B4-BE49-F238E27FC236}">
+                <a16:creationId xmlns:a16="http://schemas.microsoft.com/office/drawing/2014/main" id="{085ACF75-9249-F2F9-7854-BF9C67B78A01}"/>
+              </a:ext>
+            </a:extLst>
+          </p:cNvPr>
+          <p:cNvSpPr>
+            <a:spLocks noGrp="1"/>
+          </p:cNvSpPr>
+          <p:nvPr>
+            <p:ph type="sldNum" sz="quarter" idx="12"/>
+          </p:nvPr>
+        </p:nvSpPr>
+        <p:spPr>
+          <a:xfrm>
+            <a:off x="10373350" y="6356349"/>
+            <a:ext cx="987552" cy="365125"/>
+          </a:xfrm>
+        </p:spPr>
+        <p:txBody>
+          <a:bodyPr/>
+          <a:lstStyle/>
+          <a:p>
+            <a:fld id="{A49DFD55-3C28-40EF-9E31-A92D2E4017FF}" type="slidenum">
+              <a:rPr lang="en-US" smtClean="0"/>
+              <a:pPr/>
+              <a:t>7</a:t>
+            </a:fld>
+            <a:endParaRPr lang="en-US" dirty="0"/>
+          </a:p>
+        </p:txBody>
+      </p:sp>
+    </p:spTree>
+    <p:extLst>
+      <p:ext uri="{BB962C8B-B14F-4D97-AF65-F5344CB8AC3E}">
+        <p14:creationId xmlns:p14="http://schemas.microsoft.com/office/powerpoint/2010/main" val="3649470079"/>
+      </p:ext>
+    </p:extLst>
+  </p:cSld>
+  <p:clrMapOvr>
+    <a:masterClrMapping/>
+  </p:clrMapOvr>
+</p:sld>
+</file>
+
+<file path=ppt/slides/slide8.xml><?xml version="1.0" encoding="utf-8"?>
 <p:sld xmlns:a="http://schemas.openxmlformats.org/drawingml/2006/main" xmlns:r="http://schemas.openxmlformats.org/officeDocument/2006/relationships" xmlns:p="http://schemas.openxmlformats.org/presentationml/2006/main">
   <p:cSld>
     <p:spTree>
@@ -12534,26 +12679,124 @@
           <p:cNvPr id="2" name="Title 1">
             <a:extLst>
               <a:ext uri="{FF2B5EF4-FFF2-40B4-BE49-F238E27FC236}">
-                <a16:creationId xmlns:a16="http://schemas.microsoft.com/office/drawing/2014/main" id="{D12171B8-2AA7-7BFB-A232-EDB460DC4223}"/>
-              </a:ext>
-            </a:extLst>
-          </p:cNvPr>
-          <p:cNvSpPr>
-            <a:spLocks noGrp="1"/>
-          </p:cNvSpPr>
-          <p:nvPr>
-            <p:ph type="title"/>
+                <a16:creationId xmlns:a16="http://schemas.microsoft.com/office/drawing/2014/main" id="{818AFA5E-469B-2BFC-9D4E-BD1EC6E48CA0}"/>
+              </a:ext>
+            </a:extLst>
+          </p:cNvPr>
+          <p:cNvSpPr>
+            <a:spLocks noGrp="1"/>
+          </p:cNvSpPr>
+          <p:nvPr>
+            <p:ph type="ctrTitle"/>
           </p:nvPr>
         </p:nvSpPr>
         <p:spPr>
           <a:xfrm>
-            <a:off x="169717" y="251616"/>
-            <a:ext cx="6497089" cy="1325563"/>
-          </a:xfrm>
-        </p:spPr>
-        <p:txBody>
-          <a:bodyPr>
-            <a:normAutofit fontScale="90000"/>
+            <a:off x="307917" y="571407"/>
+            <a:ext cx="4179570" cy="3376691"/>
+          </a:xfrm>
+        </p:spPr>
+        <p:txBody>
+          <a:bodyPr/>
+          <a:lstStyle/>
+          <a:p>
+            <a:r>
+              <a:rPr lang="en-GB" dirty="0"/>
+              <a:t>Data Visualization</a:t>
+            </a:r>
+            <a:endParaRPr lang="en-US" dirty="0"/>
+          </a:p>
+        </p:txBody>
+      </p:sp>
+      <p:cxnSp>
+        <p:nvCxnSpPr>
+          <p:cNvPr id="21" name="Straight Connector 20">
+            <a:extLst>
+              <a:ext uri="{FF2B5EF4-FFF2-40B4-BE49-F238E27FC236}">
+                <a16:creationId xmlns:a16="http://schemas.microsoft.com/office/drawing/2014/main" id="{944268F6-A361-9907-F87F-9C4377ECAE6D}"/>
+              </a:ext>
+              <a:ext uri="{C183D7F6-B498-43B3-948B-1728B52AA6E4}">
+                <adec:decorative xmlns:adec="http://schemas.microsoft.com/office/drawing/2017/decorative" val="1"/>
+              </a:ext>
+            </a:extLst>
+          </p:cNvPr>
+          <p:cNvCxnSpPr>
+            <a:cxnSpLocks/>
+          </p:cNvCxnSpPr>
+          <p:nvPr/>
+        </p:nvCxnSpPr>
+        <p:spPr>
+          <a:xfrm flipH="1" flipV="1">
+            <a:off x="0" y="254643"/>
+            <a:ext cx="6096000" cy="855762"/>
+          </a:xfrm>
+          <a:prstGeom prst="line">
+            <a:avLst/>
+          </a:prstGeom>
+          <a:ln>
+            <a:solidFill>
+              <a:schemeClr val="bg1"/>
+            </a:solidFill>
+          </a:ln>
+        </p:spPr>
+        <p:style>
+          <a:lnRef idx="1">
+            <a:schemeClr val="accent1"/>
+          </a:lnRef>
+          <a:fillRef idx="0">
+            <a:schemeClr val="accent1"/>
+          </a:fillRef>
+          <a:effectRef idx="0">
+            <a:schemeClr val="accent1"/>
+          </a:effectRef>
+          <a:fontRef idx="minor">
+            <a:schemeClr val="tx1"/>
+          </a:fontRef>
+        </p:style>
+      </p:cxnSp>
+      <p:sp>
+        <p:nvSpPr>
+          <p:cNvPr id="4" name="Picture Placeholder 3">
+            <a:extLst>
+              <a:ext uri="{FF2B5EF4-FFF2-40B4-BE49-F238E27FC236}">
+                <a16:creationId xmlns:a16="http://schemas.microsoft.com/office/drawing/2014/main" id="{C2F48413-2E14-506D-D864-10806F3D1EE2}"/>
+              </a:ext>
+            </a:extLst>
+          </p:cNvPr>
+          <p:cNvSpPr>
+            <a:spLocks noGrp="1"/>
+          </p:cNvSpPr>
+          <p:nvPr>
+            <p:ph type="pic" sz="quarter" idx="10"/>
+          </p:nvPr>
+        </p:nvSpPr>
+        <p:spPr/>
+      </p:sp>
+      <p:sp>
+        <p:nvSpPr>
+          <p:cNvPr id="5" name="TextBox 4">
+            <a:extLst>
+              <a:ext uri="{FF2B5EF4-FFF2-40B4-BE49-F238E27FC236}">
+                <a16:creationId xmlns:a16="http://schemas.microsoft.com/office/drawing/2014/main" id="{592D5405-D1F7-E89F-A261-6735B0804778}"/>
+              </a:ext>
+            </a:extLst>
+          </p:cNvPr>
+          <p:cNvSpPr txBox="1"/>
+          <p:nvPr/>
+        </p:nvSpPr>
+        <p:spPr>
+          <a:xfrm>
+            <a:off x="6096000" y="1463040"/>
+            <a:ext cx="5788083" cy="3970318"/>
+          </a:xfrm>
+          <a:prstGeom prst="rect">
+            <a:avLst/>
+          </a:prstGeom>
+          <a:noFill/>
+        </p:spPr>
+        <p:txBody>
+          <a:bodyPr wrap="square" rtlCol="0">
+            <a:spAutoFit/>
           </a:bodyPr>
           <a:lstStyle/>
           <a:p>
@@ -12584,153 +12827,42 @@
               </a:rPr>
               <a:t>' changed or trended over time?</a:t>
             </a:r>
-            <a:br>
+          </a:p>
+          <a:p>
+            <a:endParaRPr lang="en-GB" b="0" i="0" dirty="0">
+              <a:solidFill>
+                <a:srgbClr val="E3E3E3"/>
+              </a:solidFill>
+              <a:effectLst/>
+            </a:endParaRPr>
+          </a:p>
+          <a:p>
+            <a:r>
+              <a:rPr lang="en-GB" dirty="0">
+                <a:solidFill>
+                  <a:srgbClr val="E3E3E3"/>
+                </a:solidFill>
+              </a:rPr>
+              <a:t>2.</a:t>
+            </a:r>
+            <a:r>
               <a:rPr lang="en-GB" b="0" i="0" dirty="0">
                 <a:solidFill>
                   <a:srgbClr val="E3E3E3"/>
                 </a:solidFill>
                 <a:effectLst/>
               </a:rPr>
-            </a:br>
-            <a:endParaRPr lang="en-GB" dirty="0"/>
-          </a:p>
-        </p:txBody>
-      </p:sp>
-      <p:sp>
-        <p:nvSpPr>
-          <p:cNvPr id="3" name="Content Placeholder 2">
-            <a:extLst>
-              <a:ext uri="{FF2B5EF4-FFF2-40B4-BE49-F238E27FC236}">
-                <a16:creationId xmlns:a16="http://schemas.microsoft.com/office/drawing/2014/main" id="{9D6C2C86-A193-60C2-8ACA-5747F8BC91D8}"/>
-              </a:ext>
-            </a:extLst>
-          </p:cNvPr>
-          <p:cNvSpPr>
-            <a:spLocks noGrp="1"/>
-          </p:cNvSpPr>
-          <p:nvPr>
-            <p:ph idx="1"/>
-          </p:nvPr>
-        </p:nvSpPr>
-        <p:spPr/>
-        <p:txBody>
-          <a:bodyPr/>
-          <a:lstStyle/>
-          <a:p>
-            <a:endParaRPr lang="en-GB" dirty="0"/>
-          </a:p>
-        </p:txBody>
-      </p:sp>
-      <p:sp>
-        <p:nvSpPr>
-          <p:cNvPr id="4" name="Slide Number Placeholder 3">
-            <a:extLst>
-              <a:ext uri="{FF2B5EF4-FFF2-40B4-BE49-F238E27FC236}">
-                <a16:creationId xmlns:a16="http://schemas.microsoft.com/office/drawing/2014/main" id="{36E15767-6489-0A2A-12CA-732C74967583}"/>
-              </a:ext>
-            </a:extLst>
-          </p:cNvPr>
-          <p:cNvSpPr>
-            <a:spLocks noGrp="1"/>
-          </p:cNvSpPr>
-          <p:nvPr>
-            <p:ph type="sldNum" sz="quarter" idx="12"/>
-          </p:nvPr>
-        </p:nvSpPr>
-        <p:spPr/>
-        <p:txBody>
-          <a:bodyPr/>
-          <a:lstStyle/>
-          <a:p>
-            <a:fld id="{A49DFD55-3C28-40EF-9E31-A92D2E4017FF}" type="slidenum">
-              <a:rPr lang="en-US" smtClean="0"/>
-              <a:pPr/>
-              <a:t>7</a:t>
-            </a:fld>
-            <a:endParaRPr lang="en-US" dirty="0"/>
-          </a:p>
-        </p:txBody>
-      </p:sp>
-      <p:pic>
-        <p:nvPicPr>
-          <p:cNvPr id="2050" name="Picture 2">
-            <a:extLst>
-              <a:ext uri="{FF2B5EF4-FFF2-40B4-BE49-F238E27FC236}">
-                <a16:creationId xmlns:a16="http://schemas.microsoft.com/office/drawing/2014/main" id="{9568C66A-4AC1-F046-2D27-21A77E84B123}"/>
-              </a:ext>
-            </a:extLst>
-          </p:cNvPr>
-          <p:cNvPicPr>
-            <a:picLocks noChangeAspect="1" noChangeArrowheads="1"/>
-          </p:cNvPicPr>
-          <p:nvPr/>
-        </p:nvPicPr>
-        <p:blipFill>
-          <a:blip r:embed="rId2">
-            <a:extLst>
-              <a:ext uri="{28A0092B-C50C-407E-A947-70E740481C1C}">
-                <a14:useLocalDpi xmlns:a14="http://schemas.microsoft.com/office/drawing/2010/main" val="0"/>
-              </a:ext>
-            </a:extLst>
-          </a:blip>
-          <a:srcRect/>
-          <a:stretch>
-            <a:fillRect/>
-          </a:stretch>
-        </p:blipFill>
-        <p:spPr bwMode="auto">
-          <a:xfrm>
-            <a:off x="4798156" y="1878676"/>
-            <a:ext cx="7205509" cy="3822903"/>
-          </a:xfrm>
-          <a:prstGeom prst="rect">
-            <a:avLst/>
-          </a:prstGeom>
-          <a:noFill/>
-          <a:extLst>
-            <a:ext uri="{909E8E84-426E-40DD-AFC4-6F175D3DCCD1}">
-              <a14:hiddenFill xmlns:a14="http://schemas.microsoft.com/office/drawing/2010/main">
+              <a:t> What is the nature of the relationship between '</a:t>
+            </a:r>
+            <a:r>
+              <a:rPr lang="en-GB" b="0" i="0" dirty="0" err="1">
                 <a:solidFill>
-                  <a:srgbClr val="FFFFFF"/>
+                  <a:srgbClr val="E3E3E3"/>
                 </a:solidFill>
-              </a14:hiddenFill>
-            </a:ext>
-          </a:extLst>
-        </p:spPr>
-      </p:pic>
-      <p:sp>
-        <p:nvSpPr>
-          <p:cNvPr id="5" name="TextBox 4">
-            <a:extLst>
-              <a:ext uri="{FF2B5EF4-FFF2-40B4-BE49-F238E27FC236}">
-                <a16:creationId xmlns:a16="http://schemas.microsoft.com/office/drawing/2014/main" id="{49711C8D-0C2E-D4A8-7E76-C852A1E429F2}"/>
-              </a:ext>
-            </a:extLst>
-          </p:cNvPr>
-          <p:cNvSpPr txBox="1"/>
-          <p:nvPr/>
-        </p:nvSpPr>
-        <p:spPr>
-          <a:xfrm>
-            <a:off x="365760" y="1778924"/>
-            <a:ext cx="4056611" cy="3821559"/>
-          </a:xfrm>
-          <a:prstGeom prst="rect">
-            <a:avLst/>
-          </a:prstGeom>
-          <a:noFill/>
-        </p:spPr>
-        <p:txBody>
-          <a:bodyPr wrap="square" rtlCol="0">
-            <a:spAutoFit/>
-          </a:bodyPr>
-          <a:lstStyle/>
-          <a:p>
-            <a:pPr algn="l">
-              <a:spcAft>
-                <a:spcPts val="450"/>
-              </a:spcAft>
-            </a:pPr>
+                <a:effectLst/>
+              </a:rPr>
+              <a:t>Global_active_power</a:t>
+            </a:r>
             <a:r>
               <a:rPr lang="en-GB" b="0" i="0" dirty="0">
                 <a:solidFill>
@@ -12738,15 +12870,25 @@
                 </a:solidFill>
                 <a:effectLst/>
               </a:rPr>
-              <a:t>1.Values above 2 kilowatts are less frequent, and values above 6 kilowatts are very rare. This could imply that high power consumption is either uncommon or occurs only under specific conditions.</a:t>
-            </a:r>
-          </a:p>
-          <a:p>
-            <a:pPr algn="l">
-              <a:spcAft>
-                <a:spcPts val="450"/>
-              </a:spcAft>
-            </a:pPr>
+              <a:t>' and 'Voltage’?</a:t>
+            </a:r>
+          </a:p>
+          <a:p>
+            <a:endParaRPr lang="en-GB" dirty="0">
+              <a:solidFill>
+                <a:srgbClr val="E3E3E3"/>
+              </a:solidFill>
+            </a:endParaRPr>
+          </a:p>
+          <a:p>
+            <a:r>
+              <a:rPr lang="en-GB" dirty="0">
+                <a:solidFill>
+                  <a:srgbClr val="E3E3E3"/>
+                </a:solidFill>
+              </a:rPr>
+              <a:t>3.</a:t>
+            </a:r>
             <a:r>
               <a:rPr lang="en-GB" b="0" i="0" dirty="0">
                 <a:solidFill>
@@ -12754,230 +12896,17 @@
                 </a:solidFill>
                 <a:effectLst/>
               </a:rPr>
-              <a:t>2.There is a significant peak around 0.2–0.4 kilowatts, indicating that the most frequent usage level falls within this range. This suggests that low levels of active power are common in this dataset</a:t>
-            </a:r>
-          </a:p>
-          <a:p>
-            <a:endParaRPr lang="en-GB" dirty="0"/>
-          </a:p>
-        </p:txBody>
-      </p:sp>
-    </p:spTree>
-    <p:extLst>
-      <p:ext uri="{BB962C8B-B14F-4D97-AF65-F5344CB8AC3E}">
-        <p14:creationId xmlns:p14="http://schemas.microsoft.com/office/powerpoint/2010/main" val="2929011595"/>
-      </p:ext>
-    </p:extLst>
-  </p:cSld>
-  <p:clrMapOvr>
-    <a:masterClrMapping/>
-  </p:clrMapOvr>
-</p:sld>
-</file>
-
-<file path=ppt/slides/slide8.xml><?xml version="1.0" encoding="utf-8"?>
-<p:sld xmlns:a="http://schemas.openxmlformats.org/drawingml/2006/main" xmlns:r="http://schemas.openxmlformats.org/officeDocument/2006/relationships" xmlns:p="http://schemas.openxmlformats.org/presentationml/2006/main">
-  <p:cSld>
-    <p:spTree>
-      <p:nvGrpSpPr>
-        <p:cNvPr id="1" name="">
-          <a:extLst>
-            <a:ext uri="{FF2B5EF4-FFF2-40B4-BE49-F238E27FC236}">
-              <a16:creationId xmlns:a16="http://schemas.microsoft.com/office/drawing/2014/main" id="{CB2F49C1-4E10-DF63-F6BA-AFE74092A6B7}"/>
-            </a:ext>
-          </a:extLst>
-        </p:cNvPr>
-        <p:cNvGrpSpPr/>
-        <p:nvPr/>
-      </p:nvGrpSpPr>
-      <p:grpSpPr>
-        <a:xfrm>
-          <a:off x="0" y="0"/>
-          <a:ext cx="0" cy="0"/>
-          <a:chOff x="0" y="0"/>
-          <a:chExt cx="0" cy="0"/>
-        </a:xfrm>
-      </p:grpSpPr>
-      <p:sp>
-        <p:nvSpPr>
-          <p:cNvPr id="2" name="Title 1">
-            <a:extLst>
-              <a:ext uri="{FF2B5EF4-FFF2-40B4-BE49-F238E27FC236}">
-                <a16:creationId xmlns:a16="http://schemas.microsoft.com/office/drawing/2014/main" id="{7AF65A99-E4F9-E323-A79C-9F489CB76F0C}"/>
-              </a:ext>
-            </a:extLst>
-          </p:cNvPr>
-          <p:cNvSpPr>
-            <a:spLocks noGrp="1"/>
-          </p:cNvSpPr>
-          <p:nvPr>
-            <p:ph type="title"/>
-          </p:nvPr>
-        </p:nvSpPr>
-        <p:spPr>
-          <a:xfrm>
-            <a:off x="0" y="594735"/>
-            <a:ext cx="6497089" cy="1325563"/>
-          </a:xfrm>
-        </p:spPr>
-        <p:txBody>
-          <a:bodyPr>
-            <a:noAutofit/>
-          </a:bodyPr>
-          <a:lstStyle/>
-          <a:p>
-            <a:r>
-              <a:rPr lang="en-GB" sz="2000" b="0" i="0" dirty="0">
+              <a:t> How does '</a:t>
+            </a:r>
+            <a:r>
+              <a:rPr lang="en-GB" b="0" i="0" dirty="0" err="1">
                 <a:solidFill>
                   <a:srgbClr val="E3E3E3"/>
                 </a:solidFill>
                 <a:effectLst/>
               </a:rPr>
-              <a:t> </a:t>
-            </a:r>
-            <a:r>
-              <a:rPr lang="en-GB" sz="2000" dirty="0">
-                <a:solidFill>
-                  <a:srgbClr val="E3E3E3"/>
-                </a:solidFill>
-              </a:rPr>
-              <a:t>2.</a:t>
-            </a:r>
-            <a:r>
-              <a:rPr lang="en-GB" sz="2000" b="0" i="0" dirty="0">
-                <a:solidFill>
-                  <a:srgbClr val="E3E3E3"/>
-                </a:solidFill>
-                <a:effectLst/>
-              </a:rPr>
-              <a:t> What is the nature of the relationship between '</a:t>
-            </a:r>
-            <a:r>
-              <a:rPr lang="en-GB" sz="2000" b="0" i="0" dirty="0" err="1">
-                <a:solidFill>
-                  <a:srgbClr val="E3E3E3"/>
-                </a:solidFill>
-                <a:effectLst/>
-              </a:rPr>
-              <a:t>Global_active_power</a:t>
-            </a:r>
-            <a:r>
-              <a:rPr lang="en-GB" sz="2000" b="0" i="0" dirty="0">
-                <a:solidFill>
-                  <a:srgbClr val="E3E3E3"/>
-                </a:solidFill>
-                <a:effectLst/>
-              </a:rPr>
-              <a:t>' and 'Voltage’?</a:t>
-            </a:r>
-            <a:br>
-              <a:rPr lang="en-GB" sz="2000" b="0" i="0" dirty="0">
-                <a:solidFill>
-                  <a:srgbClr val="E3E3E3"/>
-                </a:solidFill>
-                <a:effectLst/>
-              </a:rPr>
-            </a:br>
-            <a:br>
-              <a:rPr lang="en-GB" sz="2000" b="0" i="0" dirty="0">
-                <a:solidFill>
-                  <a:srgbClr val="E3E3E3"/>
-                </a:solidFill>
-                <a:effectLst/>
-              </a:rPr>
-            </a:br>
-            <a:endParaRPr lang="en-GB" sz="2000" dirty="0"/>
-          </a:p>
-        </p:txBody>
-      </p:sp>
-      <p:sp>
-        <p:nvSpPr>
-          <p:cNvPr id="3" name="Content Placeholder 2">
-            <a:extLst>
-              <a:ext uri="{FF2B5EF4-FFF2-40B4-BE49-F238E27FC236}">
-                <a16:creationId xmlns:a16="http://schemas.microsoft.com/office/drawing/2014/main" id="{47C86CC5-AE6E-F3D3-B048-A6C6046A7ABB}"/>
-              </a:ext>
-            </a:extLst>
-          </p:cNvPr>
-          <p:cNvSpPr>
-            <a:spLocks noGrp="1"/>
-          </p:cNvSpPr>
-          <p:nvPr>
-            <p:ph idx="1"/>
-          </p:nvPr>
-        </p:nvSpPr>
-        <p:spPr/>
-        <p:txBody>
-          <a:bodyPr/>
-          <a:lstStyle/>
-          <a:p>
-            <a:endParaRPr lang="en-GB" dirty="0"/>
-          </a:p>
-        </p:txBody>
-      </p:sp>
-      <p:sp>
-        <p:nvSpPr>
-          <p:cNvPr id="4" name="Slide Number Placeholder 3">
-            <a:extLst>
-              <a:ext uri="{FF2B5EF4-FFF2-40B4-BE49-F238E27FC236}">
-                <a16:creationId xmlns:a16="http://schemas.microsoft.com/office/drawing/2014/main" id="{31AE8CC0-B69B-977E-0EF1-B874B8425F31}"/>
-              </a:ext>
-            </a:extLst>
-          </p:cNvPr>
-          <p:cNvSpPr>
-            <a:spLocks noGrp="1"/>
-          </p:cNvSpPr>
-          <p:nvPr>
-            <p:ph type="sldNum" sz="quarter" idx="12"/>
-          </p:nvPr>
-        </p:nvSpPr>
-        <p:spPr/>
-        <p:txBody>
-          <a:bodyPr/>
-          <a:lstStyle/>
-          <a:p>
-            <a:fld id="{A49DFD55-3C28-40EF-9E31-A92D2E4017FF}" type="slidenum">
-              <a:rPr lang="en-US" smtClean="0"/>
-              <a:pPr/>
-              <a:t>8</a:t>
-            </a:fld>
-            <a:endParaRPr lang="en-US" dirty="0"/>
-          </a:p>
-        </p:txBody>
-      </p:sp>
-      <p:sp>
-        <p:nvSpPr>
-          <p:cNvPr id="5" name="TextBox 4">
-            <a:extLst>
-              <a:ext uri="{FF2B5EF4-FFF2-40B4-BE49-F238E27FC236}">
-                <a16:creationId xmlns:a16="http://schemas.microsoft.com/office/drawing/2014/main" id="{5A46F400-F20F-03B2-6564-4D6E113A821A}"/>
-              </a:ext>
-            </a:extLst>
-          </p:cNvPr>
-          <p:cNvSpPr txBox="1"/>
-          <p:nvPr/>
-        </p:nvSpPr>
-        <p:spPr>
-          <a:xfrm>
-            <a:off x="365760" y="1778924"/>
-            <a:ext cx="4056611" cy="4098558"/>
-          </a:xfrm>
-          <a:prstGeom prst="rect">
-            <a:avLst/>
-          </a:prstGeom>
-          <a:noFill/>
-        </p:spPr>
-        <p:txBody>
-          <a:bodyPr wrap="square" rtlCol="0">
-            <a:spAutoFit/>
-          </a:bodyPr>
-          <a:lstStyle/>
-          <a:p>
-            <a:pPr algn="l">
-              <a:spcAft>
-                <a:spcPts val="450"/>
-              </a:spcAft>
-            </a:pPr>
+              <a:t>Global_intensity</a:t>
+            </a:r>
             <a:r>
               <a:rPr lang="en-GB" b="0" i="0" dirty="0">
                 <a:solidFill>
@@ -12985,15 +12914,17 @@
                 </a:solidFill>
                 <a:effectLst/>
               </a:rPr>
-              <a:t>1.The voltage ranges from around 223.169 to 232.485 volts show the highest levels of average Global Active Power, with values above 2 kilowatts. This suggests that lower voltages are associated with higher power draw.</a:t>
-            </a:r>
-          </a:p>
-          <a:p>
-            <a:pPr algn="l">
-              <a:spcAft>
-                <a:spcPts val="450"/>
-              </a:spcAft>
-            </a:pPr>
+              <a:t>' fluctuate across different hours of the day?</a:t>
+            </a:r>
+          </a:p>
+          <a:p>
+            <a:endParaRPr lang="en-GB" dirty="0">
+              <a:solidFill>
+                <a:srgbClr val="E3E3E3"/>
+              </a:solidFill>
+            </a:endParaRPr>
+          </a:p>
+          <a:p>
             <a:r>
               <a:rPr lang="en-GB" b="0" i="0" dirty="0">
                 <a:solidFill>
@@ -13001,65 +12932,78 @@
                 </a:solidFill>
                 <a:effectLst/>
               </a:rPr>
-              <a:t>2.The chart reveals a general trend where the average Global Active Power decreases as the voltage range increases. In lower voltage ranges the average Global Active Power is higher, while in higher voltage ranges the average power consumption is lower.</a:t>
-            </a:r>
-          </a:p>
-          <a:p>
+              <a:t>4.What is the average '</a:t>
+            </a:r>
+            <a:r>
+              <a:rPr lang="en-GB" b="0" i="0" dirty="0" err="1">
+                <a:solidFill>
+                  <a:srgbClr val="E3E3E3"/>
+                </a:solidFill>
+                <a:effectLst/>
+              </a:rPr>
+              <a:t>Sub_metering</a:t>
+            </a:r>
+            <a:r>
+              <a:rPr lang="en-GB" b="0" i="0" dirty="0">
+                <a:solidFill>
+                  <a:srgbClr val="E3E3E3"/>
+                </a:solidFill>
+                <a:effectLst/>
+              </a:rPr>
+              <a:t>' value on a daily basis?</a:t>
+            </a:r>
+          </a:p>
+          <a:p>
+            <a:endParaRPr lang="en-GB" dirty="0">
+              <a:solidFill>
+                <a:srgbClr val="E3E3E3"/>
+              </a:solidFill>
+            </a:endParaRPr>
+          </a:p>
+          <a:p>
+            <a:r>
+              <a:rPr lang="en-GB" dirty="0">
+                <a:solidFill>
+                  <a:srgbClr val="E3E3E3"/>
+                </a:solidFill>
+              </a:rPr>
+              <a:t>5.</a:t>
+            </a:r>
+            <a:r>
+              <a:rPr lang="en-GB" b="0" i="0" dirty="0">
+                <a:solidFill>
+                  <a:srgbClr val="E3E3E3"/>
+                </a:solidFill>
+                <a:effectLst/>
+              </a:rPr>
+              <a:t> How does '</a:t>
+            </a:r>
+            <a:r>
+              <a:rPr lang="en-GB" b="0" i="0" dirty="0" err="1">
+                <a:solidFill>
+                  <a:srgbClr val="E3E3E3"/>
+                </a:solidFill>
+                <a:effectLst/>
+              </a:rPr>
+              <a:t>Global_reactive_power</a:t>
+            </a:r>
+            <a:r>
+              <a:rPr lang="en-GB" b="0" i="0" dirty="0">
+                <a:solidFill>
+                  <a:srgbClr val="E3E3E3"/>
+                </a:solidFill>
+                <a:effectLst/>
+              </a:rPr>
+              <a:t>' differ on holidays compared to regular days?</a:t>
+            </a:r>
             <a:endParaRPr lang="en-GB" dirty="0"/>
           </a:p>
         </p:txBody>
       </p:sp>
-      <p:pic>
-        <p:nvPicPr>
-          <p:cNvPr id="3074" name="Picture 2">
-            <a:extLst>
-              <a:ext uri="{FF2B5EF4-FFF2-40B4-BE49-F238E27FC236}">
-                <a16:creationId xmlns:a16="http://schemas.microsoft.com/office/drawing/2014/main" id="{ED0FE7AC-4112-3A36-7828-9CC70BEA3344}"/>
-              </a:ext>
-            </a:extLst>
-          </p:cNvPr>
-          <p:cNvPicPr>
-            <a:picLocks noChangeAspect="1" noChangeArrowheads="1"/>
-          </p:cNvPicPr>
-          <p:nvPr/>
-        </p:nvPicPr>
-        <p:blipFill>
-          <a:blip r:embed="rId2">
-            <a:extLst>
-              <a:ext uri="{28A0092B-C50C-407E-A947-70E740481C1C}">
-                <a14:useLocalDpi xmlns:a14="http://schemas.microsoft.com/office/drawing/2010/main" val="0"/>
-              </a:ext>
-            </a:extLst>
-          </a:blip>
-          <a:srcRect/>
-          <a:stretch>
-            <a:fillRect/>
-          </a:stretch>
-        </p:blipFill>
-        <p:spPr bwMode="auto">
-          <a:xfrm>
-            <a:off x="5049760" y="1563189"/>
-            <a:ext cx="6594899" cy="4394403"/>
-          </a:xfrm>
-          <a:prstGeom prst="rect">
-            <a:avLst/>
-          </a:prstGeom>
-          <a:noFill/>
-          <a:extLst>
-            <a:ext uri="{909E8E84-426E-40DD-AFC4-6F175D3DCCD1}">
-              <a14:hiddenFill xmlns:a14="http://schemas.microsoft.com/office/drawing/2010/main">
-                <a:solidFill>
-                  <a:srgbClr val="FFFFFF"/>
-                </a:solidFill>
-              </a14:hiddenFill>
-            </a:ext>
-          </a:extLst>
-        </p:spPr>
-      </p:pic>
     </p:spTree>
     <p:extLst>
       <p:ext uri="{BB962C8B-B14F-4D97-AF65-F5344CB8AC3E}">
-        <p14:creationId xmlns:p14="http://schemas.microsoft.com/office/powerpoint/2010/main" val="1628851854"/>
+        <p14:creationId xmlns:p14="http://schemas.microsoft.com/office/powerpoint/2010/main" val="2241459136"/>
       </p:ext>
     </p:extLst>
   </p:cSld>
@@ -13074,13 +13018,7 @@
   <p:cSld>
     <p:spTree>
       <p:nvGrpSpPr>
-        <p:cNvPr id="1" name="">
-          <a:extLst>
-            <a:ext uri="{FF2B5EF4-FFF2-40B4-BE49-F238E27FC236}">
-              <a16:creationId xmlns:a16="http://schemas.microsoft.com/office/drawing/2014/main" id="{2B900BE4-7002-49EA-03A6-51E70F0E900E}"/>
-            </a:ext>
-          </a:extLst>
-        </p:cNvPr>
+        <p:cNvPr id="1" name=""/>
         <p:cNvGrpSpPr/>
         <p:nvPr/>
       </p:nvGrpSpPr>
@@ -13097,7 +13035,7 @@
           <p:cNvPr id="2" name="Title 1">
             <a:extLst>
               <a:ext uri="{FF2B5EF4-FFF2-40B4-BE49-F238E27FC236}">
-                <a16:creationId xmlns:a16="http://schemas.microsoft.com/office/drawing/2014/main" id="{CD4865BF-2B34-4C3B-E999-02C244011389}"/>
+                <a16:creationId xmlns:a16="http://schemas.microsoft.com/office/drawing/2014/main" id="{D12171B8-2AA7-7BFB-A232-EDB460DC4223}"/>
               </a:ext>
             </a:extLst>
           </p:cNvPr>
@@ -13110,60 +13048,52 @@
         </p:nvSpPr>
         <p:spPr>
           <a:xfrm>
-            <a:off x="0" y="387241"/>
+            <a:off x="169717" y="251616"/>
             <a:ext cx="6497089" cy="1325563"/>
           </a:xfrm>
         </p:spPr>
         <p:txBody>
           <a:bodyPr>
-            <a:noAutofit/>
+            <a:normAutofit fontScale="90000"/>
           </a:bodyPr>
           <a:lstStyle/>
           <a:p>
             <a:r>
-              <a:rPr lang="en-GB" sz="2000" dirty="0">
-                <a:solidFill>
-                  <a:srgbClr val="E3E3E3"/>
-                </a:solidFill>
-              </a:rPr>
-              <a:t>3.</a:t>
-            </a:r>
-            <a:r>
-              <a:rPr lang="en-GB" sz="2000" b="0" i="0" dirty="0">
+              <a:rPr lang="en-GB" b="0" i="0" dirty="0">
                 <a:solidFill>
                   <a:srgbClr val="E3E3E3"/>
                 </a:solidFill>
                 <a:effectLst/>
               </a:rPr>
-              <a:t> How does '</a:t>
-            </a:r>
-            <a:r>
-              <a:rPr lang="en-GB" sz="2000" b="0" i="0" dirty="0" err="1">
+              <a:t> 1.How has '</a:t>
+            </a:r>
+            <a:r>
+              <a:rPr lang="en-GB" b="0" i="0" dirty="0" err="1">
                 <a:solidFill>
                   <a:srgbClr val="E3E3E3"/>
                 </a:solidFill>
                 <a:effectLst/>
               </a:rPr>
-              <a:t>Global_intensity</a:t>
-            </a:r>
-            <a:r>
-              <a:rPr lang="en-GB" sz="2000" b="0" i="0" dirty="0">
+              <a:t>Global_active_power</a:t>
+            </a:r>
+            <a:r>
+              <a:rPr lang="en-GB" b="0" i="0" dirty="0">
                 <a:solidFill>
                   <a:srgbClr val="E3E3E3"/>
                 </a:solidFill>
                 <a:effectLst/>
               </a:rPr>
-              <a:t>' fluctuate across different hours of the day?</a:t>
+              <a:t>' changed or trended over time?</a:t>
             </a:r>
             <a:br>
-              <a:rPr lang="en-GB" sz="2000" b="0" i="0" dirty="0">
+              <a:rPr lang="en-GB" b="0" i="0" dirty="0">
                 <a:solidFill>
                   <a:srgbClr val="E3E3E3"/>
                 </a:solidFill>
                 <a:effectLst/>
               </a:rPr>
             </a:br>
-            <a:endParaRPr lang="en-GB" sz="2000" dirty="0"/>
+            <a:endParaRPr lang="en-GB" dirty="0"/>
           </a:p>
         </p:txBody>
       </p:sp>
@@ -13172,7 +13102,7 @@
           <p:cNvPr id="3" name="Content Placeholder 2">
             <a:extLst>
               <a:ext uri="{FF2B5EF4-FFF2-40B4-BE49-F238E27FC236}">
-                <a16:creationId xmlns:a16="http://schemas.microsoft.com/office/drawing/2014/main" id="{BFAB1293-BEBE-A060-6B0F-0E95F144AAB7}"/>
+                <a16:creationId xmlns:a16="http://schemas.microsoft.com/office/drawing/2014/main" id="{9D6C2C86-A193-60C2-8ACA-5747F8BC91D8}"/>
               </a:ext>
             </a:extLst>
           </p:cNvPr>
@@ -13197,7 +13127,7 @@
           <p:cNvPr id="4" name="Slide Number Placeholder 3">
             <a:extLst>
               <a:ext uri="{FF2B5EF4-FFF2-40B4-BE49-F238E27FC236}">
-                <a16:creationId xmlns:a16="http://schemas.microsoft.com/office/drawing/2014/main" id="{36D113F8-D74D-6C7B-B3B1-11C82554F9FF}"/>
+                <a16:creationId xmlns:a16="http://schemas.microsoft.com/office/drawing/2014/main" id="{36E15767-6489-0A2A-12CA-732C74967583}"/>
               </a:ext>
             </a:extLst>
           </p:cNvPr>
@@ -13222,95 +13152,12 @@
           </a:p>
         </p:txBody>
       </p:sp>
-      <p:sp>
-        <p:nvSpPr>
-          <p:cNvPr id="5" name="TextBox 4">
-            <a:extLst>
-              <a:ext uri="{FF2B5EF4-FFF2-40B4-BE49-F238E27FC236}">
-                <a16:creationId xmlns:a16="http://schemas.microsoft.com/office/drawing/2014/main" id="{5AEB64CB-AFFE-1EB1-5C64-70A1DA3C5C6E}"/>
-              </a:ext>
-            </a:extLst>
-          </p:cNvPr>
-          <p:cNvSpPr txBox="1"/>
-          <p:nvPr/>
-        </p:nvSpPr>
-        <p:spPr>
-          <a:xfrm>
-            <a:off x="365760" y="1778924"/>
-            <a:ext cx="4056611" cy="3885679"/>
-          </a:xfrm>
-          <a:prstGeom prst="rect">
-            <a:avLst/>
-          </a:prstGeom>
-          <a:noFill/>
-        </p:spPr>
-        <p:txBody>
-          <a:bodyPr wrap="square" rtlCol="0">
-            <a:spAutoFit/>
-          </a:bodyPr>
-          <a:lstStyle/>
-          <a:p>
-            <a:pPr algn="l">
-              <a:spcAft>
-                <a:spcPts val="450"/>
-              </a:spcAft>
-            </a:pPr>
-            <a:r>
-              <a:rPr lang="en-GB" b="0" i="0" dirty="0">
-                <a:solidFill>
-                  <a:srgbClr val="E3E3E3"/>
-                </a:solidFill>
-                <a:effectLst/>
-                <a:latin typeface="Roboto" panose="02000000000000000000" pitchFamily="2" charset="0"/>
-              </a:rPr>
-              <a:t>1.There is a high frequency of energy usage fluctuations, with frequent spikes across all sub-meters. This indicates intermittent or possibly highly variable energy consumption.</a:t>
-            </a:r>
-          </a:p>
-          <a:p>
-            <a:pPr algn="l">
-              <a:spcAft>
-                <a:spcPts val="450"/>
-              </a:spcAft>
-            </a:pPr>
-            <a:r>
-              <a:rPr lang="en-GB" b="0" i="0" dirty="0">
-                <a:solidFill>
-                  <a:srgbClr val="E3E3E3"/>
-                </a:solidFill>
-                <a:effectLst/>
-                <a:latin typeface="Roboto" panose="02000000000000000000" pitchFamily="2" charset="0"/>
-              </a:rPr>
-              <a:t>2.Sub_metering_1 and Sub_metering_2 seem to show a similar pattern of high-frequency fluctuations.</a:t>
-            </a:r>
-          </a:p>
-          <a:p>
-            <a:pPr algn="l">
-              <a:spcAft>
-                <a:spcPts val="450"/>
-              </a:spcAft>
-            </a:pPr>
-            <a:r>
-              <a:rPr lang="en-GB" b="0" i="0" dirty="0">
-                <a:solidFill>
-                  <a:srgbClr val="E3E3E3"/>
-                </a:solidFill>
-                <a:effectLst/>
-                <a:latin typeface="Roboto" panose="02000000000000000000" pitchFamily="2" charset="0"/>
-              </a:rPr>
-              <a:t>3.Sub_metering_3 shows fewer spikes, with more consistent values over time.</a:t>
-            </a:r>
-          </a:p>
-          <a:p>
-            <a:endParaRPr lang="en-GB" dirty="0"/>
-          </a:p>
-        </p:txBody>
-      </p:sp>
       <p:pic>
         <p:nvPicPr>
-          <p:cNvPr id="4098" name="Picture 2">
-            <a:extLst>
-              <a:ext uri="{FF2B5EF4-FFF2-40B4-BE49-F238E27FC236}">
-                <a16:creationId xmlns:a16="http://schemas.microsoft.com/office/drawing/2014/main" id="{8F142E39-9A62-D57F-FD40-236543492C46}"/>
+          <p:cNvPr id="2050" name="Picture 2">
+            <a:extLst>
+              <a:ext uri="{FF2B5EF4-FFF2-40B4-BE49-F238E27FC236}">
+                <a16:creationId xmlns:a16="http://schemas.microsoft.com/office/drawing/2014/main" id="{9568C66A-4AC1-F046-2D27-21A77E84B123}"/>
               </a:ext>
             </a:extLst>
           </p:cNvPr>
@@ -13334,8 +13181,8 @@
         </p:blipFill>
         <p:spPr bwMode="auto">
           <a:xfrm>
-            <a:off x="4858097" y="1803163"/>
-            <a:ext cx="6821978" cy="4140439"/>
+            <a:off x="4798156" y="1878676"/>
+            <a:ext cx="7205509" cy="3822903"/>
           </a:xfrm>
           <a:prstGeom prst="rect">
             <a:avLst/>
@@ -13352,10 +13199,74 @@
           </a:extLst>
         </p:spPr>
       </p:pic>
+      <p:sp>
+        <p:nvSpPr>
+          <p:cNvPr id="5" name="TextBox 4">
+            <a:extLst>
+              <a:ext uri="{FF2B5EF4-FFF2-40B4-BE49-F238E27FC236}">
+                <a16:creationId xmlns:a16="http://schemas.microsoft.com/office/drawing/2014/main" id="{49711C8D-0C2E-D4A8-7E76-C852A1E429F2}"/>
+              </a:ext>
+            </a:extLst>
+          </p:cNvPr>
+          <p:cNvSpPr txBox="1"/>
+          <p:nvPr/>
+        </p:nvSpPr>
+        <p:spPr>
+          <a:xfrm>
+            <a:off x="365760" y="1778924"/>
+            <a:ext cx="4056611" cy="3821559"/>
+          </a:xfrm>
+          <a:prstGeom prst="rect">
+            <a:avLst/>
+          </a:prstGeom>
+          <a:noFill/>
+        </p:spPr>
+        <p:txBody>
+          <a:bodyPr wrap="square" rtlCol="0">
+            <a:spAutoFit/>
+          </a:bodyPr>
+          <a:lstStyle/>
+          <a:p>
+            <a:pPr algn="l">
+              <a:spcAft>
+                <a:spcPts val="450"/>
+              </a:spcAft>
+            </a:pPr>
+            <a:r>
+              <a:rPr lang="en-GB" b="0" i="0" dirty="0">
+                <a:solidFill>
+                  <a:srgbClr val="E3E3E3"/>
+                </a:solidFill>
+                <a:effectLst/>
+              </a:rPr>
+              <a:t>1.Values above 2 kilowatts are less frequent, and values above 6 kilowatts are very rare. This could imply that high power consumption is either uncommon or occurs only under specific conditions.</a:t>
+            </a:r>
+          </a:p>
+          <a:p>
+            <a:pPr algn="l">
+              <a:spcAft>
+                <a:spcPts val="450"/>
+              </a:spcAft>
+            </a:pPr>
+            <a:r>
+              <a:rPr lang="en-GB" b="0" i="0" dirty="0">
+                <a:solidFill>
+                  <a:srgbClr val="E3E3E3"/>
+                </a:solidFill>
+                <a:effectLst/>
+              </a:rPr>
+              <a:t>2.There is a significant peak around 0.2–0.4 kilowatts, indicating that the most frequent usage level falls within this range. This suggests that low levels of active power are common in this dataset</a:t>
+            </a:r>
+          </a:p>
+          <a:p>
+            <a:endParaRPr lang="en-GB" dirty="0"/>
+          </a:p>
+        </p:txBody>
+      </p:sp>
     </p:spTree>
     <p:extLst>
       <p:ext uri="{BB962C8B-B14F-4D97-AF65-F5344CB8AC3E}">
-        <p14:creationId xmlns:p14="http://schemas.microsoft.com/office/powerpoint/2010/main" val="7461322"/>
+        <p14:creationId xmlns:p14="http://schemas.microsoft.com/office/powerpoint/2010/main" val="2929011595"/>
       </p:ext>
     </p:extLst>
   </p:cSld>
